--- a/docs/images/StorageComponent.pptx
+++ b/docs/images/StorageComponent.pptx
@@ -13,7 +13,7 @@
   <p:sldIdLst>
     <p:sldId id="256" r:id="rId2"/>
   </p:sldIdLst>
-  <p:sldSz cx="9721850" cy="7772400"/>
+  <p:sldSz cx="9721850" cy="7019925"/>
   <p:notesSz cx="6858000" cy="9144000"/>
   <p:custDataLst>
     <p:tags r:id="rId5"/>
@@ -116,12 +116,12 @@
   <p:extLst>
     <p:ext uri="{EFAFB233-063F-42B5-8137-9DF3F51BA10A}">
       <p15:sldGuideLst xmlns:p15="http://schemas.microsoft.com/office/powerpoint/2012/main">
-        <p15:guide id="1" orient="horz" pos="2448">
+        <p15:guide id="1" orient="horz" pos="2211" userDrawn="1">
           <p15:clr>
             <a:srgbClr val="A4A3A4"/>
           </p15:clr>
         </p15:guide>
-        <p15:guide id="2" pos="3062">
+        <p15:guide id="2" pos="3062" userDrawn="1">
           <p15:clr>
             <a:srgbClr val="A4A3A4"/>
           </p15:clr>
@@ -217,7 +217,7 @@
           <a:p>
             <a:fld id="{41BD1D1A-6182-4434-B651-E6786C99D69D}" type="datetimeFigureOut">
               <a:rPr lang="en-AU" smtClean="0"/>
-              <a:t>20/03/2016</a:t>
+              <a:t>30/01/2017</a:t>
             </a:fld>
             <a:endParaRPr lang="en-AU"/>
           </a:p>
@@ -383,7 +383,7 @@
             <a:fld id="{AF301891-4E62-472A-98E9-95DBD40531A4}" type="datetimeFigureOut">
               <a:rPr lang="en-SG" smtClean="0"/>
               <a:pPr/>
-              <a:t>20/3/2016</a:t>
+              <a:t>30/1/2017</a:t>
             </a:fld>
             <a:endParaRPr lang="en-SG"/>
           </a:p>
@@ -401,8 +401,8 @@
         </p:nvSpPr>
         <p:spPr>
           <a:xfrm>
-            <a:off x="1284288" y="685800"/>
-            <a:ext cx="4289425" cy="3429000"/>
+            <a:off x="1055688" y="685800"/>
+            <a:ext cx="4746625" cy="3429000"/>
           </a:xfrm>
           <a:prstGeom prst="rect">
             <a:avLst/>
@@ -681,8 +681,8 @@
         </p:nvSpPr>
         <p:spPr>
           <a:xfrm>
-            <a:off x="1284288" y="685800"/>
-            <a:ext cx="4289425" cy="3429000"/>
+            <a:off x="1055688" y="685800"/>
+            <a:ext cx="4746625" cy="3429000"/>
           </a:xfrm>
         </p:spPr>
       </p:sp>
@@ -771,8 +771,8 @@
         </p:nvSpPr>
         <p:spPr>
           <a:xfrm>
-            <a:off x="729140" y="2414485"/>
-            <a:ext cx="8263573" cy="1666028"/>
+            <a:off x="729141" y="2180730"/>
+            <a:ext cx="8263573" cy="1504734"/>
           </a:xfrm>
           <a:prstGeom prst="rect">
             <a:avLst/>
@@ -802,8 +802,8 @@
         </p:nvSpPr>
         <p:spPr>
           <a:xfrm>
-            <a:off x="1458279" y="4404360"/>
-            <a:ext cx="6805295" cy="1986280"/>
+            <a:off x="1458280" y="3977957"/>
+            <a:ext cx="6805295" cy="1793981"/>
           </a:xfrm>
           <a:prstGeom prst="rect">
             <a:avLst/>
@@ -822,7 +822,7 @@
                 </a:solidFill>
               </a:defRPr>
             </a:lvl1pPr>
-            <a:lvl2pPr marL="457200" indent="0" algn="ctr">
+            <a:lvl2pPr marL="412943" indent="0" algn="ctr">
               <a:buNone/>
               <a:defRPr>
                 <a:solidFill>
@@ -832,7 +832,7 @@
                 </a:solidFill>
               </a:defRPr>
             </a:lvl2pPr>
-            <a:lvl3pPr marL="914400" indent="0" algn="ctr">
+            <a:lvl3pPr marL="825886" indent="0" algn="ctr">
               <a:buNone/>
               <a:defRPr>
                 <a:solidFill>
@@ -842,7 +842,7 @@
                 </a:solidFill>
               </a:defRPr>
             </a:lvl3pPr>
-            <a:lvl4pPr marL="1371600" indent="0" algn="ctr">
+            <a:lvl4pPr marL="1238829" indent="0" algn="ctr">
               <a:buNone/>
               <a:defRPr>
                 <a:solidFill>
@@ -852,7 +852,7 @@
                 </a:solidFill>
               </a:defRPr>
             </a:lvl4pPr>
-            <a:lvl5pPr marL="1828800" indent="0" algn="ctr">
+            <a:lvl5pPr marL="1651772" indent="0" algn="ctr">
               <a:buNone/>
               <a:defRPr>
                 <a:solidFill>
@@ -862,7 +862,7 @@
                 </a:solidFill>
               </a:defRPr>
             </a:lvl5pPr>
-            <a:lvl6pPr marL="2286000" indent="0" algn="ctr">
+            <a:lvl6pPr marL="2064715" indent="0" algn="ctr">
               <a:buNone/>
               <a:defRPr>
                 <a:solidFill>
@@ -872,7 +872,7 @@
                 </a:solidFill>
               </a:defRPr>
             </a:lvl6pPr>
-            <a:lvl7pPr marL="2743200" indent="0" algn="ctr">
+            <a:lvl7pPr marL="2477658" indent="0" algn="ctr">
               <a:buNone/>
               <a:defRPr>
                 <a:solidFill>
@@ -882,7 +882,7 @@
                 </a:solidFill>
               </a:defRPr>
             </a:lvl7pPr>
-            <a:lvl8pPr marL="3200400" indent="0" algn="ctr">
+            <a:lvl8pPr marL="2890601" indent="0" algn="ctr">
               <a:buNone/>
               <a:defRPr>
                 <a:solidFill>
@@ -892,7 +892,7 @@
                 </a:solidFill>
               </a:defRPr>
             </a:lvl8pPr>
-            <a:lvl9pPr marL="3657600" indent="0" algn="ctr">
+            <a:lvl9pPr marL="3303544" indent="0" algn="ctr">
               <a:buNone/>
               <a:defRPr>
                 <a:solidFill>
@@ -924,8 +924,8 @@
         </p:nvSpPr>
         <p:spPr>
           <a:xfrm>
-            <a:off x="486092" y="7203866"/>
-            <a:ext cx="2268432" cy="413808"/>
+            <a:off x="486092" y="6506433"/>
+            <a:ext cx="2268432" cy="373746"/>
           </a:xfrm>
           <a:prstGeom prst="rect">
             <a:avLst/>
@@ -938,7 +938,7 @@
             <a:fld id="{1D8BD707-D9CF-40AE-B4C6-C98DA3205C09}" type="datetimeFigureOut">
               <a:rPr lang="en-US" smtClean="0"/>
               <a:pPr/>
-              <a:t>3/20/2016</a:t>
+              <a:t>1/30/2017</a:t>
             </a:fld>
             <a:endParaRPr lang="en-US"/>
           </a:p>
@@ -956,8 +956,8 @@
         </p:nvSpPr>
         <p:spPr>
           <a:xfrm>
-            <a:off x="3321632" y="7203866"/>
-            <a:ext cx="3078586" cy="413808"/>
+            <a:off x="3321632" y="6506433"/>
+            <a:ext cx="3078586" cy="373746"/>
           </a:xfrm>
           <a:prstGeom prst="rect">
             <a:avLst/>
@@ -983,8 +983,8 @@
         </p:nvSpPr>
         <p:spPr>
           <a:xfrm>
-            <a:off x="6967327" y="7203866"/>
-            <a:ext cx="2268432" cy="413808"/>
+            <a:off x="6967327" y="6506433"/>
+            <a:ext cx="2268432" cy="373746"/>
           </a:xfrm>
           <a:prstGeom prst="rect">
             <a:avLst/>
@@ -1047,8 +1047,8 @@
         </p:nvSpPr>
         <p:spPr>
           <a:xfrm>
-            <a:off x="486094" y="311256"/>
-            <a:ext cx="8749665" cy="1295400"/>
+            <a:off x="486095" y="281122"/>
+            <a:ext cx="8749665" cy="1169988"/>
           </a:xfrm>
           <a:prstGeom prst="rect">
             <a:avLst/>
@@ -1078,8 +1078,8 @@
         </p:nvSpPr>
         <p:spPr>
           <a:xfrm>
-            <a:off x="486094" y="1813563"/>
-            <a:ext cx="8749665" cy="5129425"/>
+            <a:off x="486095" y="1637986"/>
+            <a:ext cx="8749665" cy="4632826"/>
           </a:xfrm>
           <a:prstGeom prst="rect">
             <a:avLst/>
@@ -1138,8 +1138,8 @@
         </p:nvSpPr>
         <p:spPr>
           <a:xfrm>
-            <a:off x="486092" y="7203866"/>
-            <a:ext cx="2268432" cy="413808"/>
+            <a:off x="486092" y="6506433"/>
+            <a:ext cx="2268432" cy="373746"/>
           </a:xfrm>
           <a:prstGeom prst="rect">
             <a:avLst/>
@@ -1152,7 +1152,7 @@
             <a:fld id="{1D8BD707-D9CF-40AE-B4C6-C98DA3205C09}" type="datetimeFigureOut">
               <a:rPr lang="en-US" smtClean="0"/>
               <a:pPr/>
-              <a:t>3/20/2016</a:t>
+              <a:t>1/30/2017</a:t>
             </a:fld>
             <a:endParaRPr lang="en-US"/>
           </a:p>
@@ -1170,8 +1170,8 @@
         </p:nvSpPr>
         <p:spPr>
           <a:xfrm>
-            <a:off x="3321632" y="7203866"/>
-            <a:ext cx="3078586" cy="413808"/>
+            <a:off x="3321632" y="6506433"/>
+            <a:ext cx="3078586" cy="373746"/>
           </a:xfrm>
           <a:prstGeom prst="rect">
             <a:avLst/>
@@ -1197,8 +1197,8 @@
         </p:nvSpPr>
         <p:spPr>
           <a:xfrm>
-            <a:off x="6967327" y="7203866"/>
-            <a:ext cx="2268432" cy="413808"/>
+            <a:off x="6967327" y="6506433"/>
+            <a:ext cx="2268432" cy="373746"/>
           </a:xfrm>
           <a:prstGeom prst="rect">
             <a:avLst/>
@@ -1254,8 +1254,8 @@
         </p:nvSpPr>
         <p:spPr>
           <a:xfrm>
-            <a:off x="7048342" y="311258"/>
-            <a:ext cx="2187416" cy="6631728"/>
+            <a:off x="7048342" y="281124"/>
+            <a:ext cx="2187416" cy="5989686"/>
           </a:xfrm>
           <a:prstGeom prst="rect">
             <a:avLst/>
@@ -1285,8 +1285,8 @@
         </p:nvSpPr>
         <p:spPr>
           <a:xfrm>
-            <a:off x="486093" y="311258"/>
-            <a:ext cx="6400218" cy="6631728"/>
+            <a:off x="486093" y="281124"/>
+            <a:ext cx="6400218" cy="5989686"/>
           </a:xfrm>
           <a:prstGeom prst="rect">
             <a:avLst/>
@@ -1345,8 +1345,8 @@
         </p:nvSpPr>
         <p:spPr>
           <a:xfrm>
-            <a:off x="486092" y="7203866"/>
-            <a:ext cx="2268432" cy="413808"/>
+            <a:off x="486092" y="6506433"/>
+            <a:ext cx="2268432" cy="373746"/>
           </a:xfrm>
           <a:prstGeom prst="rect">
             <a:avLst/>
@@ -1359,7 +1359,7 @@
             <a:fld id="{1D8BD707-D9CF-40AE-B4C6-C98DA3205C09}" type="datetimeFigureOut">
               <a:rPr lang="en-US" smtClean="0"/>
               <a:pPr/>
-              <a:t>3/20/2016</a:t>
+              <a:t>1/30/2017</a:t>
             </a:fld>
             <a:endParaRPr lang="en-US"/>
           </a:p>
@@ -1377,8 +1377,8 @@
         </p:nvSpPr>
         <p:spPr>
           <a:xfrm>
-            <a:off x="3321632" y="7203866"/>
-            <a:ext cx="3078586" cy="413808"/>
+            <a:off x="3321632" y="6506433"/>
+            <a:ext cx="3078586" cy="373746"/>
           </a:xfrm>
           <a:prstGeom prst="rect">
             <a:avLst/>
@@ -1404,8 +1404,8 @@
         </p:nvSpPr>
         <p:spPr>
           <a:xfrm>
-            <a:off x="6967327" y="7203866"/>
-            <a:ext cx="2268432" cy="413808"/>
+            <a:off x="6967327" y="6506433"/>
+            <a:ext cx="2268432" cy="373746"/>
           </a:xfrm>
           <a:prstGeom prst="rect">
             <a:avLst/>
@@ -1461,8 +1461,8 @@
         </p:nvSpPr>
         <p:spPr>
           <a:xfrm>
-            <a:off x="486094" y="311256"/>
-            <a:ext cx="8749665" cy="1295400"/>
+            <a:off x="486095" y="281122"/>
+            <a:ext cx="8749665" cy="1169988"/>
           </a:xfrm>
           <a:prstGeom prst="rect">
             <a:avLst/>
@@ -1492,8 +1492,8 @@
         </p:nvSpPr>
         <p:spPr>
           <a:xfrm>
-            <a:off x="486094" y="1813563"/>
-            <a:ext cx="8749665" cy="5129425"/>
+            <a:off x="486095" y="1637986"/>
+            <a:ext cx="8749665" cy="4632826"/>
           </a:xfrm>
           <a:prstGeom prst="rect">
             <a:avLst/>
@@ -1552,8 +1552,8 @@
         </p:nvSpPr>
         <p:spPr>
           <a:xfrm>
-            <a:off x="486092" y="7203866"/>
-            <a:ext cx="2268432" cy="413808"/>
+            <a:off x="486092" y="6506433"/>
+            <a:ext cx="2268432" cy="373746"/>
           </a:xfrm>
           <a:prstGeom prst="rect">
             <a:avLst/>
@@ -1566,7 +1566,7 @@
             <a:fld id="{1D8BD707-D9CF-40AE-B4C6-C98DA3205C09}" type="datetimeFigureOut">
               <a:rPr lang="en-US" smtClean="0"/>
               <a:pPr/>
-              <a:t>3/20/2016</a:t>
+              <a:t>1/30/2017</a:t>
             </a:fld>
             <a:endParaRPr lang="en-US"/>
           </a:p>
@@ -1584,8 +1584,8 @@
         </p:nvSpPr>
         <p:spPr>
           <a:xfrm>
-            <a:off x="3321632" y="7203866"/>
-            <a:ext cx="3078586" cy="413808"/>
+            <a:off x="3321632" y="6506433"/>
+            <a:ext cx="3078586" cy="373746"/>
           </a:xfrm>
           <a:prstGeom prst="rect">
             <a:avLst/>
@@ -1611,8 +1611,8 @@
         </p:nvSpPr>
         <p:spPr>
           <a:xfrm>
-            <a:off x="6967327" y="7203866"/>
-            <a:ext cx="2268432" cy="413808"/>
+            <a:off x="6967327" y="6506433"/>
+            <a:ext cx="2268432" cy="373746"/>
           </a:xfrm>
           <a:prstGeom prst="rect">
             <a:avLst/>
@@ -1675,8 +1675,8 @@
         </p:nvSpPr>
         <p:spPr>
           <a:xfrm>
-            <a:off x="767960" y="4994490"/>
-            <a:ext cx="8263573" cy="1543685"/>
+            <a:off x="767961" y="4510955"/>
+            <a:ext cx="8263573" cy="1394235"/>
           </a:xfrm>
           <a:prstGeom prst="rect">
             <a:avLst/>
@@ -1686,7 +1686,7 @@
           <a:bodyPr anchor="t"/>
           <a:lstStyle>
             <a:lvl1pPr algn="l">
-              <a:defRPr sz="4000" b="1" cap="all"/>
+              <a:defRPr sz="3613" b="1" cap="all"/>
             </a:lvl1pPr>
           </a:lstStyle>
           <a:p>
@@ -1710,8 +1710,8 @@
         </p:nvSpPr>
         <p:spPr>
           <a:xfrm>
-            <a:off x="767960" y="3294275"/>
-            <a:ext cx="8263573" cy="1700212"/>
+            <a:off x="767961" y="2975344"/>
+            <a:ext cx="8263573" cy="1535608"/>
           </a:xfrm>
           <a:prstGeom prst="rect">
             <a:avLst/>
@@ -1722,7 +1722,7 @@
           <a:lstStyle>
             <a:lvl1pPr marL="0" indent="0">
               <a:buNone/>
-              <a:defRPr sz="2000">
+              <a:defRPr sz="1806">
                 <a:solidFill>
                   <a:schemeClr val="tx1">
                     <a:tint val="75000"/>
@@ -1730,9 +1730,9 @@
                 </a:solidFill>
               </a:defRPr>
             </a:lvl1pPr>
-            <a:lvl2pPr marL="457200" indent="0">
+            <a:lvl2pPr marL="412943" indent="0">
               <a:buNone/>
-              <a:defRPr sz="1800">
+              <a:defRPr sz="1626">
                 <a:solidFill>
                   <a:schemeClr val="tx1">
                     <a:tint val="75000"/>
@@ -1740,9 +1740,9 @@
                 </a:solidFill>
               </a:defRPr>
             </a:lvl2pPr>
-            <a:lvl3pPr marL="914400" indent="0">
+            <a:lvl3pPr marL="825886" indent="0">
               <a:buNone/>
-              <a:defRPr sz="1600">
+              <a:defRPr sz="1445">
                 <a:solidFill>
                   <a:schemeClr val="tx1">
                     <a:tint val="75000"/>
@@ -1750,9 +1750,9 @@
                 </a:solidFill>
               </a:defRPr>
             </a:lvl3pPr>
-            <a:lvl4pPr marL="1371600" indent="0">
+            <a:lvl4pPr marL="1238829" indent="0">
               <a:buNone/>
-              <a:defRPr sz="1400">
+              <a:defRPr sz="1264">
                 <a:solidFill>
                   <a:schemeClr val="tx1">
                     <a:tint val="75000"/>
@@ -1760,9 +1760,9 @@
                 </a:solidFill>
               </a:defRPr>
             </a:lvl4pPr>
-            <a:lvl5pPr marL="1828800" indent="0">
+            <a:lvl5pPr marL="1651772" indent="0">
               <a:buNone/>
-              <a:defRPr sz="1400">
+              <a:defRPr sz="1264">
                 <a:solidFill>
                   <a:schemeClr val="tx1">
                     <a:tint val="75000"/>
@@ -1770,9 +1770,9 @@
                 </a:solidFill>
               </a:defRPr>
             </a:lvl5pPr>
-            <a:lvl6pPr marL="2286000" indent="0">
+            <a:lvl6pPr marL="2064715" indent="0">
               <a:buNone/>
-              <a:defRPr sz="1400">
+              <a:defRPr sz="1264">
                 <a:solidFill>
                   <a:schemeClr val="tx1">
                     <a:tint val="75000"/>
@@ -1780,9 +1780,9 @@
                 </a:solidFill>
               </a:defRPr>
             </a:lvl6pPr>
-            <a:lvl7pPr marL="2743200" indent="0">
+            <a:lvl7pPr marL="2477658" indent="0">
               <a:buNone/>
-              <a:defRPr sz="1400">
+              <a:defRPr sz="1264">
                 <a:solidFill>
                   <a:schemeClr val="tx1">
                     <a:tint val="75000"/>
@@ -1790,9 +1790,9 @@
                 </a:solidFill>
               </a:defRPr>
             </a:lvl7pPr>
-            <a:lvl8pPr marL="3200400" indent="0">
+            <a:lvl8pPr marL="2890601" indent="0">
               <a:buNone/>
-              <a:defRPr sz="1400">
+              <a:defRPr sz="1264">
                 <a:solidFill>
                   <a:schemeClr val="tx1">
                     <a:tint val="75000"/>
@@ -1800,9 +1800,9 @@
                 </a:solidFill>
               </a:defRPr>
             </a:lvl8pPr>
-            <a:lvl9pPr marL="3657600" indent="0">
+            <a:lvl9pPr marL="3303544" indent="0">
               <a:buNone/>
-              <a:defRPr sz="1400">
+              <a:defRPr sz="1264">
                 <a:solidFill>
                   <a:schemeClr val="tx1">
                     <a:tint val="75000"/>
@@ -1832,8 +1832,8 @@
         </p:nvSpPr>
         <p:spPr>
           <a:xfrm>
-            <a:off x="486092" y="7203866"/>
-            <a:ext cx="2268432" cy="413808"/>
+            <a:off x="486092" y="6506433"/>
+            <a:ext cx="2268432" cy="373746"/>
           </a:xfrm>
           <a:prstGeom prst="rect">
             <a:avLst/>
@@ -1846,7 +1846,7 @@
             <a:fld id="{1D8BD707-D9CF-40AE-B4C6-C98DA3205C09}" type="datetimeFigureOut">
               <a:rPr lang="en-US" smtClean="0"/>
               <a:pPr/>
-              <a:t>3/20/2016</a:t>
+              <a:t>1/30/2017</a:t>
             </a:fld>
             <a:endParaRPr lang="en-US"/>
           </a:p>
@@ -1864,8 +1864,8 @@
         </p:nvSpPr>
         <p:spPr>
           <a:xfrm>
-            <a:off x="3321632" y="7203866"/>
-            <a:ext cx="3078586" cy="413808"/>
+            <a:off x="3321632" y="6506433"/>
+            <a:ext cx="3078586" cy="373746"/>
           </a:xfrm>
           <a:prstGeom prst="rect">
             <a:avLst/>
@@ -1891,8 +1891,8 @@
         </p:nvSpPr>
         <p:spPr>
           <a:xfrm>
-            <a:off x="6967327" y="7203866"/>
-            <a:ext cx="2268432" cy="413808"/>
+            <a:off x="6967327" y="6506433"/>
+            <a:ext cx="2268432" cy="373746"/>
           </a:xfrm>
           <a:prstGeom prst="rect">
             <a:avLst/>
@@ -1955,8 +1955,8 @@
         </p:nvSpPr>
         <p:spPr>
           <a:xfrm>
-            <a:off x="486094" y="311256"/>
-            <a:ext cx="8749665" cy="1295400"/>
+            <a:off x="486095" y="281122"/>
+            <a:ext cx="8749665" cy="1169988"/>
           </a:xfrm>
           <a:prstGeom prst="rect">
             <a:avLst/>
@@ -1986,8 +1986,8 @@
         </p:nvSpPr>
         <p:spPr>
           <a:xfrm>
-            <a:off x="486094" y="1813563"/>
-            <a:ext cx="4293817" cy="5129425"/>
+            <a:off x="486095" y="1637986"/>
+            <a:ext cx="4293817" cy="4632826"/>
           </a:xfrm>
           <a:prstGeom prst="rect">
             <a:avLst/>
@@ -1997,31 +1997,31 @@
           <a:bodyPr/>
           <a:lstStyle>
             <a:lvl1pPr>
-              <a:defRPr sz="2800"/>
+              <a:defRPr sz="2529"/>
             </a:lvl1pPr>
             <a:lvl2pPr>
-              <a:defRPr sz="2400"/>
+              <a:defRPr sz="2168"/>
             </a:lvl2pPr>
             <a:lvl3pPr>
-              <a:defRPr sz="2000"/>
+              <a:defRPr sz="1806"/>
             </a:lvl3pPr>
             <a:lvl4pPr>
-              <a:defRPr sz="1800"/>
+              <a:defRPr sz="1626"/>
             </a:lvl4pPr>
             <a:lvl5pPr>
-              <a:defRPr sz="1800"/>
+              <a:defRPr sz="1626"/>
             </a:lvl5pPr>
             <a:lvl6pPr>
-              <a:defRPr sz="1800"/>
+              <a:defRPr sz="1626"/>
             </a:lvl6pPr>
             <a:lvl7pPr>
-              <a:defRPr sz="1800"/>
+              <a:defRPr sz="1626"/>
             </a:lvl7pPr>
             <a:lvl8pPr>
-              <a:defRPr sz="1800"/>
+              <a:defRPr sz="1626"/>
             </a:lvl8pPr>
             <a:lvl9pPr>
-              <a:defRPr sz="1800"/>
+              <a:defRPr sz="1626"/>
             </a:lvl9pPr>
           </a:lstStyle>
           <a:p>
@@ -2074,8 +2074,8 @@
         </p:nvSpPr>
         <p:spPr>
           <a:xfrm>
-            <a:off x="4941941" y="1813563"/>
-            <a:ext cx="4293817" cy="5129425"/>
+            <a:off x="4941942" y="1637986"/>
+            <a:ext cx="4293817" cy="4632826"/>
           </a:xfrm>
           <a:prstGeom prst="rect">
             <a:avLst/>
@@ -2085,31 +2085,31 @@
           <a:bodyPr/>
           <a:lstStyle>
             <a:lvl1pPr>
-              <a:defRPr sz="2800"/>
+              <a:defRPr sz="2529"/>
             </a:lvl1pPr>
             <a:lvl2pPr>
-              <a:defRPr sz="2400"/>
+              <a:defRPr sz="2168"/>
             </a:lvl2pPr>
             <a:lvl3pPr>
-              <a:defRPr sz="2000"/>
+              <a:defRPr sz="1806"/>
             </a:lvl3pPr>
             <a:lvl4pPr>
-              <a:defRPr sz="1800"/>
+              <a:defRPr sz="1626"/>
             </a:lvl4pPr>
             <a:lvl5pPr>
-              <a:defRPr sz="1800"/>
+              <a:defRPr sz="1626"/>
             </a:lvl5pPr>
             <a:lvl6pPr>
-              <a:defRPr sz="1800"/>
+              <a:defRPr sz="1626"/>
             </a:lvl6pPr>
             <a:lvl7pPr>
-              <a:defRPr sz="1800"/>
+              <a:defRPr sz="1626"/>
             </a:lvl7pPr>
             <a:lvl8pPr>
-              <a:defRPr sz="1800"/>
+              <a:defRPr sz="1626"/>
             </a:lvl8pPr>
             <a:lvl9pPr>
-              <a:defRPr sz="1800"/>
+              <a:defRPr sz="1626"/>
             </a:lvl9pPr>
           </a:lstStyle>
           <a:p>
@@ -2162,8 +2162,8 @@
         </p:nvSpPr>
         <p:spPr>
           <a:xfrm>
-            <a:off x="486092" y="7203866"/>
-            <a:ext cx="2268432" cy="413808"/>
+            <a:off x="486092" y="6506433"/>
+            <a:ext cx="2268432" cy="373746"/>
           </a:xfrm>
           <a:prstGeom prst="rect">
             <a:avLst/>
@@ -2176,7 +2176,7 @@
             <a:fld id="{1D8BD707-D9CF-40AE-B4C6-C98DA3205C09}" type="datetimeFigureOut">
               <a:rPr lang="en-US" smtClean="0"/>
               <a:pPr/>
-              <a:t>3/20/2016</a:t>
+              <a:t>1/30/2017</a:t>
             </a:fld>
             <a:endParaRPr lang="en-US"/>
           </a:p>
@@ -2194,8 +2194,8 @@
         </p:nvSpPr>
         <p:spPr>
           <a:xfrm>
-            <a:off x="3321632" y="7203866"/>
-            <a:ext cx="3078586" cy="413808"/>
+            <a:off x="3321632" y="6506433"/>
+            <a:ext cx="3078586" cy="373746"/>
           </a:xfrm>
           <a:prstGeom prst="rect">
             <a:avLst/>
@@ -2221,8 +2221,8 @@
         </p:nvSpPr>
         <p:spPr>
           <a:xfrm>
-            <a:off x="6967327" y="7203866"/>
-            <a:ext cx="2268432" cy="413808"/>
+            <a:off x="6967327" y="6506433"/>
+            <a:ext cx="2268432" cy="373746"/>
           </a:xfrm>
           <a:prstGeom prst="rect">
             <a:avLst/>
@@ -2285,8 +2285,8 @@
         </p:nvSpPr>
         <p:spPr>
           <a:xfrm>
-            <a:off x="486094" y="311256"/>
-            <a:ext cx="8749665" cy="1295400"/>
+            <a:off x="486095" y="281122"/>
+            <a:ext cx="8749665" cy="1169988"/>
           </a:xfrm>
           <a:prstGeom prst="rect">
             <a:avLst/>
@@ -2320,8 +2320,8 @@
         </p:nvSpPr>
         <p:spPr>
           <a:xfrm>
-            <a:off x="486094" y="1739795"/>
-            <a:ext cx="4295505" cy="725064"/>
+            <a:off x="486095" y="1571359"/>
+            <a:ext cx="4295505" cy="654868"/>
           </a:xfrm>
           <a:prstGeom prst="rect">
             <a:avLst/>
@@ -2332,39 +2332,39 @@
           <a:lstStyle>
             <a:lvl1pPr marL="0" indent="0">
               <a:buNone/>
-              <a:defRPr sz="2400" b="1"/>
+              <a:defRPr sz="2168" b="1"/>
             </a:lvl1pPr>
-            <a:lvl2pPr marL="457200" indent="0">
+            <a:lvl2pPr marL="412943" indent="0">
               <a:buNone/>
-              <a:defRPr sz="2000" b="1"/>
+              <a:defRPr sz="1806" b="1"/>
             </a:lvl2pPr>
-            <a:lvl3pPr marL="914400" indent="0">
+            <a:lvl3pPr marL="825886" indent="0">
               <a:buNone/>
-              <a:defRPr sz="1800" b="1"/>
+              <a:defRPr sz="1626" b="1"/>
             </a:lvl3pPr>
-            <a:lvl4pPr marL="1371600" indent="0">
+            <a:lvl4pPr marL="1238829" indent="0">
               <a:buNone/>
-              <a:defRPr sz="1600" b="1"/>
+              <a:defRPr sz="1445" b="1"/>
             </a:lvl4pPr>
-            <a:lvl5pPr marL="1828800" indent="0">
+            <a:lvl5pPr marL="1651772" indent="0">
               <a:buNone/>
-              <a:defRPr sz="1600" b="1"/>
+              <a:defRPr sz="1445" b="1"/>
             </a:lvl5pPr>
-            <a:lvl6pPr marL="2286000" indent="0">
+            <a:lvl6pPr marL="2064715" indent="0">
               <a:buNone/>
-              <a:defRPr sz="1600" b="1"/>
+              <a:defRPr sz="1445" b="1"/>
             </a:lvl6pPr>
-            <a:lvl7pPr marL="2743200" indent="0">
+            <a:lvl7pPr marL="2477658" indent="0">
               <a:buNone/>
-              <a:defRPr sz="1600" b="1"/>
+              <a:defRPr sz="1445" b="1"/>
             </a:lvl7pPr>
-            <a:lvl8pPr marL="3200400" indent="0">
+            <a:lvl8pPr marL="2890601" indent="0">
               <a:buNone/>
-              <a:defRPr sz="1600" b="1"/>
+              <a:defRPr sz="1445" b="1"/>
             </a:lvl8pPr>
-            <a:lvl9pPr marL="3657600" indent="0">
+            <a:lvl9pPr marL="3303544" indent="0">
               <a:buNone/>
-              <a:defRPr sz="1600" b="1"/>
+              <a:defRPr sz="1445" b="1"/>
             </a:lvl9pPr>
           </a:lstStyle>
           <a:p>
@@ -2388,8 +2388,8 @@
         </p:nvSpPr>
         <p:spPr>
           <a:xfrm>
-            <a:off x="486094" y="2464859"/>
-            <a:ext cx="4295505" cy="4478126"/>
+            <a:off x="486095" y="2226227"/>
+            <a:ext cx="4295505" cy="4044582"/>
           </a:xfrm>
           <a:prstGeom prst="rect">
             <a:avLst/>
@@ -2399,31 +2399,31 @@
           <a:bodyPr/>
           <a:lstStyle>
             <a:lvl1pPr>
-              <a:defRPr sz="2400"/>
+              <a:defRPr sz="2168"/>
             </a:lvl1pPr>
             <a:lvl2pPr>
-              <a:defRPr sz="2000"/>
+              <a:defRPr sz="1806"/>
             </a:lvl2pPr>
             <a:lvl3pPr>
-              <a:defRPr sz="1800"/>
+              <a:defRPr sz="1626"/>
             </a:lvl3pPr>
             <a:lvl4pPr>
-              <a:defRPr sz="1600"/>
+              <a:defRPr sz="1445"/>
             </a:lvl4pPr>
             <a:lvl5pPr>
-              <a:defRPr sz="1600"/>
+              <a:defRPr sz="1445"/>
             </a:lvl5pPr>
             <a:lvl6pPr>
-              <a:defRPr sz="1600"/>
+              <a:defRPr sz="1445"/>
             </a:lvl6pPr>
             <a:lvl7pPr>
-              <a:defRPr sz="1600"/>
+              <a:defRPr sz="1445"/>
             </a:lvl7pPr>
             <a:lvl8pPr>
-              <a:defRPr sz="1600"/>
+              <a:defRPr sz="1445"/>
             </a:lvl8pPr>
             <a:lvl9pPr>
-              <a:defRPr sz="1600"/>
+              <a:defRPr sz="1445"/>
             </a:lvl9pPr>
           </a:lstStyle>
           <a:p>
@@ -2476,8 +2476,8 @@
         </p:nvSpPr>
         <p:spPr>
           <a:xfrm>
-            <a:off x="4938566" y="1739795"/>
-            <a:ext cx="4297193" cy="725064"/>
+            <a:off x="4938567" y="1571359"/>
+            <a:ext cx="4297193" cy="654868"/>
           </a:xfrm>
           <a:prstGeom prst="rect">
             <a:avLst/>
@@ -2488,39 +2488,39 @@
           <a:lstStyle>
             <a:lvl1pPr marL="0" indent="0">
               <a:buNone/>
-              <a:defRPr sz="2400" b="1"/>
+              <a:defRPr sz="2168" b="1"/>
             </a:lvl1pPr>
-            <a:lvl2pPr marL="457200" indent="0">
+            <a:lvl2pPr marL="412943" indent="0">
               <a:buNone/>
-              <a:defRPr sz="2000" b="1"/>
+              <a:defRPr sz="1806" b="1"/>
             </a:lvl2pPr>
-            <a:lvl3pPr marL="914400" indent="0">
+            <a:lvl3pPr marL="825886" indent="0">
               <a:buNone/>
-              <a:defRPr sz="1800" b="1"/>
+              <a:defRPr sz="1626" b="1"/>
             </a:lvl3pPr>
-            <a:lvl4pPr marL="1371600" indent="0">
+            <a:lvl4pPr marL="1238829" indent="0">
               <a:buNone/>
-              <a:defRPr sz="1600" b="1"/>
+              <a:defRPr sz="1445" b="1"/>
             </a:lvl4pPr>
-            <a:lvl5pPr marL="1828800" indent="0">
+            <a:lvl5pPr marL="1651772" indent="0">
               <a:buNone/>
-              <a:defRPr sz="1600" b="1"/>
+              <a:defRPr sz="1445" b="1"/>
             </a:lvl5pPr>
-            <a:lvl6pPr marL="2286000" indent="0">
+            <a:lvl6pPr marL="2064715" indent="0">
               <a:buNone/>
-              <a:defRPr sz="1600" b="1"/>
+              <a:defRPr sz="1445" b="1"/>
             </a:lvl6pPr>
-            <a:lvl7pPr marL="2743200" indent="0">
+            <a:lvl7pPr marL="2477658" indent="0">
               <a:buNone/>
-              <a:defRPr sz="1600" b="1"/>
+              <a:defRPr sz="1445" b="1"/>
             </a:lvl7pPr>
-            <a:lvl8pPr marL="3200400" indent="0">
+            <a:lvl8pPr marL="2890601" indent="0">
               <a:buNone/>
-              <a:defRPr sz="1600" b="1"/>
+              <a:defRPr sz="1445" b="1"/>
             </a:lvl8pPr>
-            <a:lvl9pPr marL="3657600" indent="0">
+            <a:lvl9pPr marL="3303544" indent="0">
               <a:buNone/>
-              <a:defRPr sz="1600" b="1"/>
+              <a:defRPr sz="1445" b="1"/>
             </a:lvl9pPr>
           </a:lstStyle>
           <a:p>
@@ -2544,8 +2544,8 @@
         </p:nvSpPr>
         <p:spPr>
           <a:xfrm>
-            <a:off x="4938566" y="2464859"/>
-            <a:ext cx="4297193" cy="4478126"/>
+            <a:off x="4938567" y="2226227"/>
+            <a:ext cx="4297193" cy="4044582"/>
           </a:xfrm>
           <a:prstGeom prst="rect">
             <a:avLst/>
@@ -2555,31 +2555,31 @@
           <a:bodyPr/>
           <a:lstStyle>
             <a:lvl1pPr>
-              <a:defRPr sz="2400"/>
+              <a:defRPr sz="2168"/>
             </a:lvl1pPr>
             <a:lvl2pPr>
-              <a:defRPr sz="2000"/>
+              <a:defRPr sz="1806"/>
             </a:lvl2pPr>
             <a:lvl3pPr>
-              <a:defRPr sz="1800"/>
+              <a:defRPr sz="1626"/>
             </a:lvl3pPr>
             <a:lvl4pPr>
-              <a:defRPr sz="1600"/>
+              <a:defRPr sz="1445"/>
             </a:lvl4pPr>
             <a:lvl5pPr>
-              <a:defRPr sz="1600"/>
+              <a:defRPr sz="1445"/>
             </a:lvl5pPr>
             <a:lvl6pPr>
-              <a:defRPr sz="1600"/>
+              <a:defRPr sz="1445"/>
             </a:lvl6pPr>
             <a:lvl7pPr>
-              <a:defRPr sz="1600"/>
+              <a:defRPr sz="1445"/>
             </a:lvl7pPr>
             <a:lvl8pPr>
-              <a:defRPr sz="1600"/>
+              <a:defRPr sz="1445"/>
             </a:lvl8pPr>
             <a:lvl9pPr>
-              <a:defRPr sz="1600"/>
+              <a:defRPr sz="1445"/>
             </a:lvl9pPr>
           </a:lstStyle>
           <a:p>
@@ -2632,8 +2632,8 @@
         </p:nvSpPr>
         <p:spPr>
           <a:xfrm>
-            <a:off x="486092" y="7203866"/>
-            <a:ext cx="2268432" cy="413808"/>
+            <a:off x="486092" y="6506433"/>
+            <a:ext cx="2268432" cy="373746"/>
           </a:xfrm>
           <a:prstGeom prst="rect">
             <a:avLst/>
@@ -2646,7 +2646,7 @@
             <a:fld id="{1D8BD707-D9CF-40AE-B4C6-C98DA3205C09}" type="datetimeFigureOut">
               <a:rPr lang="en-US" smtClean="0"/>
               <a:pPr/>
-              <a:t>3/20/2016</a:t>
+              <a:t>1/30/2017</a:t>
             </a:fld>
             <a:endParaRPr lang="en-US"/>
           </a:p>
@@ -2664,8 +2664,8 @@
         </p:nvSpPr>
         <p:spPr>
           <a:xfrm>
-            <a:off x="3321632" y="7203866"/>
-            <a:ext cx="3078586" cy="413808"/>
+            <a:off x="3321632" y="6506433"/>
+            <a:ext cx="3078586" cy="373746"/>
           </a:xfrm>
           <a:prstGeom prst="rect">
             <a:avLst/>
@@ -2691,8 +2691,8 @@
         </p:nvSpPr>
         <p:spPr>
           <a:xfrm>
-            <a:off x="6967327" y="7203866"/>
-            <a:ext cx="2268432" cy="413808"/>
+            <a:off x="6967327" y="6506433"/>
+            <a:ext cx="2268432" cy="373746"/>
           </a:xfrm>
           <a:prstGeom prst="rect">
             <a:avLst/>
@@ -2748,8 +2748,8 @@
         </p:nvSpPr>
         <p:spPr>
           <a:xfrm>
-            <a:off x="486094" y="311256"/>
-            <a:ext cx="8749665" cy="1295400"/>
+            <a:off x="486095" y="281122"/>
+            <a:ext cx="8749665" cy="1169988"/>
           </a:xfrm>
           <a:prstGeom prst="rect">
             <a:avLst/>
@@ -2779,8 +2779,8 @@
         </p:nvSpPr>
         <p:spPr>
           <a:xfrm>
-            <a:off x="486092" y="7203866"/>
-            <a:ext cx="2268432" cy="413808"/>
+            <a:off x="486092" y="6506433"/>
+            <a:ext cx="2268432" cy="373746"/>
           </a:xfrm>
           <a:prstGeom prst="rect">
             <a:avLst/>
@@ -2793,7 +2793,7 @@
             <a:fld id="{1D8BD707-D9CF-40AE-B4C6-C98DA3205C09}" type="datetimeFigureOut">
               <a:rPr lang="en-US" smtClean="0"/>
               <a:pPr/>
-              <a:t>3/20/2016</a:t>
+              <a:t>1/30/2017</a:t>
             </a:fld>
             <a:endParaRPr lang="en-US"/>
           </a:p>
@@ -2811,8 +2811,8 @@
         </p:nvSpPr>
         <p:spPr>
           <a:xfrm>
-            <a:off x="3321632" y="7203866"/>
-            <a:ext cx="3078586" cy="413808"/>
+            <a:off x="3321632" y="6506433"/>
+            <a:ext cx="3078586" cy="373746"/>
           </a:xfrm>
           <a:prstGeom prst="rect">
             <a:avLst/>
@@ -2838,8 +2838,8 @@
         </p:nvSpPr>
         <p:spPr>
           <a:xfrm>
-            <a:off x="6967327" y="7203866"/>
-            <a:ext cx="2268432" cy="413808"/>
+            <a:off x="6967327" y="6506433"/>
+            <a:ext cx="2268432" cy="373746"/>
           </a:xfrm>
           <a:prstGeom prst="rect">
             <a:avLst/>
@@ -2895,8 +2895,8 @@
         </p:nvSpPr>
         <p:spPr>
           <a:xfrm>
-            <a:off x="486092" y="7203866"/>
-            <a:ext cx="2268432" cy="413808"/>
+            <a:off x="486092" y="6506433"/>
+            <a:ext cx="2268432" cy="373746"/>
           </a:xfrm>
           <a:prstGeom prst="rect">
             <a:avLst/>
@@ -2909,7 +2909,7 @@
             <a:fld id="{1D8BD707-D9CF-40AE-B4C6-C98DA3205C09}" type="datetimeFigureOut">
               <a:rPr lang="en-US" smtClean="0"/>
               <a:pPr/>
-              <a:t>3/20/2016</a:t>
+              <a:t>1/30/2017</a:t>
             </a:fld>
             <a:endParaRPr lang="en-US"/>
           </a:p>
@@ -2927,8 +2927,8 @@
         </p:nvSpPr>
         <p:spPr>
           <a:xfrm>
-            <a:off x="3321632" y="7203866"/>
-            <a:ext cx="3078586" cy="413808"/>
+            <a:off x="3321632" y="6506433"/>
+            <a:ext cx="3078586" cy="373746"/>
           </a:xfrm>
           <a:prstGeom prst="rect">
             <a:avLst/>
@@ -2954,8 +2954,8 @@
         </p:nvSpPr>
         <p:spPr>
           <a:xfrm>
-            <a:off x="6967327" y="7203866"/>
-            <a:ext cx="2268432" cy="413808"/>
+            <a:off x="6967327" y="6506433"/>
+            <a:ext cx="2268432" cy="373746"/>
           </a:xfrm>
           <a:prstGeom prst="rect">
             <a:avLst/>
@@ -3011,8 +3011,8 @@
         </p:nvSpPr>
         <p:spPr>
           <a:xfrm>
-            <a:off x="486093" y="309457"/>
-            <a:ext cx="3198422" cy="1316990"/>
+            <a:off x="486093" y="279497"/>
+            <a:ext cx="3198422" cy="1189487"/>
           </a:xfrm>
           <a:prstGeom prst="rect">
             <a:avLst/>
@@ -3022,7 +3022,7 @@
           <a:bodyPr anchor="b"/>
           <a:lstStyle>
             <a:lvl1pPr algn="l">
-              <a:defRPr sz="2000" b="1"/>
+              <a:defRPr sz="1806" b="1"/>
             </a:lvl1pPr>
           </a:lstStyle>
           <a:p>
@@ -3046,8 +3046,8 @@
         </p:nvSpPr>
         <p:spPr>
           <a:xfrm>
-            <a:off x="3800974" y="309460"/>
-            <a:ext cx="5434784" cy="6633528"/>
+            <a:off x="3800974" y="279500"/>
+            <a:ext cx="5434784" cy="5991311"/>
           </a:xfrm>
           <a:prstGeom prst="rect">
             <a:avLst/>
@@ -3057,31 +3057,31 @@
           <a:bodyPr/>
           <a:lstStyle>
             <a:lvl1pPr>
-              <a:defRPr sz="3200"/>
+              <a:defRPr sz="2890"/>
             </a:lvl1pPr>
             <a:lvl2pPr>
-              <a:defRPr sz="2800"/>
+              <a:defRPr sz="2529"/>
             </a:lvl2pPr>
             <a:lvl3pPr>
-              <a:defRPr sz="2400"/>
+              <a:defRPr sz="2168"/>
             </a:lvl3pPr>
             <a:lvl4pPr>
-              <a:defRPr sz="2000"/>
+              <a:defRPr sz="1806"/>
             </a:lvl4pPr>
             <a:lvl5pPr>
-              <a:defRPr sz="2000"/>
+              <a:defRPr sz="1806"/>
             </a:lvl5pPr>
             <a:lvl6pPr>
-              <a:defRPr sz="2000"/>
+              <a:defRPr sz="1806"/>
             </a:lvl6pPr>
             <a:lvl7pPr>
-              <a:defRPr sz="2000"/>
+              <a:defRPr sz="1806"/>
             </a:lvl7pPr>
             <a:lvl8pPr>
-              <a:defRPr sz="2000"/>
+              <a:defRPr sz="1806"/>
             </a:lvl8pPr>
             <a:lvl9pPr>
-              <a:defRPr sz="2000"/>
+              <a:defRPr sz="1806"/>
             </a:lvl9pPr>
           </a:lstStyle>
           <a:p>
@@ -3134,8 +3134,8 @@
         </p:nvSpPr>
         <p:spPr>
           <a:xfrm>
-            <a:off x="486093" y="1626450"/>
-            <a:ext cx="3198422" cy="5316538"/>
+            <a:off x="486093" y="1468987"/>
+            <a:ext cx="3198422" cy="4801824"/>
           </a:xfrm>
           <a:prstGeom prst="rect">
             <a:avLst/>
@@ -3146,39 +3146,39 @@
           <a:lstStyle>
             <a:lvl1pPr marL="0" indent="0">
               <a:buNone/>
-              <a:defRPr sz="1400"/>
+              <a:defRPr sz="1264"/>
             </a:lvl1pPr>
-            <a:lvl2pPr marL="457200" indent="0">
+            <a:lvl2pPr marL="412943" indent="0">
               <a:buNone/>
-              <a:defRPr sz="1200"/>
+              <a:defRPr sz="1084"/>
             </a:lvl2pPr>
-            <a:lvl3pPr marL="914400" indent="0">
+            <a:lvl3pPr marL="825886" indent="0">
               <a:buNone/>
-              <a:defRPr sz="1000"/>
+              <a:defRPr sz="903"/>
             </a:lvl3pPr>
-            <a:lvl4pPr marL="1371600" indent="0">
+            <a:lvl4pPr marL="1238829" indent="0">
               <a:buNone/>
-              <a:defRPr sz="900"/>
+              <a:defRPr sz="813"/>
             </a:lvl4pPr>
-            <a:lvl5pPr marL="1828800" indent="0">
+            <a:lvl5pPr marL="1651772" indent="0">
               <a:buNone/>
-              <a:defRPr sz="900"/>
+              <a:defRPr sz="813"/>
             </a:lvl5pPr>
-            <a:lvl6pPr marL="2286000" indent="0">
+            <a:lvl6pPr marL="2064715" indent="0">
               <a:buNone/>
-              <a:defRPr sz="900"/>
+              <a:defRPr sz="813"/>
             </a:lvl6pPr>
-            <a:lvl7pPr marL="2743200" indent="0">
+            <a:lvl7pPr marL="2477658" indent="0">
               <a:buNone/>
-              <a:defRPr sz="900"/>
+              <a:defRPr sz="813"/>
             </a:lvl7pPr>
-            <a:lvl8pPr marL="3200400" indent="0">
+            <a:lvl8pPr marL="2890601" indent="0">
               <a:buNone/>
-              <a:defRPr sz="900"/>
+              <a:defRPr sz="813"/>
             </a:lvl8pPr>
-            <a:lvl9pPr marL="3657600" indent="0">
+            <a:lvl9pPr marL="3303544" indent="0">
               <a:buNone/>
-              <a:defRPr sz="900"/>
+              <a:defRPr sz="813"/>
             </a:lvl9pPr>
           </a:lstStyle>
           <a:p>
@@ -3202,8 +3202,8 @@
         </p:nvSpPr>
         <p:spPr>
           <a:xfrm>
-            <a:off x="486092" y="7203866"/>
-            <a:ext cx="2268432" cy="413808"/>
+            <a:off x="486092" y="6506433"/>
+            <a:ext cx="2268432" cy="373746"/>
           </a:xfrm>
           <a:prstGeom prst="rect">
             <a:avLst/>
@@ -3216,7 +3216,7 @@
             <a:fld id="{1D8BD707-D9CF-40AE-B4C6-C98DA3205C09}" type="datetimeFigureOut">
               <a:rPr lang="en-US" smtClean="0"/>
               <a:pPr/>
-              <a:t>3/20/2016</a:t>
+              <a:t>1/30/2017</a:t>
             </a:fld>
             <a:endParaRPr lang="en-US"/>
           </a:p>
@@ -3234,8 +3234,8 @@
         </p:nvSpPr>
         <p:spPr>
           <a:xfrm>
-            <a:off x="3321632" y="7203866"/>
-            <a:ext cx="3078586" cy="413808"/>
+            <a:off x="3321632" y="6506433"/>
+            <a:ext cx="3078586" cy="373746"/>
           </a:xfrm>
           <a:prstGeom prst="rect">
             <a:avLst/>
@@ -3261,8 +3261,8 @@
         </p:nvSpPr>
         <p:spPr>
           <a:xfrm>
-            <a:off x="6967327" y="7203866"/>
-            <a:ext cx="2268432" cy="413808"/>
+            <a:off x="6967327" y="6506433"/>
+            <a:ext cx="2268432" cy="373746"/>
           </a:xfrm>
           <a:prstGeom prst="rect">
             <a:avLst/>
@@ -3318,8 +3318,8 @@
         </p:nvSpPr>
         <p:spPr>
           <a:xfrm>
-            <a:off x="1905550" y="5440680"/>
-            <a:ext cx="5833110" cy="642303"/>
+            <a:off x="1905550" y="4913948"/>
+            <a:ext cx="5833110" cy="580119"/>
           </a:xfrm>
           <a:prstGeom prst="rect">
             <a:avLst/>
@@ -3329,7 +3329,7 @@
           <a:bodyPr anchor="b"/>
           <a:lstStyle>
             <a:lvl1pPr algn="l">
-              <a:defRPr sz="2000" b="1"/>
+              <a:defRPr sz="1806" b="1"/>
             </a:lvl1pPr>
           </a:lstStyle>
           <a:p>
@@ -3353,8 +3353,8 @@
         </p:nvSpPr>
         <p:spPr>
           <a:xfrm>
-            <a:off x="1905550" y="694478"/>
-            <a:ext cx="5833110" cy="4663440"/>
+            <a:off x="1905550" y="627243"/>
+            <a:ext cx="5833110" cy="4211955"/>
           </a:xfrm>
           <a:prstGeom prst="rect">
             <a:avLst/>
@@ -3365,39 +3365,39 @@
           <a:lstStyle>
             <a:lvl1pPr marL="0" indent="0">
               <a:buNone/>
-              <a:defRPr sz="3200"/>
+              <a:defRPr sz="2890"/>
             </a:lvl1pPr>
-            <a:lvl2pPr marL="457200" indent="0">
+            <a:lvl2pPr marL="412943" indent="0">
               <a:buNone/>
-              <a:defRPr sz="2800"/>
+              <a:defRPr sz="2529"/>
             </a:lvl2pPr>
-            <a:lvl3pPr marL="914400" indent="0">
+            <a:lvl3pPr marL="825886" indent="0">
               <a:buNone/>
-              <a:defRPr sz="2400"/>
+              <a:defRPr sz="2168"/>
             </a:lvl3pPr>
-            <a:lvl4pPr marL="1371600" indent="0">
+            <a:lvl4pPr marL="1238829" indent="0">
               <a:buNone/>
-              <a:defRPr sz="2000"/>
+              <a:defRPr sz="1806"/>
             </a:lvl4pPr>
-            <a:lvl5pPr marL="1828800" indent="0">
+            <a:lvl5pPr marL="1651772" indent="0">
               <a:buNone/>
-              <a:defRPr sz="2000"/>
+              <a:defRPr sz="1806"/>
             </a:lvl5pPr>
-            <a:lvl6pPr marL="2286000" indent="0">
+            <a:lvl6pPr marL="2064715" indent="0">
               <a:buNone/>
-              <a:defRPr sz="2000"/>
+              <a:defRPr sz="1806"/>
             </a:lvl6pPr>
-            <a:lvl7pPr marL="2743200" indent="0">
+            <a:lvl7pPr marL="2477658" indent="0">
               <a:buNone/>
-              <a:defRPr sz="2000"/>
+              <a:defRPr sz="1806"/>
             </a:lvl7pPr>
-            <a:lvl8pPr marL="3200400" indent="0">
+            <a:lvl8pPr marL="2890601" indent="0">
               <a:buNone/>
-              <a:defRPr sz="2000"/>
+              <a:defRPr sz="1806"/>
             </a:lvl8pPr>
-            <a:lvl9pPr marL="3657600" indent="0">
+            <a:lvl9pPr marL="3303544" indent="0">
               <a:buNone/>
-              <a:defRPr sz="2000"/>
+              <a:defRPr sz="1806"/>
             </a:lvl9pPr>
           </a:lstStyle>
           <a:p>
@@ -3417,8 +3417,8 @@
         </p:nvSpPr>
         <p:spPr>
           <a:xfrm>
-            <a:off x="1905550" y="6082983"/>
-            <a:ext cx="5833110" cy="912177"/>
+            <a:off x="1905550" y="5494067"/>
+            <a:ext cx="5833110" cy="823866"/>
           </a:xfrm>
           <a:prstGeom prst="rect">
             <a:avLst/>
@@ -3429,39 +3429,39 @@
           <a:lstStyle>
             <a:lvl1pPr marL="0" indent="0">
               <a:buNone/>
-              <a:defRPr sz="1400"/>
+              <a:defRPr sz="1264"/>
             </a:lvl1pPr>
-            <a:lvl2pPr marL="457200" indent="0">
+            <a:lvl2pPr marL="412943" indent="0">
               <a:buNone/>
-              <a:defRPr sz="1200"/>
+              <a:defRPr sz="1084"/>
             </a:lvl2pPr>
-            <a:lvl3pPr marL="914400" indent="0">
+            <a:lvl3pPr marL="825886" indent="0">
               <a:buNone/>
-              <a:defRPr sz="1000"/>
+              <a:defRPr sz="903"/>
             </a:lvl3pPr>
-            <a:lvl4pPr marL="1371600" indent="0">
+            <a:lvl4pPr marL="1238829" indent="0">
               <a:buNone/>
-              <a:defRPr sz="900"/>
+              <a:defRPr sz="813"/>
             </a:lvl4pPr>
-            <a:lvl5pPr marL="1828800" indent="0">
+            <a:lvl5pPr marL="1651772" indent="0">
               <a:buNone/>
-              <a:defRPr sz="900"/>
+              <a:defRPr sz="813"/>
             </a:lvl5pPr>
-            <a:lvl6pPr marL="2286000" indent="0">
+            <a:lvl6pPr marL="2064715" indent="0">
               <a:buNone/>
-              <a:defRPr sz="900"/>
+              <a:defRPr sz="813"/>
             </a:lvl6pPr>
-            <a:lvl7pPr marL="2743200" indent="0">
+            <a:lvl7pPr marL="2477658" indent="0">
               <a:buNone/>
-              <a:defRPr sz="900"/>
+              <a:defRPr sz="813"/>
             </a:lvl7pPr>
-            <a:lvl8pPr marL="3200400" indent="0">
+            <a:lvl8pPr marL="2890601" indent="0">
               <a:buNone/>
-              <a:defRPr sz="900"/>
+              <a:defRPr sz="813"/>
             </a:lvl8pPr>
-            <a:lvl9pPr marL="3657600" indent="0">
+            <a:lvl9pPr marL="3303544" indent="0">
               <a:buNone/>
-              <a:defRPr sz="900"/>
+              <a:defRPr sz="813"/>
             </a:lvl9pPr>
           </a:lstStyle>
           <a:p>
@@ -3485,8 +3485,8 @@
         </p:nvSpPr>
         <p:spPr>
           <a:xfrm>
-            <a:off x="486092" y="7203866"/>
-            <a:ext cx="2268432" cy="413808"/>
+            <a:off x="486092" y="6506433"/>
+            <a:ext cx="2268432" cy="373746"/>
           </a:xfrm>
           <a:prstGeom prst="rect">
             <a:avLst/>
@@ -3499,7 +3499,7 @@
             <a:fld id="{1D8BD707-D9CF-40AE-B4C6-C98DA3205C09}" type="datetimeFigureOut">
               <a:rPr lang="en-US" smtClean="0"/>
               <a:pPr/>
-              <a:t>3/20/2016</a:t>
+              <a:t>1/30/2017</a:t>
             </a:fld>
             <a:endParaRPr lang="en-US"/>
           </a:p>
@@ -3517,8 +3517,8 @@
         </p:nvSpPr>
         <p:spPr>
           <a:xfrm>
-            <a:off x="3321632" y="7203866"/>
-            <a:ext cx="3078586" cy="413808"/>
+            <a:off x="3321632" y="6506433"/>
+            <a:ext cx="3078586" cy="373746"/>
           </a:xfrm>
           <a:prstGeom prst="rect">
             <a:avLst/>
@@ -3544,8 +3544,8 @@
         </p:nvSpPr>
         <p:spPr>
           <a:xfrm>
-            <a:off x="6967327" y="7203866"/>
-            <a:ext cx="2268432" cy="413808"/>
+            <a:off x="6967327" y="6506433"/>
+            <a:ext cx="2268432" cy="373746"/>
           </a:xfrm>
           <a:prstGeom prst="rect">
             <a:avLst/>
@@ -3602,8 +3602,8 @@
         </p:nvSpPr>
         <p:spPr>
           <a:xfrm>
-            <a:off x="1127126" y="109622"/>
-            <a:ext cx="8462272" cy="7053178"/>
+            <a:off x="974726" y="99009"/>
+            <a:ext cx="7619999" cy="6783270"/>
           </a:xfrm>
           <a:prstGeom prst="roundRect">
             <a:avLst>
@@ -3612,15 +3612,14 @@
           </a:prstGeom>
           <a:solidFill>
             <a:schemeClr val="accent3">
-              <a:lumMod val="40000"/>
-              <a:lumOff val="60000"/>
+              <a:lumMod val="60000"/>
+              <a:lumOff val="40000"/>
             </a:schemeClr>
           </a:solidFill>
           <a:ln>
             <a:solidFill>
               <a:schemeClr val="accent3">
-                <a:lumMod val="60000"/>
-                <a:lumOff val="40000"/>
+                <a:lumMod val="75000"/>
               </a:schemeClr>
             </a:solidFill>
           </a:ln>
@@ -3646,10 +3645,10 @@
           <a:lstStyle/>
           <a:p>
             <a:r>
-              <a:rPr lang="en-US" sz="1600" b="1" dirty="0"/>
+              <a:rPr lang="en-US" sz="1445" b="1" dirty="0"/>
               <a:t>Storage</a:t>
             </a:r>
-            <a:endParaRPr lang="en-SG" sz="1600" b="1" dirty="0"/>
+            <a:endParaRPr lang="en-SG" sz="1445" b="1" dirty="0"/>
           </a:p>
         </p:txBody>
       </p:sp>
@@ -3661,10 +3660,10 @@
         </p:nvGrpSpPr>
         <p:grpSpPr>
           <a:xfrm>
-            <a:off x="1279527" y="3581400"/>
-            <a:ext cx="4560438" cy="1965430"/>
-            <a:chOff x="-4267200" y="1447800"/>
-            <a:chExt cx="5410200" cy="1710584"/>
+            <a:off x="1127127" y="2850249"/>
+            <a:ext cx="7239003" cy="1878912"/>
+            <a:chOff x="-4267200" y="1367340"/>
+            <a:chExt cx="5410200" cy="1700352"/>
           </a:xfrm>
           <a:solidFill>
             <a:schemeClr val="bg1"/>
@@ -3679,7 +3678,7 @@
           <p:spPr>
             <a:xfrm>
               <a:off x="-4267200" y="1524000"/>
-              <a:ext cx="5410200" cy="1634384"/>
+              <a:ext cx="5410200" cy="1543692"/>
             </a:xfrm>
             <a:prstGeom prst="rect">
               <a:avLst/>
@@ -3688,155 +3687,7 @@
             <a:ln>
               <a:solidFill>
                 <a:schemeClr val="accent3">
-                  <a:lumMod val="60000"/>
-                  <a:lumOff val="40000"/>
-                </a:schemeClr>
-              </a:solidFill>
-            </a:ln>
-          </p:spPr>
-          <p:style>
-            <a:lnRef idx="2">
-              <a:schemeClr val="accent1">
-                <a:shade val="50000"/>
-              </a:schemeClr>
-            </a:lnRef>
-            <a:fillRef idx="1">
-              <a:schemeClr val="accent1"/>
-            </a:fillRef>
-            <a:effectRef idx="0">
-              <a:schemeClr val="accent1"/>
-            </a:effectRef>
-            <a:fontRef idx="minor">
-              <a:schemeClr val="lt1"/>
-            </a:fontRef>
-          </p:style>
-          <p:txBody>
-            <a:bodyPr rtlCol="0" anchor="b" anchorCtr="0"/>
-            <a:lstStyle/>
-            <a:p>
-              <a:r>
-                <a:rPr lang="en-US" sz="1400" b="1" dirty="0" smtClean="0">
-                  <a:solidFill>
-                    <a:schemeClr val="accent3">
-                      <a:lumMod val="75000"/>
-                    </a:schemeClr>
-                  </a:solidFill>
-                </a:rPr>
-                <a:t>storage::</a:t>
-              </a:r>
-              <a:r>
-                <a:rPr lang="en-US" sz="1400" b="1" dirty="0" err="1" smtClean="0">
-                  <a:solidFill>
-                    <a:schemeClr val="accent3">
-                      <a:lumMod val="75000"/>
-                    </a:schemeClr>
-                  </a:solidFill>
-                </a:rPr>
-                <a:t>api</a:t>
-              </a:r>
-              <a:endParaRPr lang="en-SG" sz="1400" b="1" dirty="0">
-                <a:solidFill>
-                  <a:schemeClr val="accent3">
-                    <a:lumMod val="75000"/>
-                  </a:schemeClr>
-                </a:solidFill>
-              </a:endParaRPr>
-            </a:p>
-          </p:txBody>
-        </p:sp>
-        <p:sp>
-          <p:nvSpPr>
-            <p:cNvPr id="10" name="Rectangle 9"/>
-            <p:cNvSpPr/>
-            <p:nvPr/>
-          </p:nvSpPr>
-          <p:spPr>
-            <a:xfrm>
-              <a:off x="647700" y="1447800"/>
-              <a:ext cx="495300" cy="76200"/>
-            </a:xfrm>
-            <a:prstGeom prst="rect">
-              <a:avLst/>
-            </a:prstGeom>
-            <a:grpFill/>
-            <a:ln>
-              <a:solidFill>
-                <a:schemeClr val="accent3">
-                  <a:lumMod val="60000"/>
-                  <a:lumOff val="40000"/>
-                </a:schemeClr>
-              </a:solidFill>
-            </a:ln>
-          </p:spPr>
-          <p:style>
-            <a:lnRef idx="2">
-              <a:schemeClr val="accent1">
-                <a:shade val="50000"/>
-              </a:schemeClr>
-            </a:lnRef>
-            <a:fillRef idx="1">
-              <a:schemeClr val="accent1"/>
-            </a:fillRef>
-            <a:effectRef idx="0">
-              <a:schemeClr val="accent1"/>
-            </a:effectRef>
-            <a:fontRef idx="minor">
-              <a:schemeClr val="lt1"/>
-            </a:fontRef>
-          </p:style>
-          <p:txBody>
-            <a:bodyPr rtlCol="0" anchor="t" anchorCtr="0"/>
-            <a:lstStyle/>
-            <a:p>
-              <a:pPr algn="ctr"/>
-              <a:endParaRPr lang="en-SG" sz="1400" b="1">
-                <a:solidFill>
-                  <a:schemeClr val="accent3">
-                    <a:lumMod val="75000"/>
-                  </a:schemeClr>
-                </a:solidFill>
-              </a:endParaRPr>
-            </a:p>
-          </p:txBody>
-        </p:sp>
-      </p:grpSp>
-      <p:grpSp>
-        <p:nvGrpSpPr>
-          <p:cNvPr id="11" name="Group 10"/>
-          <p:cNvGrpSpPr/>
-          <p:nvPr userDrawn="1"/>
-        </p:nvGrpSpPr>
-        <p:grpSpPr>
-          <a:xfrm>
-            <a:off x="1279526" y="425451"/>
-            <a:ext cx="8066825" cy="2927349"/>
-            <a:chOff x="-4267200" y="1447800"/>
-            <a:chExt cx="5410200" cy="2823882"/>
-          </a:xfrm>
-          <a:solidFill>
-            <a:schemeClr val="bg1"/>
-          </a:solidFill>
-        </p:grpSpPr>
-        <p:sp>
-          <p:nvSpPr>
-            <p:cNvPr id="12" name="Rectangle 11"/>
-            <p:cNvSpPr/>
-            <p:nvPr/>
-          </p:nvSpPr>
-          <p:spPr>
-            <a:xfrm>
-              <a:off x="-4267200" y="1523999"/>
-              <a:ext cx="5410200" cy="2747683"/>
-            </a:xfrm>
-            <a:prstGeom prst="rect">
-              <a:avLst/>
-            </a:prstGeom>
-            <a:grpFill/>
-            <a:ln>
-              <a:solidFill>
-                <a:schemeClr val="accent3">
-                  <a:lumMod val="60000"/>
-                  <a:lumOff val="40000"/>
+                  <a:lumMod val="75000"/>
                 </a:schemeClr>
               </a:solidFill>
             </a:ln>
@@ -3863,16 +3714,26 @@
             <a:p>
               <a:pPr algn="r"/>
               <a:r>
-                <a:rPr lang="en-US" sz="1400" b="1" dirty="0" smtClean="0">
+                <a:rPr lang="en-US" sz="1264" b="1" dirty="0" smtClean="0">
                   <a:solidFill>
                     <a:schemeClr val="accent3">
                       <a:lumMod val="75000"/>
                     </a:schemeClr>
                   </a:solidFill>
                 </a:rPr>
-                <a:t>storage::entity</a:t>
+                <a:t>storage::</a:t>
               </a:r>
-              <a:endParaRPr lang="en-SG" sz="1400" b="1" dirty="0">
+              <a:r>
+                <a:rPr lang="en-US" sz="1264" b="1" dirty="0" err="1" smtClean="0">
+                  <a:solidFill>
+                    <a:schemeClr val="accent3">
+                      <a:lumMod val="75000"/>
+                    </a:schemeClr>
+                  </a:solidFill>
+                </a:rPr>
+                <a:t>api</a:t>
+              </a:r>
+              <a:endParaRPr lang="en-SG" sz="1264" b="1" dirty="0">
                 <a:solidFill>
                   <a:schemeClr val="accent3">
                     <a:lumMod val="75000"/>
@@ -3884,14 +3745,14 @@
         </p:sp>
         <p:sp>
           <p:nvSpPr>
-            <p:cNvPr id="13" name="Rectangle 12"/>
+            <p:cNvPr id="10" name="Rectangle 9"/>
             <p:cNvSpPr/>
             <p:nvPr/>
           </p:nvSpPr>
           <p:spPr>
             <a:xfrm>
-              <a:off x="647700" y="1447800"/>
-              <a:ext cx="495300" cy="76200"/>
+              <a:off x="-471319" y="1367340"/>
+              <a:ext cx="1614315" cy="156660"/>
             </a:xfrm>
             <a:prstGeom prst="rect">
               <a:avLst/>
@@ -3900,8 +3761,7 @@
             <a:ln>
               <a:solidFill>
                 <a:schemeClr val="accent3">
-                  <a:lumMod val="60000"/>
-                  <a:lumOff val="40000"/>
+                  <a:lumMod val="75000"/>
                 </a:schemeClr>
               </a:solidFill>
             </a:ln>
@@ -3927,7 +3787,7 @@
             <a:lstStyle/>
             <a:p>
               <a:pPr algn="ctr"/>
-              <a:endParaRPr lang="en-SG" sz="1400" b="1">
+              <a:endParaRPr lang="en-SG" sz="1264" b="1">
                 <a:solidFill>
                   <a:schemeClr val="accent3">
                     <a:lumMod val="75000"/>
@@ -3940,16 +3800,16 @@
       </p:grpSp>
       <p:grpSp>
         <p:nvGrpSpPr>
-          <p:cNvPr id="15" name="Group 14"/>
+          <p:cNvPr id="11" name="Group 10"/>
           <p:cNvGrpSpPr/>
           <p:nvPr userDrawn="1"/>
         </p:nvGrpSpPr>
         <p:grpSpPr>
           <a:xfrm>
-            <a:off x="1279525" y="5791200"/>
-            <a:ext cx="4560439" cy="1219200"/>
-            <a:chOff x="-4267200" y="1447800"/>
-            <a:chExt cx="5410200" cy="1177184"/>
+            <a:off x="1133477" y="527704"/>
+            <a:ext cx="7232648" cy="2052023"/>
+            <a:chOff x="-4267200" y="1292606"/>
+            <a:chExt cx="5410204" cy="2742883"/>
           </a:xfrm>
           <a:solidFill>
             <a:schemeClr val="bg1"/>
@@ -3957,14 +3817,14 @@
         </p:grpSpPr>
         <p:sp>
           <p:nvSpPr>
-            <p:cNvPr id="16" name="Rectangle 15"/>
+            <p:cNvPr id="12" name="Rectangle 11"/>
             <p:cNvSpPr/>
             <p:nvPr/>
           </p:nvSpPr>
           <p:spPr>
             <a:xfrm>
-              <a:off x="-4267200" y="1524000"/>
-              <a:ext cx="5410200" cy="1100984"/>
+              <a:off x="-4267200" y="1523999"/>
+              <a:ext cx="5410200" cy="2511490"/>
             </a:xfrm>
             <a:prstGeom prst="rect">
               <a:avLst/>
@@ -3973,8 +3833,7 @@
             <a:ln>
               <a:solidFill>
                 <a:schemeClr val="accent3">
-                  <a:lumMod val="60000"/>
-                  <a:lumOff val="40000"/>
+                  <a:lumMod val="75000"/>
                 </a:schemeClr>
               </a:solidFill>
             </a:ln>
@@ -3999,27 +3858,18 @@
             <a:bodyPr rtlCol="0" anchor="t" anchorCtr="0"/>
             <a:lstStyle/>
             <a:p>
+              <a:pPr algn="r"/>
               <a:r>
-                <a:rPr lang="en-US" sz="1400" b="1" dirty="0" smtClean="0">
+                <a:rPr lang="en-US" sz="1264" b="1" dirty="0" smtClean="0">
                   <a:solidFill>
                     <a:schemeClr val="accent3">
                       <a:lumMod val="75000"/>
                     </a:schemeClr>
                   </a:solidFill>
                 </a:rPr>
-                <a:t>storage::</a:t>
+                <a:t>storage::entity</a:t>
               </a:r>
-              <a:r>
-                <a:rPr lang="en-US" sz="1400" b="1" dirty="0" err="1" smtClean="0">
-                  <a:solidFill>
-                    <a:schemeClr val="accent3">
-                      <a:lumMod val="75000"/>
-                    </a:schemeClr>
-                  </a:solidFill>
-                </a:rPr>
-                <a:t>datastore</a:t>
-              </a:r>
-              <a:endParaRPr lang="en-SG" sz="1400" b="1" dirty="0">
+              <a:endParaRPr lang="en-SG" sz="1264" b="1" dirty="0">
                 <a:solidFill>
                   <a:schemeClr val="accent3">
                     <a:lumMod val="75000"/>
@@ -4031,14 +3881,14 @@
         </p:sp>
         <p:sp>
           <p:nvSpPr>
-            <p:cNvPr id="17" name="Rectangle 16"/>
+            <p:cNvPr id="13" name="Rectangle 12"/>
             <p:cNvSpPr/>
             <p:nvPr/>
           </p:nvSpPr>
           <p:spPr>
             <a:xfrm>
-              <a:off x="647700" y="1447800"/>
-              <a:ext cx="495300" cy="76200"/>
+              <a:off x="-472731" y="1292606"/>
+              <a:ext cx="1615735" cy="231394"/>
             </a:xfrm>
             <a:prstGeom prst="rect">
               <a:avLst/>
@@ -4047,8 +3897,7 @@
             <a:ln>
               <a:solidFill>
                 <a:schemeClr val="accent3">
-                  <a:lumMod val="60000"/>
-                  <a:lumOff val="40000"/>
+                  <a:lumMod val="75000"/>
                 </a:schemeClr>
               </a:solidFill>
             </a:ln>
@@ -4074,7 +3923,7 @@
             <a:lstStyle/>
             <a:p>
               <a:pPr algn="ctr"/>
-              <a:endParaRPr lang="en-SG" sz="1400" b="1">
+              <a:endParaRPr lang="en-SG" sz="1264" b="1">
                 <a:solidFill>
                   <a:schemeClr val="accent3">
                     <a:lumMod val="75000"/>
@@ -4085,93 +3934,6 @@
           </p:txBody>
         </p:sp>
       </p:grpSp>
-      <p:cxnSp>
-        <p:nvCxnSpPr>
-          <p:cNvPr id="47" name="Straight Arrow Connector 46"/>
-          <p:cNvCxnSpPr/>
-          <p:nvPr userDrawn="1"/>
-        </p:nvCxnSpPr>
-        <p:spPr>
-          <a:xfrm>
-            <a:off x="6003925" y="7486090"/>
-            <a:ext cx="1424147" cy="0"/>
-          </a:xfrm>
-          <a:prstGeom prst="straightConnector1">
-            <a:avLst/>
-          </a:prstGeom>
-          <a:ln w="57150" cmpd="dbl">
-            <a:solidFill>
-              <a:schemeClr val="tx1">
-                <a:lumMod val="50000"/>
-                <a:lumOff val="50000"/>
-              </a:schemeClr>
-            </a:solidFill>
-            <a:prstDash val="solid"/>
-            <a:headEnd type="none" w="med" len="med"/>
-            <a:tailEnd type="triangle" w="med" len="med"/>
-          </a:ln>
-        </p:spPr>
-        <p:style>
-          <a:lnRef idx="2">
-            <a:schemeClr val="accent6">
-              <a:shade val="50000"/>
-            </a:schemeClr>
-          </a:lnRef>
-          <a:fillRef idx="1">
-            <a:schemeClr val="accent6"/>
-          </a:fillRef>
-          <a:effectRef idx="0">
-            <a:schemeClr val="accent6"/>
-          </a:effectRef>
-          <a:fontRef idx="minor">
-            <a:schemeClr val="lt1"/>
-          </a:fontRef>
-        </p:style>
-      </p:cxnSp>
-      <p:sp>
-        <p:nvSpPr>
-          <p:cNvPr id="48" name="TextBox 47"/>
-          <p:cNvSpPr txBox="1"/>
-          <p:nvPr userDrawn="1"/>
-        </p:nvSpPr>
-        <p:spPr>
-          <a:xfrm>
-            <a:off x="7615450" y="7372498"/>
-            <a:ext cx="1774548" cy="227185"/>
-          </a:xfrm>
-          <a:prstGeom prst="rect">
-            <a:avLst/>
-          </a:prstGeom>
-          <a:noFill/>
-        </p:spPr>
-        <p:txBody>
-          <a:bodyPr wrap="square" lIns="0" tIns="0" rIns="0" bIns="0" rtlCol="0" anchor="ctr" anchorCtr="0">
-            <a:noAutofit/>
-          </a:bodyPr>
-          <a:lstStyle/>
-          <a:p>
-            <a:r>
-              <a:rPr lang="en-US" sz="1400" b="1" dirty="0" smtClean="0">
-                <a:solidFill>
-                  <a:schemeClr val="tx1">
-                    <a:lumMod val="50000"/>
-                    <a:lumOff val="50000"/>
-                  </a:schemeClr>
-                </a:solidFill>
-              </a:rPr>
-              <a:t>Associations managed using string references</a:t>
-            </a:r>
-            <a:endParaRPr lang="en-SG" sz="1400" b="1" dirty="0">
-              <a:solidFill>
-                <a:schemeClr val="tx1">
-                  <a:lumMod val="50000"/>
-                  <a:lumOff val="50000"/>
-                </a:schemeClr>
-              </a:solidFill>
-            </a:endParaRPr>
-          </a:p>
-        </p:txBody>
-      </p:sp>
       <p:grpSp>
         <p:nvGrpSpPr>
           <p:cNvPr id="14" name="Group 13"/>
@@ -4180,10 +3942,10 @@
         </p:nvGrpSpPr>
         <p:grpSpPr>
           <a:xfrm>
-            <a:off x="6086475" y="3562499"/>
-            <a:ext cx="3256412" cy="3447902"/>
-            <a:chOff x="-4267200" y="1447800"/>
-            <a:chExt cx="5410200" cy="1177184"/>
+            <a:off x="1131889" y="5198493"/>
+            <a:ext cx="7238998" cy="1537218"/>
+            <a:chOff x="-4243475" y="1339367"/>
+            <a:chExt cx="5410200" cy="1285617"/>
           </a:xfrm>
           <a:solidFill>
             <a:schemeClr val="bg1"/>
@@ -4197,7 +3959,7 @@
           </p:nvSpPr>
           <p:spPr>
             <a:xfrm>
-              <a:off x="-4267200" y="1484145"/>
+              <a:off x="-4243475" y="1484145"/>
               <a:ext cx="5410200" cy="1140839"/>
             </a:xfrm>
             <a:prstGeom prst="rect">
@@ -4207,8 +3969,7 @@
             <a:ln>
               <a:solidFill>
                 <a:schemeClr val="accent3">
-                  <a:lumMod val="60000"/>
-                  <a:lumOff val="40000"/>
+                  <a:lumMod val="75000"/>
                 </a:schemeClr>
               </a:solidFill>
             </a:ln>
@@ -4233,8 +3994,9 @@
             <a:bodyPr rtlCol="0" anchor="t" anchorCtr="0"/>
             <a:lstStyle/>
             <a:p>
+              <a:pPr algn="r"/>
               <a:r>
-                <a:rPr lang="en-US" sz="1400" b="1" dirty="0" smtClean="0">
+                <a:rPr lang="en-US" sz="1264" b="1" dirty="0" smtClean="0">
                   <a:solidFill>
                     <a:schemeClr val="accent3">
                       <a:lumMod val="75000"/>
@@ -4243,7 +4005,7 @@
                 </a:rPr>
                 <a:t>storage::search</a:t>
               </a:r>
-              <a:endParaRPr lang="en-SG" sz="1400" b="1" dirty="0">
+              <a:endParaRPr lang="en-SG" sz="1264" b="1" dirty="0">
                 <a:solidFill>
                   <a:schemeClr val="accent3">
                     <a:lumMod val="75000"/>
@@ -4261,8 +4023,8 @@
           </p:nvSpPr>
           <p:spPr>
             <a:xfrm>
-              <a:off x="-1006274" y="1447800"/>
-              <a:ext cx="2149274" cy="36345"/>
+              <a:off x="-447591" y="1339367"/>
+              <a:ext cx="1614316" cy="144778"/>
             </a:xfrm>
             <a:prstGeom prst="rect">
               <a:avLst/>
@@ -4271,8 +4033,7 @@
             <a:ln>
               <a:solidFill>
                 <a:schemeClr val="accent3">
-                  <a:lumMod val="60000"/>
-                  <a:lumOff val="40000"/>
+                  <a:lumMod val="75000"/>
                 </a:schemeClr>
               </a:solidFill>
             </a:ln>
@@ -4297,8 +4058,8 @@
             <a:bodyPr rtlCol="0" anchor="t" anchorCtr="0"/>
             <a:lstStyle/>
             <a:p>
-              <a:pPr algn="ctr"/>
-              <a:endParaRPr lang="en-SG" sz="1400" b="1">
+              <a:pPr algn="r"/>
+              <a:endParaRPr lang="en-SG" sz="1264" b="1">
                 <a:solidFill>
                   <a:schemeClr val="accent3">
                     <a:lumMod val="75000"/>
@@ -4334,12 +4095,12 @@
   </p:timing>
   <p:txStyles>
     <p:titleStyle>
-      <a:lvl1pPr algn="ctr" defTabSz="914400" rtl="0" eaLnBrk="1" latinLnBrk="0" hangingPunct="1">
+      <a:lvl1pPr algn="ctr" defTabSz="825886" rtl="0" eaLnBrk="1" latinLnBrk="0" hangingPunct="1">
         <a:spcBef>
           <a:spcPct val="0"/>
         </a:spcBef>
         <a:buNone/>
-        <a:defRPr sz="4400" kern="1200">
+        <a:defRPr sz="3974" kern="1200">
           <a:solidFill>
             <a:schemeClr val="tx1"/>
           </a:solidFill>
@@ -4350,13 +4111,13 @@
       </a:lvl1pPr>
     </p:titleStyle>
     <p:bodyStyle>
-      <a:lvl1pPr marL="342900" indent="-342900" algn="l" defTabSz="914400" rtl="0" eaLnBrk="1" latinLnBrk="0" hangingPunct="1">
+      <a:lvl1pPr marL="309707" indent="-309707" algn="l" defTabSz="825886" rtl="0" eaLnBrk="1" latinLnBrk="0" hangingPunct="1">
         <a:spcBef>
           <a:spcPct val="20000"/>
         </a:spcBef>
         <a:buFont typeface="Arial" pitchFamily="34" charset="0"/>
         <a:buChar char="•"/>
-        <a:defRPr sz="3200" kern="1200">
+        <a:defRPr sz="2890" kern="1200">
           <a:solidFill>
             <a:schemeClr val="tx1"/>
           </a:solidFill>
@@ -4365,13 +4126,13 @@
           <a:cs typeface="+mn-cs"/>
         </a:defRPr>
       </a:lvl1pPr>
-      <a:lvl2pPr marL="742950" indent="-285750" algn="l" defTabSz="914400" rtl="0" eaLnBrk="1" latinLnBrk="0" hangingPunct="1">
+      <a:lvl2pPr marL="671032" indent="-258089" algn="l" defTabSz="825886" rtl="0" eaLnBrk="1" latinLnBrk="0" hangingPunct="1">
         <a:spcBef>
           <a:spcPct val="20000"/>
         </a:spcBef>
         <a:buFont typeface="Arial" pitchFamily="34" charset="0"/>
         <a:buChar char="–"/>
-        <a:defRPr sz="2800" kern="1200">
+        <a:defRPr sz="2529" kern="1200">
           <a:solidFill>
             <a:schemeClr val="tx1"/>
           </a:solidFill>
@@ -4380,13 +4141,13 @@
           <a:cs typeface="+mn-cs"/>
         </a:defRPr>
       </a:lvl2pPr>
-      <a:lvl3pPr marL="1143000" indent="-228600" algn="l" defTabSz="914400" rtl="0" eaLnBrk="1" latinLnBrk="0" hangingPunct="1">
+      <a:lvl3pPr marL="1032358" indent="-206472" algn="l" defTabSz="825886" rtl="0" eaLnBrk="1" latinLnBrk="0" hangingPunct="1">
         <a:spcBef>
           <a:spcPct val="20000"/>
         </a:spcBef>
         <a:buFont typeface="Arial" pitchFamily="34" charset="0"/>
         <a:buChar char="•"/>
-        <a:defRPr sz="2400" kern="1200">
+        <a:defRPr sz="2168" kern="1200">
           <a:solidFill>
             <a:schemeClr val="tx1"/>
           </a:solidFill>
@@ -4395,13 +4156,13 @@
           <a:cs typeface="+mn-cs"/>
         </a:defRPr>
       </a:lvl3pPr>
-      <a:lvl4pPr marL="1600200" indent="-228600" algn="l" defTabSz="914400" rtl="0" eaLnBrk="1" latinLnBrk="0" hangingPunct="1">
+      <a:lvl4pPr marL="1445301" indent="-206472" algn="l" defTabSz="825886" rtl="0" eaLnBrk="1" latinLnBrk="0" hangingPunct="1">
         <a:spcBef>
           <a:spcPct val="20000"/>
         </a:spcBef>
         <a:buFont typeface="Arial" pitchFamily="34" charset="0"/>
         <a:buChar char="–"/>
-        <a:defRPr sz="2000" kern="1200">
+        <a:defRPr sz="1806" kern="1200">
           <a:solidFill>
             <a:schemeClr val="tx1"/>
           </a:solidFill>
@@ -4410,13 +4171,13 @@
           <a:cs typeface="+mn-cs"/>
         </a:defRPr>
       </a:lvl4pPr>
-      <a:lvl5pPr marL="2057400" indent="-228600" algn="l" defTabSz="914400" rtl="0" eaLnBrk="1" latinLnBrk="0" hangingPunct="1">
+      <a:lvl5pPr marL="1858244" indent="-206472" algn="l" defTabSz="825886" rtl="0" eaLnBrk="1" latinLnBrk="0" hangingPunct="1">
         <a:spcBef>
           <a:spcPct val="20000"/>
         </a:spcBef>
         <a:buFont typeface="Arial" pitchFamily="34" charset="0"/>
         <a:buChar char="»"/>
-        <a:defRPr sz="2000" kern="1200">
+        <a:defRPr sz="1806" kern="1200">
           <a:solidFill>
             <a:schemeClr val="tx1"/>
           </a:solidFill>
@@ -4425,13 +4186,13 @@
           <a:cs typeface="+mn-cs"/>
         </a:defRPr>
       </a:lvl5pPr>
-      <a:lvl6pPr marL="2514600" indent="-228600" algn="l" defTabSz="914400" rtl="0" eaLnBrk="1" latinLnBrk="0" hangingPunct="1">
+      <a:lvl6pPr marL="2271187" indent="-206472" algn="l" defTabSz="825886" rtl="0" eaLnBrk="1" latinLnBrk="0" hangingPunct="1">
         <a:spcBef>
           <a:spcPct val="20000"/>
         </a:spcBef>
         <a:buFont typeface="Arial" pitchFamily="34" charset="0"/>
         <a:buChar char="•"/>
-        <a:defRPr sz="2000" kern="1200">
+        <a:defRPr sz="1806" kern="1200">
           <a:solidFill>
             <a:schemeClr val="tx1"/>
           </a:solidFill>
@@ -4440,13 +4201,13 @@
           <a:cs typeface="+mn-cs"/>
         </a:defRPr>
       </a:lvl6pPr>
-      <a:lvl7pPr marL="2971800" indent="-228600" algn="l" defTabSz="914400" rtl="0" eaLnBrk="1" latinLnBrk="0" hangingPunct="1">
+      <a:lvl7pPr marL="2684130" indent="-206472" algn="l" defTabSz="825886" rtl="0" eaLnBrk="1" latinLnBrk="0" hangingPunct="1">
         <a:spcBef>
           <a:spcPct val="20000"/>
         </a:spcBef>
         <a:buFont typeface="Arial" pitchFamily="34" charset="0"/>
         <a:buChar char="•"/>
-        <a:defRPr sz="2000" kern="1200">
+        <a:defRPr sz="1806" kern="1200">
           <a:solidFill>
             <a:schemeClr val="tx1"/>
           </a:solidFill>
@@ -4455,13 +4216,13 @@
           <a:cs typeface="+mn-cs"/>
         </a:defRPr>
       </a:lvl7pPr>
-      <a:lvl8pPr marL="3429000" indent="-228600" algn="l" defTabSz="914400" rtl="0" eaLnBrk="1" latinLnBrk="0" hangingPunct="1">
+      <a:lvl8pPr marL="3097073" indent="-206472" algn="l" defTabSz="825886" rtl="0" eaLnBrk="1" latinLnBrk="0" hangingPunct="1">
         <a:spcBef>
           <a:spcPct val="20000"/>
         </a:spcBef>
         <a:buFont typeface="Arial" pitchFamily="34" charset="0"/>
         <a:buChar char="•"/>
-        <a:defRPr sz="2000" kern="1200">
+        <a:defRPr sz="1806" kern="1200">
           <a:solidFill>
             <a:schemeClr val="tx1"/>
           </a:solidFill>
@@ -4470,13 +4231,13 @@
           <a:cs typeface="+mn-cs"/>
         </a:defRPr>
       </a:lvl8pPr>
-      <a:lvl9pPr marL="3886200" indent="-228600" algn="l" defTabSz="914400" rtl="0" eaLnBrk="1" latinLnBrk="0" hangingPunct="1">
+      <a:lvl9pPr marL="3510016" indent="-206472" algn="l" defTabSz="825886" rtl="0" eaLnBrk="1" latinLnBrk="0" hangingPunct="1">
         <a:spcBef>
           <a:spcPct val="20000"/>
         </a:spcBef>
         <a:buFont typeface="Arial" pitchFamily="34" charset="0"/>
         <a:buChar char="•"/>
-        <a:defRPr sz="2000" kern="1200">
+        <a:defRPr sz="1806" kern="1200">
           <a:solidFill>
             <a:schemeClr val="tx1"/>
           </a:solidFill>
@@ -4490,8 +4251,8 @@
       <a:defPPr>
         <a:defRPr lang="en-US"/>
       </a:defPPr>
-      <a:lvl1pPr marL="0" algn="l" defTabSz="914400" rtl="0" eaLnBrk="1" latinLnBrk="0" hangingPunct="1">
-        <a:defRPr sz="1800" kern="1200">
+      <a:lvl1pPr marL="0" algn="l" defTabSz="825886" rtl="0" eaLnBrk="1" latinLnBrk="0" hangingPunct="1">
+        <a:defRPr sz="1626" kern="1200">
           <a:solidFill>
             <a:schemeClr val="tx1"/>
           </a:solidFill>
@@ -4500,8 +4261,8 @@
           <a:cs typeface="+mn-cs"/>
         </a:defRPr>
       </a:lvl1pPr>
-      <a:lvl2pPr marL="457200" algn="l" defTabSz="914400" rtl="0" eaLnBrk="1" latinLnBrk="0" hangingPunct="1">
-        <a:defRPr sz="1800" kern="1200">
+      <a:lvl2pPr marL="412943" algn="l" defTabSz="825886" rtl="0" eaLnBrk="1" latinLnBrk="0" hangingPunct="1">
+        <a:defRPr sz="1626" kern="1200">
           <a:solidFill>
             <a:schemeClr val="tx1"/>
           </a:solidFill>
@@ -4510,8 +4271,8 @@
           <a:cs typeface="+mn-cs"/>
         </a:defRPr>
       </a:lvl2pPr>
-      <a:lvl3pPr marL="914400" algn="l" defTabSz="914400" rtl="0" eaLnBrk="1" latinLnBrk="0" hangingPunct="1">
-        <a:defRPr sz="1800" kern="1200">
+      <a:lvl3pPr marL="825886" algn="l" defTabSz="825886" rtl="0" eaLnBrk="1" latinLnBrk="0" hangingPunct="1">
+        <a:defRPr sz="1626" kern="1200">
           <a:solidFill>
             <a:schemeClr val="tx1"/>
           </a:solidFill>
@@ -4520,8 +4281,8 @@
           <a:cs typeface="+mn-cs"/>
         </a:defRPr>
       </a:lvl3pPr>
-      <a:lvl4pPr marL="1371600" algn="l" defTabSz="914400" rtl="0" eaLnBrk="1" latinLnBrk="0" hangingPunct="1">
-        <a:defRPr sz="1800" kern="1200">
+      <a:lvl4pPr marL="1238829" algn="l" defTabSz="825886" rtl="0" eaLnBrk="1" latinLnBrk="0" hangingPunct="1">
+        <a:defRPr sz="1626" kern="1200">
           <a:solidFill>
             <a:schemeClr val="tx1"/>
           </a:solidFill>
@@ -4530,8 +4291,8 @@
           <a:cs typeface="+mn-cs"/>
         </a:defRPr>
       </a:lvl4pPr>
-      <a:lvl5pPr marL="1828800" algn="l" defTabSz="914400" rtl="0" eaLnBrk="1" latinLnBrk="0" hangingPunct="1">
-        <a:defRPr sz="1800" kern="1200">
+      <a:lvl5pPr marL="1651772" algn="l" defTabSz="825886" rtl="0" eaLnBrk="1" latinLnBrk="0" hangingPunct="1">
+        <a:defRPr sz="1626" kern="1200">
           <a:solidFill>
             <a:schemeClr val="tx1"/>
           </a:solidFill>
@@ -4540,8 +4301,8 @@
           <a:cs typeface="+mn-cs"/>
         </a:defRPr>
       </a:lvl5pPr>
-      <a:lvl6pPr marL="2286000" algn="l" defTabSz="914400" rtl="0" eaLnBrk="1" latinLnBrk="0" hangingPunct="1">
-        <a:defRPr sz="1800" kern="1200">
+      <a:lvl6pPr marL="2064715" algn="l" defTabSz="825886" rtl="0" eaLnBrk="1" latinLnBrk="0" hangingPunct="1">
+        <a:defRPr sz="1626" kern="1200">
           <a:solidFill>
             <a:schemeClr val="tx1"/>
           </a:solidFill>
@@ -4550,8 +4311,8 @@
           <a:cs typeface="+mn-cs"/>
         </a:defRPr>
       </a:lvl6pPr>
-      <a:lvl7pPr marL="2743200" algn="l" defTabSz="914400" rtl="0" eaLnBrk="1" latinLnBrk="0" hangingPunct="1">
-        <a:defRPr sz="1800" kern="1200">
+      <a:lvl7pPr marL="2477658" algn="l" defTabSz="825886" rtl="0" eaLnBrk="1" latinLnBrk="0" hangingPunct="1">
+        <a:defRPr sz="1626" kern="1200">
           <a:solidFill>
             <a:schemeClr val="tx1"/>
           </a:solidFill>
@@ -4560,8 +4321,8 @@
           <a:cs typeface="+mn-cs"/>
         </a:defRPr>
       </a:lvl7pPr>
-      <a:lvl8pPr marL="3200400" algn="l" defTabSz="914400" rtl="0" eaLnBrk="1" latinLnBrk="0" hangingPunct="1">
-        <a:defRPr sz="1800" kern="1200">
+      <a:lvl8pPr marL="2890601" algn="l" defTabSz="825886" rtl="0" eaLnBrk="1" latinLnBrk="0" hangingPunct="1">
+        <a:defRPr sz="1626" kern="1200">
           <a:solidFill>
             <a:schemeClr val="tx1"/>
           </a:solidFill>
@@ -4570,8 +4331,8 @@
           <a:cs typeface="+mn-cs"/>
         </a:defRPr>
       </a:lvl8pPr>
-      <a:lvl9pPr marL="3657600" algn="l" defTabSz="914400" rtl="0" eaLnBrk="1" latinLnBrk="0" hangingPunct="1">
-        <a:defRPr sz="1800" kern="1200">
+      <a:lvl9pPr marL="3303544" algn="l" defTabSz="825886" rtl="0" eaLnBrk="1" latinLnBrk="0" hangingPunct="1">
+        <a:defRPr sz="1626" kern="1200">
           <a:solidFill>
             <a:schemeClr val="tx1"/>
           </a:solidFill>
@@ -4604,14 +4365,14 @@
       </p:grpSpPr>
       <p:cxnSp>
         <p:nvCxnSpPr>
-          <p:cNvPr id="70" name="Straight Arrow Connector 69"/>
+          <p:cNvPr id="40" name="Straight Arrow Connector 39"/>
           <p:cNvCxnSpPr/>
           <p:nvPr/>
         </p:nvCxnSpPr>
         <p:spPr>
           <a:xfrm>
-            <a:off x="746446" y="4315117"/>
-            <a:ext cx="520781" cy="1488"/>
+            <a:off x="695125" y="3814762"/>
+            <a:ext cx="432000" cy="1488"/>
           </a:xfrm>
           <a:prstGeom prst="straightConnector1">
             <a:avLst/>
@@ -4639,104 +4400,16 @@
           </a:fontRef>
         </p:style>
       </p:cxnSp>
-      <p:sp>
-        <p:nvSpPr>
-          <p:cNvPr id="73" name="Rectangle 72"/>
-          <p:cNvSpPr/>
-          <p:nvPr/>
-        </p:nvSpPr>
-        <p:spPr>
-          <a:xfrm>
-            <a:off x="3717925" y="6319486"/>
-            <a:ext cx="1728000" cy="386114"/>
-          </a:xfrm>
-          <a:prstGeom prst="rect">
-            <a:avLst/>
-          </a:prstGeom>
-        </p:spPr>
-        <p:style>
-          <a:lnRef idx="2">
-            <a:schemeClr val="accent2">
-              <a:shade val="50000"/>
-            </a:schemeClr>
-          </a:lnRef>
-          <a:fillRef idx="1">
-            <a:schemeClr val="accent2"/>
-          </a:fillRef>
-          <a:effectRef idx="0">
-            <a:schemeClr val="accent2"/>
-          </a:effectRef>
-          <a:fontRef idx="minor">
-            <a:schemeClr val="lt1"/>
-          </a:fontRef>
-        </p:style>
-        <p:txBody>
-          <a:bodyPr rtlCol="0" anchor="ctr"/>
-          <a:lstStyle/>
-          <a:p>
-            <a:pPr algn="ctr"/>
-            <a:r>
-              <a:rPr lang="en-US" sz="1600" b="1" dirty="0" err="1" smtClean="0"/>
-              <a:t>DatastoreFilter</a:t>
-            </a:r>
-            <a:endParaRPr lang="en-SG" sz="1600" b="1" dirty="0"/>
-          </a:p>
-        </p:txBody>
-      </p:sp>
-      <p:sp>
-        <p:nvSpPr>
-          <p:cNvPr id="74" name="Rectangle 73"/>
-          <p:cNvSpPr/>
-          <p:nvPr/>
-        </p:nvSpPr>
-        <p:spPr>
-          <a:xfrm>
-            <a:off x="1648062" y="6324600"/>
-            <a:ext cx="1728000" cy="386114"/>
-          </a:xfrm>
-          <a:prstGeom prst="rect">
-            <a:avLst/>
-          </a:prstGeom>
-        </p:spPr>
-        <p:style>
-          <a:lnRef idx="2">
-            <a:schemeClr val="accent2">
-              <a:shade val="50000"/>
-            </a:schemeClr>
-          </a:lnRef>
-          <a:fillRef idx="1">
-            <a:schemeClr val="accent2"/>
-          </a:fillRef>
-          <a:effectRef idx="0">
-            <a:schemeClr val="accent2"/>
-          </a:effectRef>
-          <a:fontRef idx="minor">
-            <a:schemeClr val="lt1"/>
-          </a:fontRef>
-        </p:style>
-        <p:txBody>
-          <a:bodyPr rtlCol="0" anchor="ctr"/>
-          <a:lstStyle/>
-          <a:p>
-            <a:pPr algn="ctr"/>
-            <a:r>
-              <a:rPr lang="en-US" sz="1600" b="1" dirty="0" err="1" smtClean="0"/>
-              <a:t>Datastore</a:t>
-            </a:r>
-            <a:endParaRPr lang="en-SG" sz="1600" b="1" dirty="0"/>
-          </a:p>
-        </p:txBody>
-      </p:sp>
       <p:cxnSp>
         <p:nvCxnSpPr>
-          <p:cNvPr id="75" name="Straight Arrow Connector 74"/>
+          <p:cNvPr id="41" name="Straight Arrow Connector 40"/>
           <p:cNvCxnSpPr/>
           <p:nvPr/>
         </p:nvCxnSpPr>
         <p:spPr>
           <a:xfrm flipV="1">
-            <a:off x="3019827" y="5562600"/>
-            <a:ext cx="0" cy="324000"/>
+            <a:off x="4696487" y="4729162"/>
+            <a:ext cx="0" cy="648000"/>
           </a:xfrm>
           <a:prstGeom prst="straightConnector1">
             <a:avLst/>
@@ -4749,7 +4422,7 @@
             </a:solidFill>
             <a:prstDash val="sysDot"/>
             <a:headEnd type="arrow" w="med" len="med"/>
-            <a:tailEnd type="none" w="med" len="med"/>
+            <a:tailEnd type="arrow" w="med" len="med"/>
           </a:ln>
         </p:spPr>
         <p:style>
@@ -4771,13 +4444,13 @@
       </p:cxnSp>
       <p:sp>
         <p:nvSpPr>
-          <p:cNvPr id="76" name="TextBox 75"/>
+          <p:cNvPr id="42" name="TextBox 41"/>
           <p:cNvSpPr txBox="1"/>
           <p:nvPr/>
         </p:nvSpPr>
         <p:spPr>
           <a:xfrm>
-            <a:off x="133752" y="4162717"/>
+            <a:off x="136525" y="3662362"/>
             <a:ext cx="609600" cy="307777"/>
           </a:xfrm>
           <a:prstGeom prst="rect">
@@ -4894,13 +4567,13 @@
       </p:sp>
       <p:cxnSp>
         <p:nvCxnSpPr>
-          <p:cNvPr id="77" name="Straight Arrow Connector 76"/>
+          <p:cNvPr id="43" name="Straight Arrow Connector 42"/>
           <p:cNvCxnSpPr/>
           <p:nvPr/>
         </p:nvCxnSpPr>
         <p:spPr>
-          <a:xfrm flipH="1" flipV="1">
-            <a:off x="2486262" y="6705600"/>
+          <a:xfrm rot="16200000" flipH="1" flipV="1">
+            <a:off x="8650297" y="3572470"/>
             <a:ext cx="1" cy="504000"/>
           </a:xfrm>
           <a:prstGeom prst="straightConnector1">
@@ -4908,7 +4581,9 @@
           </a:prstGeom>
           <a:ln w="38100">
             <a:solidFill>
-              <a:schemeClr val="tx1"/>
+              <a:schemeClr val="accent3">
+                <a:lumMod val="75000"/>
+              </a:schemeClr>
             </a:solidFill>
             <a:prstDash val="sysDash"/>
             <a:headEnd type="arrow" w="med" len="med"/>
@@ -4932,14 +4607,14 @@
       </p:cxnSp>
       <p:sp>
         <p:nvSpPr>
-          <p:cNvPr id="78" name="TextBox 77"/>
+          <p:cNvPr id="44" name="TextBox 43"/>
           <p:cNvSpPr txBox="1"/>
           <p:nvPr/>
         </p:nvSpPr>
         <p:spPr>
           <a:xfrm>
-            <a:off x="1584325" y="7173482"/>
-            <a:ext cx="1816337" cy="307777"/>
+            <a:off x="8580045" y="3662362"/>
+            <a:ext cx="929080" cy="521149"/>
           </a:xfrm>
           <a:prstGeom prst="rect">
             <a:avLst/>
@@ -5043,23 +4718,18 @@
                   <a:schemeClr val="tx1"/>
                 </a:solidFill>
               </a:rPr>
-              <a:t>App engine </a:t>
-            </a:r>
+              <a:t>GAE</a:t>
+            </a:r>
+          </a:p>
+          <a:p>
+            <a:pPr algn="r"/>
             <a:r>
               <a:rPr lang="en-US" dirty="0" err="1" smtClean="0">
                 <a:solidFill>
                   <a:schemeClr val="tx1"/>
                 </a:solidFill>
               </a:rPr>
-              <a:t>datastore</a:t>
-            </a:r>
-            <a:r>
-              <a:rPr lang="en-US" dirty="0" smtClean="0">
-                <a:solidFill>
-                  <a:schemeClr val="tx1"/>
-                </a:solidFill>
-              </a:rPr>
-              <a:t> </a:t>
+              <a:t>Datastore</a:t>
             </a:r>
             <a:endParaRPr lang="en-SG" dirty="0">
               <a:solidFill>
@@ -5071,446 +4741,13 @@
       </p:sp>
       <p:sp>
         <p:nvSpPr>
-          <p:cNvPr id="79" name="Rectangle 78"/>
+          <p:cNvPr id="45" name="Rectangle 44"/>
           <p:cNvSpPr/>
           <p:nvPr/>
         </p:nvSpPr>
         <p:spPr>
           <a:xfrm>
-            <a:off x="6003925" y="1086030"/>
-            <a:ext cx="1076146" cy="361770"/>
-          </a:xfrm>
-          <a:prstGeom prst="rect">
-            <a:avLst/>
-          </a:prstGeom>
-        </p:spPr>
-        <p:style>
-          <a:lnRef idx="2">
-            <a:schemeClr val="accent6">
-              <a:shade val="50000"/>
-            </a:schemeClr>
-          </a:lnRef>
-          <a:fillRef idx="1">
-            <a:schemeClr val="accent6"/>
-          </a:fillRef>
-          <a:effectRef idx="0">
-            <a:schemeClr val="accent6"/>
-          </a:effectRef>
-          <a:fontRef idx="minor">
-            <a:schemeClr val="lt1"/>
-          </a:fontRef>
-        </p:style>
-        <p:txBody>
-          <a:bodyPr rtlCol="0" anchor="ctr"/>
-          <a:lstStyle/>
-          <a:p>
-            <a:pPr algn="ctr"/>
-            <a:r>
-              <a:rPr lang="en-US" sz="1600" b="1" dirty="0" smtClean="0"/>
-              <a:t>Student</a:t>
-            </a:r>
-            <a:endParaRPr lang="en-SG" sz="1600" b="1" dirty="0"/>
-          </a:p>
-        </p:txBody>
-      </p:sp>
-      <p:cxnSp>
-        <p:nvCxnSpPr>
-          <p:cNvPr id="81" name="Straight Arrow Connector 80"/>
-          <p:cNvCxnSpPr/>
-          <p:nvPr/>
-        </p:nvCxnSpPr>
-        <p:spPr>
-          <a:xfrm flipV="1">
-            <a:off x="4556125" y="6699000"/>
-            <a:ext cx="0" cy="504000"/>
-          </a:xfrm>
-          <a:prstGeom prst="straightConnector1">
-            <a:avLst/>
-          </a:prstGeom>
-          <a:ln w="38100">
-            <a:solidFill>
-              <a:schemeClr val="tx1"/>
-            </a:solidFill>
-            <a:prstDash val="sysDash"/>
-            <a:headEnd type="none" w="med" len="med"/>
-            <a:tailEnd type="arrow" w="med" len="med"/>
-          </a:ln>
-        </p:spPr>
-        <p:style>
-          <a:lnRef idx="1">
-            <a:schemeClr val="accent1"/>
-          </a:lnRef>
-          <a:fillRef idx="0">
-            <a:schemeClr val="accent1"/>
-          </a:fillRef>
-          <a:effectRef idx="0">
-            <a:schemeClr val="accent1"/>
-          </a:effectRef>
-          <a:fontRef idx="minor">
-            <a:schemeClr val="tx1"/>
-          </a:fontRef>
-        </p:style>
-      </p:cxnSp>
-      <p:sp>
-        <p:nvSpPr>
-          <p:cNvPr id="82" name="TextBox 81"/>
-          <p:cNvSpPr txBox="1"/>
-          <p:nvPr/>
-        </p:nvSpPr>
-        <p:spPr>
-          <a:xfrm>
-            <a:off x="3641725" y="7162800"/>
-            <a:ext cx="1816337" cy="307777"/>
-          </a:xfrm>
-          <a:prstGeom prst="rect">
-            <a:avLst/>
-          </a:prstGeom>
-          <a:grpFill/>
-          <a:ln>
-            <a:noFill/>
-          </a:ln>
-        </p:spPr>
-        <p:style>
-          <a:lnRef idx="2">
-            <a:schemeClr val="accent1">
-              <a:shade val="50000"/>
-            </a:schemeClr>
-          </a:lnRef>
-          <a:fillRef idx="1">
-            <a:schemeClr val="accent1"/>
-          </a:fillRef>
-          <a:effectRef idx="0">
-            <a:schemeClr val="accent1"/>
-          </a:effectRef>
-          <a:fontRef idx="minor">
-            <a:schemeClr val="lt1"/>
-          </a:fontRef>
-        </p:style>
-        <p:txBody>
-          <a:bodyPr rtlCol="0" anchor="t" anchorCtr="0"/>
-          <a:lstStyle>
-            <a:defPPr>
-              <a:defRPr lang="en-US"/>
-            </a:defPPr>
-            <a:lvl1pPr>
-              <a:defRPr sz="1400" b="1">
-                <a:solidFill>
-                  <a:srgbClr val="7030A0"/>
-                </a:solidFill>
-              </a:defRPr>
-            </a:lvl1pPr>
-            <a:lvl2pPr>
-              <a:defRPr>
-                <a:solidFill>
-                  <a:schemeClr val="lt1"/>
-                </a:solidFill>
-              </a:defRPr>
-            </a:lvl2pPr>
-            <a:lvl3pPr>
-              <a:defRPr>
-                <a:solidFill>
-                  <a:schemeClr val="lt1"/>
-                </a:solidFill>
-              </a:defRPr>
-            </a:lvl3pPr>
-            <a:lvl4pPr>
-              <a:defRPr>
-                <a:solidFill>
-                  <a:schemeClr val="lt1"/>
-                </a:solidFill>
-              </a:defRPr>
-            </a:lvl4pPr>
-            <a:lvl5pPr>
-              <a:defRPr>
-                <a:solidFill>
-                  <a:schemeClr val="lt1"/>
-                </a:solidFill>
-              </a:defRPr>
-            </a:lvl5pPr>
-            <a:lvl6pPr>
-              <a:defRPr>
-                <a:solidFill>
-                  <a:schemeClr val="lt1"/>
-                </a:solidFill>
-              </a:defRPr>
-            </a:lvl6pPr>
-            <a:lvl7pPr>
-              <a:defRPr>
-                <a:solidFill>
-                  <a:schemeClr val="lt1"/>
-                </a:solidFill>
-              </a:defRPr>
-            </a:lvl7pPr>
-            <a:lvl8pPr>
-              <a:defRPr>
-                <a:solidFill>
-                  <a:schemeClr val="lt1"/>
-                </a:solidFill>
-              </a:defRPr>
-            </a:lvl8pPr>
-            <a:lvl9pPr>
-              <a:defRPr>
-                <a:solidFill>
-                  <a:schemeClr val="lt1"/>
-                </a:solidFill>
-              </a:defRPr>
-            </a:lvl9pPr>
-          </a:lstStyle>
-          <a:p>
-            <a:pPr algn="ctr"/>
-            <a:r>
-              <a:rPr lang="en-US" dirty="0" smtClean="0">
-                <a:solidFill>
-                  <a:schemeClr val="tx1"/>
-                </a:solidFill>
-              </a:rPr>
-              <a:t>Web server’s request filtering mechanism</a:t>
-            </a:r>
-            <a:endParaRPr lang="en-SG" dirty="0">
-              <a:solidFill>
-                <a:schemeClr val="tx1"/>
-              </a:solidFill>
-            </a:endParaRPr>
-          </a:p>
-        </p:txBody>
-      </p:sp>
-      <p:cxnSp>
-        <p:nvCxnSpPr>
-          <p:cNvPr id="89" name="Elbow Connector 88"/>
-          <p:cNvCxnSpPr>
-            <a:stCxn id="120" idx="0"/>
-            <a:endCxn id="79" idx="3"/>
-          </p:cNvCxnSpPr>
-          <p:nvPr/>
-        </p:nvCxnSpPr>
-        <p:spPr>
-          <a:xfrm rot="16200000" flipV="1">
-            <a:off x="7211456" y="1135531"/>
-            <a:ext cx="722685" cy="985454"/>
-          </a:xfrm>
-          <a:prstGeom prst="bentConnector2">
-            <a:avLst/>
-          </a:prstGeom>
-          <a:ln w="57150" cmpd="dbl">
-            <a:solidFill>
-              <a:schemeClr val="accent6">
-                <a:lumMod val="50000"/>
-              </a:schemeClr>
-            </a:solidFill>
-            <a:prstDash val="solid"/>
-            <a:headEnd type="triangle" w="med" len="med"/>
-            <a:tailEnd type="none" w="med" len="med"/>
-          </a:ln>
-        </p:spPr>
-        <p:style>
-          <a:lnRef idx="2">
-            <a:schemeClr val="accent6">
-              <a:shade val="50000"/>
-            </a:schemeClr>
-          </a:lnRef>
-          <a:fillRef idx="1">
-            <a:schemeClr val="accent6"/>
-          </a:fillRef>
-          <a:effectRef idx="0">
-            <a:schemeClr val="accent6"/>
-          </a:effectRef>
-          <a:fontRef idx="minor">
-            <a:schemeClr val="lt1"/>
-          </a:fontRef>
-        </p:style>
-      </p:cxnSp>
-      <p:cxnSp>
-        <p:nvCxnSpPr>
-          <p:cNvPr id="90" name="Elbow Connector 89"/>
-          <p:cNvCxnSpPr>
-            <a:stCxn id="98" idx="0"/>
-            <a:endCxn id="79" idx="1"/>
-          </p:cNvCxnSpPr>
-          <p:nvPr/>
-        </p:nvCxnSpPr>
-        <p:spPr>
-          <a:xfrm rot="5400000" flipH="1" flipV="1">
-            <a:off x="5183283" y="787958"/>
-            <a:ext cx="341685" cy="1299600"/>
-          </a:xfrm>
-          <a:prstGeom prst="bentConnector2">
-            <a:avLst/>
-          </a:prstGeom>
-          <a:ln w="57150" cmpd="dbl">
-            <a:solidFill>
-              <a:schemeClr val="accent6">
-                <a:lumMod val="50000"/>
-              </a:schemeClr>
-            </a:solidFill>
-            <a:prstDash val="solid"/>
-            <a:headEnd type="triangle" w="med" len="med"/>
-            <a:tailEnd type="none" w="med" len="med"/>
-          </a:ln>
-        </p:spPr>
-        <p:style>
-          <a:lnRef idx="2">
-            <a:schemeClr val="accent6">
-              <a:shade val="50000"/>
-            </a:schemeClr>
-          </a:lnRef>
-          <a:fillRef idx="1">
-            <a:schemeClr val="accent6"/>
-          </a:fillRef>
-          <a:effectRef idx="0">
-            <a:schemeClr val="accent6"/>
-          </a:effectRef>
-          <a:fontRef idx="minor">
-            <a:schemeClr val="lt1"/>
-          </a:fontRef>
-        </p:style>
-      </p:cxnSp>
-      <p:sp>
-        <p:nvSpPr>
-          <p:cNvPr id="91" name="Rectangle 90"/>
-          <p:cNvSpPr/>
-          <p:nvPr/>
-        </p:nvSpPr>
-        <p:spPr>
-          <a:xfrm>
-            <a:off x="5546725" y="2819400"/>
-            <a:ext cx="1204823" cy="361770"/>
-          </a:xfrm>
-          <a:prstGeom prst="rect">
-            <a:avLst/>
-          </a:prstGeom>
-          <a:effectLst>
-            <a:glow rad="254000">
-              <a:schemeClr val="bg1">
-                <a:alpha val="70000"/>
-              </a:schemeClr>
-            </a:glow>
-          </a:effectLst>
-        </p:spPr>
-        <p:style>
-          <a:lnRef idx="2">
-            <a:schemeClr val="accent6">
-              <a:shade val="50000"/>
-            </a:schemeClr>
-          </a:lnRef>
-          <a:fillRef idx="1">
-            <a:schemeClr val="accent6"/>
-          </a:fillRef>
-          <a:effectRef idx="0">
-            <a:schemeClr val="accent6"/>
-          </a:effectRef>
-          <a:fontRef idx="minor">
-            <a:schemeClr val="lt1"/>
-          </a:fontRef>
-        </p:style>
-        <p:txBody>
-          <a:bodyPr rtlCol="0" anchor="ctr"/>
-          <a:lstStyle/>
-          <a:p>
-            <a:pPr algn="ctr"/>
-            <a:r>
-              <a:rPr lang="en-US" sz="1600" b="1" dirty="0" smtClean="0"/>
-              <a:t>Instructor</a:t>
-            </a:r>
-            <a:endParaRPr lang="en-SG" sz="1600" b="1" dirty="0"/>
-          </a:p>
-        </p:txBody>
-      </p:sp>
-      <p:cxnSp>
-        <p:nvCxnSpPr>
-          <p:cNvPr id="92" name="Elbow Connector 91"/>
-          <p:cNvCxnSpPr>
-            <a:stCxn id="121" idx="2"/>
-            <a:endCxn id="91" idx="3"/>
-          </p:cNvCxnSpPr>
-          <p:nvPr/>
-        </p:nvCxnSpPr>
-        <p:spPr>
-          <a:xfrm rot="5400000">
-            <a:off x="7237695" y="2172454"/>
-            <a:ext cx="341685" cy="1313977"/>
-          </a:xfrm>
-          <a:prstGeom prst="bentConnector2">
-            <a:avLst/>
-          </a:prstGeom>
-          <a:ln w="57150" cmpd="dbl">
-            <a:solidFill>
-              <a:schemeClr val="accent6">
-                <a:lumMod val="50000"/>
-              </a:schemeClr>
-            </a:solidFill>
-            <a:prstDash val="solid"/>
-            <a:headEnd type="triangle" w="med" len="med"/>
-            <a:tailEnd type="none" w="med" len="med"/>
-          </a:ln>
-        </p:spPr>
-        <p:style>
-          <a:lnRef idx="2">
-            <a:schemeClr val="accent6">
-              <a:shade val="50000"/>
-            </a:schemeClr>
-          </a:lnRef>
-          <a:fillRef idx="1">
-            <a:schemeClr val="accent6"/>
-          </a:fillRef>
-          <a:effectRef idx="0">
-            <a:schemeClr val="accent6"/>
-          </a:effectRef>
-          <a:fontRef idx="minor">
-            <a:schemeClr val="lt1"/>
-          </a:fontRef>
-        </p:style>
-      </p:cxnSp>
-      <p:sp>
-        <p:nvSpPr>
-          <p:cNvPr id="93" name="TextBox 92"/>
-          <p:cNvSpPr txBox="1"/>
-          <p:nvPr/>
-        </p:nvSpPr>
-        <p:spPr>
-          <a:xfrm>
-            <a:off x="4479925" y="1295400"/>
-            <a:ext cx="170709" cy="200457"/>
-          </a:xfrm>
-          <a:prstGeom prst="rect">
-            <a:avLst/>
-          </a:prstGeom>
-          <a:noFill/>
-        </p:spPr>
-        <p:txBody>
-          <a:bodyPr wrap="square" lIns="0" tIns="0" rIns="0" bIns="0" rtlCol="0" anchor="ctr" anchorCtr="0">
-            <a:noAutofit/>
-          </a:bodyPr>
-          <a:lstStyle/>
-          <a:p>
-            <a:r>
-              <a:rPr lang="en-US" b="1" dirty="0" smtClean="0">
-                <a:solidFill>
-                  <a:schemeClr val="accent6">
-                    <a:lumMod val="50000"/>
-                  </a:schemeClr>
-                </a:solidFill>
-              </a:rPr>
-              <a:t>*</a:t>
-            </a:r>
-            <a:endParaRPr lang="en-SG" b="1" dirty="0">
-              <a:solidFill>
-                <a:schemeClr val="accent6">
-                  <a:lumMod val="50000"/>
-                </a:schemeClr>
-              </a:solidFill>
-            </a:endParaRPr>
-          </a:p>
-        </p:txBody>
-      </p:sp>
-      <p:sp>
-        <p:nvSpPr>
-          <p:cNvPr id="95" name="Rectangle 94"/>
-          <p:cNvSpPr/>
-          <p:nvPr/>
-        </p:nvSpPr>
-        <p:spPr>
-          <a:xfrm>
-            <a:off x="3897453" y="4421997"/>
+            <a:off x="5124431" y="3735872"/>
             <a:ext cx="1808860" cy="318459"/>
           </a:xfrm>
           <a:prstGeom prst="rect">
@@ -5546,765 +4783,16 @@
           </a:p>
         </p:txBody>
       </p:sp>
-      <p:sp>
-        <p:nvSpPr>
-          <p:cNvPr id="96" name="Rectangle 95"/>
-          <p:cNvSpPr/>
-          <p:nvPr/>
-        </p:nvSpPr>
-        <p:spPr>
-          <a:xfrm>
-            <a:off x="4098926" y="1752600"/>
-            <a:ext cx="1219199" cy="361770"/>
-          </a:xfrm>
-          <a:prstGeom prst="rect">
-            <a:avLst/>
-          </a:prstGeom>
-        </p:spPr>
-        <p:style>
-          <a:lnRef idx="2">
-            <a:schemeClr val="accent4">
-              <a:shade val="50000"/>
-            </a:schemeClr>
-          </a:lnRef>
-          <a:fillRef idx="1">
-            <a:schemeClr val="accent4"/>
-          </a:fillRef>
-          <a:effectRef idx="0">
-            <a:schemeClr val="accent4"/>
-          </a:effectRef>
-          <a:fontRef idx="minor">
-            <a:schemeClr val="lt1"/>
-          </a:fontRef>
-        </p:style>
-        <p:txBody>
-          <a:bodyPr rtlCol="0" anchor="ctr"/>
-          <a:lstStyle/>
-          <a:p>
-            <a:pPr algn="ctr"/>
-            <a:r>
-              <a:rPr lang="en-US" sz="1600" b="1" dirty="0" smtClean="0"/>
-              <a:t>Course</a:t>
-            </a:r>
-            <a:endParaRPr lang="en-SG" sz="1600" b="1" dirty="0"/>
-          </a:p>
-        </p:txBody>
-      </p:sp>
-      <p:sp>
-        <p:nvSpPr>
-          <p:cNvPr id="98" name="Diamond 97"/>
-          <p:cNvSpPr/>
-          <p:nvPr/>
-        </p:nvSpPr>
-        <p:spPr>
-          <a:xfrm>
-            <a:off x="4632325" y="1608600"/>
-            <a:ext cx="144000" cy="144000"/>
-          </a:xfrm>
-          <a:prstGeom prst="diamond">
-            <a:avLst/>
-          </a:prstGeom>
-        </p:spPr>
-        <p:style>
-          <a:lnRef idx="2">
-            <a:schemeClr val="accent6">
-              <a:shade val="50000"/>
-            </a:schemeClr>
-          </a:lnRef>
-          <a:fillRef idx="1">
-            <a:schemeClr val="accent6"/>
-          </a:fillRef>
-          <a:effectRef idx="0">
-            <a:schemeClr val="accent6"/>
-          </a:effectRef>
-          <a:fontRef idx="minor">
-            <a:schemeClr val="lt1"/>
-          </a:fontRef>
-        </p:style>
-        <p:txBody>
-          <a:bodyPr rtlCol="0" anchor="ctr"/>
-          <a:lstStyle/>
-          <a:p>
-            <a:pPr algn="ctr"/>
-            <a:endParaRPr lang="en-SG" sz="1600" b="1"/>
-          </a:p>
-        </p:txBody>
-      </p:sp>
       <p:cxnSp>
         <p:nvCxnSpPr>
-          <p:cNvPr id="99" name="Elbow Connector 98"/>
-          <p:cNvCxnSpPr>
-            <a:stCxn id="101" idx="2"/>
-            <a:endCxn id="91" idx="1"/>
-          </p:cNvCxnSpPr>
-          <p:nvPr/>
-        </p:nvCxnSpPr>
-        <p:spPr>
-          <a:xfrm rot="16200000" flipH="1">
-            <a:off x="4963083" y="2416642"/>
-            <a:ext cx="714285" cy="453000"/>
-          </a:xfrm>
-          <a:prstGeom prst="bentConnector2">
-            <a:avLst/>
-          </a:prstGeom>
-          <a:ln w="57150" cmpd="dbl">
-            <a:solidFill>
-              <a:schemeClr val="accent6">
-                <a:lumMod val="50000"/>
-              </a:schemeClr>
-            </a:solidFill>
-            <a:prstDash val="solid"/>
-            <a:headEnd type="triangle" w="med" len="med"/>
-            <a:tailEnd type="none" w="med" len="med"/>
-          </a:ln>
-        </p:spPr>
-        <p:style>
-          <a:lnRef idx="2">
-            <a:schemeClr val="accent6">
-              <a:shade val="50000"/>
-            </a:schemeClr>
-          </a:lnRef>
-          <a:fillRef idx="1">
-            <a:schemeClr val="accent6"/>
-          </a:fillRef>
-          <a:effectRef idx="0">
-            <a:schemeClr val="accent6"/>
-          </a:effectRef>
-          <a:fontRef idx="minor">
-            <a:schemeClr val="lt1"/>
-          </a:fontRef>
-        </p:style>
-      </p:cxnSp>
-      <p:sp>
-        <p:nvSpPr>
-          <p:cNvPr id="100" name="Rectangle 99"/>
-          <p:cNvSpPr/>
-          <p:nvPr/>
-        </p:nvSpPr>
-        <p:spPr>
-          <a:xfrm>
-            <a:off x="7594779" y="2152423"/>
-            <a:ext cx="1076146" cy="361770"/>
-          </a:xfrm>
-          <a:prstGeom prst="rect">
-            <a:avLst/>
-          </a:prstGeom>
-        </p:spPr>
-        <p:style>
-          <a:lnRef idx="2">
-            <a:schemeClr val="accent6">
-              <a:shade val="50000"/>
-            </a:schemeClr>
-          </a:lnRef>
-          <a:fillRef idx="1">
-            <a:schemeClr val="accent6"/>
-          </a:fillRef>
-          <a:effectRef idx="0">
-            <a:schemeClr val="accent6"/>
-          </a:effectRef>
-          <a:fontRef idx="minor">
-            <a:schemeClr val="lt1"/>
-          </a:fontRef>
-        </p:style>
-        <p:txBody>
-          <a:bodyPr rtlCol="0" anchor="ctr"/>
-          <a:lstStyle/>
-          <a:p>
-            <a:pPr algn="ctr"/>
-            <a:r>
-              <a:rPr lang="en-US" sz="1600" b="1" dirty="0" smtClean="0"/>
-              <a:t>Account</a:t>
-            </a:r>
-            <a:endParaRPr lang="en-SG" sz="1600" b="1" dirty="0"/>
-          </a:p>
-        </p:txBody>
-      </p:sp>
-      <p:sp>
-        <p:nvSpPr>
-          <p:cNvPr id="101" name="Diamond 100"/>
-          <p:cNvSpPr/>
-          <p:nvPr/>
-        </p:nvSpPr>
-        <p:spPr>
-          <a:xfrm>
-            <a:off x="5021725" y="2142000"/>
-            <a:ext cx="144000" cy="144000"/>
-          </a:xfrm>
-          <a:prstGeom prst="diamond">
-            <a:avLst/>
-          </a:prstGeom>
-        </p:spPr>
-        <p:style>
-          <a:lnRef idx="2">
-            <a:schemeClr val="accent6">
-              <a:shade val="50000"/>
-            </a:schemeClr>
-          </a:lnRef>
-          <a:fillRef idx="1">
-            <a:schemeClr val="accent6"/>
-          </a:fillRef>
-          <a:effectRef idx="0">
-            <a:schemeClr val="accent6"/>
-          </a:effectRef>
-          <a:fontRef idx="minor">
-            <a:schemeClr val="lt1"/>
-          </a:fontRef>
-        </p:style>
-        <p:txBody>
-          <a:bodyPr rtlCol="0" anchor="ctr"/>
-          <a:lstStyle/>
-          <a:p>
-            <a:pPr algn="ctr"/>
-            <a:endParaRPr lang="en-SG" sz="1600" b="1"/>
-          </a:p>
-        </p:txBody>
-      </p:sp>
-      <p:sp>
-        <p:nvSpPr>
-          <p:cNvPr id="102" name="TextBox 101"/>
-          <p:cNvSpPr txBox="1"/>
-          <p:nvPr/>
-        </p:nvSpPr>
-        <p:spPr>
-          <a:xfrm>
-            <a:off x="5223616" y="2209800"/>
-            <a:ext cx="170709" cy="200457"/>
-          </a:xfrm>
-          <a:prstGeom prst="rect">
-            <a:avLst/>
-          </a:prstGeom>
-          <a:noFill/>
-        </p:spPr>
-        <p:txBody>
-          <a:bodyPr wrap="square" lIns="0" tIns="0" rIns="0" bIns="0" rtlCol="0" anchor="ctr" anchorCtr="0">
-            <a:noAutofit/>
-          </a:bodyPr>
-          <a:lstStyle/>
-          <a:p>
-            <a:r>
-              <a:rPr lang="en-US" b="1" dirty="0" smtClean="0">
-                <a:solidFill>
-                  <a:schemeClr val="accent6">
-                    <a:lumMod val="50000"/>
-                  </a:schemeClr>
-                </a:solidFill>
-              </a:rPr>
-              <a:t>*</a:t>
-            </a:r>
-            <a:endParaRPr lang="en-SG" b="1" dirty="0">
-              <a:solidFill>
-                <a:schemeClr val="accent6">
-                  <a:lumMod val="50000"/>
-                </a:schemeClr>
-              </a:solidFill>
-            </a:endParaRPr>
-          </a:p>
-        </p:txBody>
-      </p:sp>
-      <p:sp>
-        <p:nvSpPr>
-          <p:cNvPr id="103" name="TextBox 102"/>
-          <p:cNvSpPr txBox="1"/>
-          <p:nvPr/>
-        </p:nvSpPr>
-        <p:spPr>
-          <a:xfrm>
-            <a:off x="8213725" y="1856943"/>
-            <a:ext cx="170709" cy="200457"/>
-          </a:xfrm>
-          <a:prstGeom prst="rect">
-            <a:avLst/>
-          </a:prstGeom>
-          <a:noFill/>
-        </p:spPr>
-        <p:txBody>
-          <a:bodyPr wrap="square" lIns="0" tIns="0" rIns="0" bIns="0" rtlCol="0" anchor="ctr" anchorCtr="0">
-            <a:noAutofit/>
-          </a:bodyPr>
-          <a:lstStyle/>
-          <a:p>
-            <a:r>
-              <a:rPr lang="en-US" sz="1600" dirty="0">
-                <a:solidFill>
-                  <a:schemeClr val="accent6">
-                    <a:lumMod val="75000"/>
-                  </a:schemeClr>
-                </a:solidFill>
-              </a:rPr>
-              <a:t>1</a:t>
-            </a:r>
-            <a:endParaRPr lang="en-SG" sz="1600" dirty="0">
-              <a:solidFill>
-                <a:schemeClr val="accent6">
-                  <a:lumMod val="75000"/>
-                </a:schemeClr>
-              </a:solidFill>
-            </a:endParaRPr>
-          </a:p>
-        </p:txBody>
-      </p:sp>
-      <p:sp>
-        <p:nvSpPr>
-          <p:cNvPr id="104" name="TextBox 103"/>
-          <p:cNvSpPr txBox="1"/>
-          <p:nvPr/>
-        </p:nvSpPr>
-        <p:spPr>
-          <a:xfrm>
-            <a:off x="8213725" y="2542743"/>
-            <a:ext cx="170709" cy="200457"/>
-          </a:xfrm>
-          <a:prstGeom prst="rect">
-            <a:avLst/>
-          </a:prstGeom>
-          <a:noFill/>
-        </p:spPr>
-        <p:txBody>
-          <a:bodyPr wrap="square" lIns="0" tIns="0" rIns="0" bIns="0" rtlCol="0" anchor="ctr" anchorCtr="0">
-            <a:noAutofit/>
-          </a:bodyPr>
-          <a:lstStyle/>
-          <a:p>
-            <a:r>
-              <a:rPr lang="en-US" sz="1600" dirty="0">
-                <a:solidFill>
-                  <a:schemeClr val="accent6">
-                    <a:lumMod val="75000"/>
-                  </a:schemeClr>
-                </a:solidFill>
-              </a:rPr>
-              <a:t>1</a:t>
-            </a:r>
-            <a:endParaRPr lang="en-SG" sz="1600" dirty="0">
-              <a:solidFill>
-                <a:schemeClr val="accent6">
-                  <a:lumMod val="75000"/>
-                </a:schemeClr>
-              </a:solidFill>
-            </a:endParaRPr>
-          </a:p>
-        </p:txBody>
-      </p:sp>
-      <p:sp>
-        <p:nvSpPr>
-          <p:cNvPr id="107" name="Rectangle 106"/>
-          <p:cNvSpPr/>
-          <p:nvPr/>
-        </p:nvSpPr>
-        <p:spPr>
-          <a:xfrm>
-            <a:off x="3656102" y="2662661"/>
-            <a:ext cx="1204823" cy="461539"/>
-          </a:xfrm>
-          <a:prstGeom prst="rect">
-            <a:avLst/>
-          </a:prstGeom>
-        </p:spPr>
-        <p:style>
-          <a:lnRef idx="2">
-            <a:schemeClr val="accent5">
-              <a:shade val="50000"/>
-            </a:schemeClr>
-          </a:lnRef>
-          <a:fillRef idx="1">
-            <a:schemeClr val="accent5"/>
-          </a:fillRef>
-          <a:effectRef idx="0">
-            <a:schemeClr val="accent5"/>
-          </a:effectRef>
-          <a:fontRef idx="minor">
-            <a:schemeClr val="lt1"/>
-          </a:fontRef>
-        </p:style>
-        <p:txBody>
-          <a:bodyPr rtlCol="0" anchor="ctr"/>
-          <a:lstStyle/>
-          <a:p>
-            <a:pPr algn="ctr"/>
-            <a:r>
-              <a:rPr lang="en-US" sz="1600" b="1" dirty="0" smtClean="0"/>
-              <a:t>Feedback</a:t>
-            </a:r>
-            <a:br>
-              <a:rPr lang="en-US" sz="1600" b="1" dirty="0" smtClean="0"/>
-            </a:br>
-            <a:r>
-              <a:rPr lang="en-US" sz="1600" b="1" dirty="0" smtClean="0"/>
-              <a:t>Session</a:t>
-            </a:r>
-            <a:endParaRPr lang="en-SG" sz="1600" b="1" dirty="0"/>
-          </a:p>
-        </p:txBody>
-      </p:sp>
-      <p:sp>
-        <p:nvSpPr>
-          <p:cNvPr id="108" name="Rectangle 107"/>
-          <p:cNvSpPr/>
-          <p:nvPr/>
-        </p:nvSpPr>
-        <p:spPr>
-          <a:xfrm>
-            <a:off x="2574925" y="1676400"/>
-            <a:ext cx="1182043" cy="446919"/>
-          </a:xfrm>
-          <a:prstGeom prst="rect">
-            <a:avLst/>
-          </a:prstGeom>
-        </p:spPr>
-        <p:style>
-          <a:lnRef idx="2">
-            <a:schemeClr val="accent5">
-              <a:shade val="50000"/>
-            </a:schemeClr>
-          </a:lnRef>
-          <a:fillRef idx="1">
-            <a:schemeClr val="accent5"/>
-          </a:fillRef>
-          <a:effectRef idx="0">
-            <a:schemeClr val="accent5"/>
-          </a:effectRef>
-          <a:fontRef idx="minor">
-            <a:schemeClr val="lt1"/>
-          </a:fontRef>
-        </p:style>
-        <p:txBody>
-          <a:bodyPr rtlCol="0" anchor="ctr"/>
-          <a:lstStyle/>
-          <a:p>
-            <a:pPr algn="ctr"/>
-            <a:r>
-              <a:rPr lang="en-US" sz="1600" b="1" dirty="0"/>
-              <a:t>Feedback</a:t>
-            </a:r>
-            <a:br>
-              <a:rPr lang="en-US" sz="1600" b="1" dirty="0"/>
-            </a:br>
-            <a:r>
-              <a:rPr lang="en-US" sz="1600" b="1" dirty="0"/>
-              <a:t>Question</a:t>
-            </a:r>
-            <a:endParaRPr lang="en-SG" sz="1600" b="1" dirty="0"/>
-          </a:p>
-        </p:txBody>
-      </p:sp>
-      <p:sp>
-        <p:nvSpPr>
-          <p:cNvPr id="109" name="Diamond 108"/>
-          <p:cNvSpPr/>
-          <p:nvPr/>
-        </p:nvSpPr>
-        <p:spPr>
-          <a:xfrm>
-            <a:off x="3433465" y="2819400"/>
-            <a:ext cx="208260" cy="151078"/>
-          </a:xfrm>
-          <a:prstGeom prst="diamond">
-            <a:avLst/>
-          </a:prstGeom>
-        </p:spPr>
-        <p:style>
-          <a:lnRef idx="2">
-            <a:schemeClr val="accent5">
-              <a:shade val="50000"/>
-            </a:schemeClr>
-          </a:lnRef>
-          <a:fillRef idx="1">
-            <a:schemeClr val="accent5"/>
-          </a:fillRef>
-          <a:effectRef idx="0">
-            <a:schemeClr val="accent5"/>
-          </a:effectRef>
-          <a:fontRef idx="minor">
-            <a:schemeClr val="lt1"/>
-          </a:fontRef>
-        </p:style>
-        <p:txBody>
-          <a:bodyPr rtlCol="0" anchor="ctr"/>
-          <a:lstStyle/>
-          <a:p>
-            <a:pPr algn="ctr"/>
-            <a:endParaRPr lang="en-SG" sz="1600" b="1"/>
-          </a:p>
-        </p:txBody>
-      </p:sp>
-      <p:cxnSp>
-        <p:nvCxnSpPr>
-          <p:cNvPr id="110" name="Elbow Connector 109"/>
-          <p:cNvCxnSpPr>
-            <a:stCxn id="112" idx="2"/>
-            <a:endCxn id="107" idx="0"/>
-          </p:cNvCxnSpPr>
-          <p:nvPr/>
-        </p:nvCxnSpPr>
-        <p:spPr>
-          <a:xfrm rot="5400000">
-            <a:off x="4250790" y="2285325"/>
-            <a:ext cx="385061" cy="369611"/>
-          </a:xfrm>
-          <a:prstGeom prst="bentConnector3">
-            <a:avLst>
-              <a:gd name="adj1" fmla="val 50000"/>
-            </a:avLst>
-          </a:prstGeom>
-          <a:ln w="57150" cmpd="dbl">
-            <a:solidFill>
-              <a:schemeClr val="accent5">
-                <a:lumMod val="75000"/>
-              </a:schemeClr>
-            </a:solidFill>
-            <a:prstDash val="solid"/>
-            <a:headEnd type="triangle" w="med" len="med"/>
-            <a:tailEnd type="none" w="med" len="med"/>
-          </a:ln>
-        </p:spPr>
-        <p:style>
-          <a:lnRef idx="2">
-            <a:schemeClr val="accent6">
-              <a:shade val="50000"/>
-            </a:schemeClr>
-          </a:lnRef>
-          <a:fillRef idx="1">
-            <a:schemeClr val="accent6"/>
-          </a:fillRef>
-          <a:effectRef idx="0">
-            <a:schemeClr val="accent6"/>
-          </a:effectRef>
-          <a:fontRef idx="minor">
-            <a:schemeClr val="lt1"/>
-          </a:fontRef>
-        </p:style>
-      </p:cxnSp>
-      <p:cxnSp>
-        <p:nvCxnSpPr>
-          <p:cNvPr id="111" name="Elbow Connector 110"/>
-          <p:cNvCxnSpPr>
-            <a:stCxn id="109" idx="1"/>
-            <a:endCxn id="108" idx="2"/>
-          </p:cNvCxnSpPr>
-          <p:nvPr/>
-        </p:nvCxnSpPr>
-        <p:spPr>
-          <a:xfrm rot="10800000">
-            <a:off x="3165947" y="2123319"/>
-            <a:ext cx="267518" cy="771620"/>
-          </a:xfrm>
-          <a:prstGeom prst="bentConnector2">
-            <a:avLst/>
-          </a:prstGeom>
-          <a:ln w="57150" cmpd="dbl">
-            <a:solidFill>
-              <a:schemeClr val="accent5">
-                <a:lumMod val="75000"/>
-              </a:schemeClr>
-            </a:solidFill>
-            <a:prstDash val="solid"/>
-            <a:headEnd type="triangle" w="med" len="med"/>
-            <a:tailEnd type="none" w="med" len="med"/>
-          </a:ln>
-        </p:spPr>
-        <p:style>
-          <a:lnRef idx="2">
-            <a:schemeClr val="accent6">
-              <a:shade val="50000"/>
-            </a:schemeClr>
-          </a:lnRef>
-          <a:fillRef idx="1">
-            <a:schemeClr val="accent6"/>
-          </a:fillRef>
-          <a:effectRef idx="0">
-            <a:schemeClr val="accent6"/>
-          </a:effectRef>
-          <a:fontRef idx="minor">
-            <a:schemeClr val="lt1"/>
-          </a:fontRef>
-        </p:style>
-      </p:cxnSp>
-      <p:sp>
-        <p:nvSpPr>
-          <p:cNvPr id="112" name="Diamond 111"/>
-          <p:cNvSpPr/>
-          <p:nvPr/>
-        </p:nvSpPr>
-        <p:spPr>
-          <a:xfrm>
-            <a:off x="4556125" y="2133600"/>
-            <a:ext cx="144000" cy="144000"/>
-          </a:xfrm>
-          <a:prstGeom prst="diamond">
-            <a:avLst/>
-          </a:prstGeom>
-        </p:spPr>
-        <p:style>
-          <a:lnRef idx="2">
-            <a:schemeClr val="accent5">
-              <a:shade val="50000"/>
-            </a:schemeClr>
-          </a:lnRef>
-          <a:fillRef idx="1">
-            <a:schemeClr val="accent5"/>
-          </a:fillRef>
-          <a:effectRef idx="0">
-            <a:schemeClr val="accent5"/>
-          </a:effectRef>
-          <a:fontRef idx="minor">
-            <a:schemeClr val="lt1"/>
-          </a:fontRef>
-        </p:style>
-        <p:txBody>
-          <a:bodyPr rtlCol="0" anchor="ctr"/>
-          <a:lstStyle/>
-          <a:p>
-            <a:pPr algn="ctr"/>
-            <a:endParaRPr lang="en-SG" sz="1600" b="1"/>
-          </a:p>
-        </p:txBody>
-      </p:sp>
-      <p:sp>
-        <p:nvSpPr>
-          <p:cNvPr id="113" name="Rectangle 112"/>
-          <p:cNvSpPr/>
-          <p:nvPr/>
-        </p:nvSpPr>
-        <p:spPr>
-          <a:xfrm>
-            <a:off x="1508125" y="990600"/>
-            <a:ext cx="1182043" cy="446919"/>
-          </a:xfrm>
-          <a:prstGeom prst="rect">
-            <a:avLst/>
-          </a:prstGeom>
-        </p:spPr>
-        <p:style>
-          <a:lnRef idx="2">
-            <a:schemeClr val="accent5">
-              <a:shade val="50000"/>
-            </a:schemeClr>
-          </a:lnRef>
-          <a:fillRef idx="1">
-            <a:schemeClr val="accent5"/>
-          </a:fillRef>
-          <a:effectRef idx="0">
-            <a:schemeClr val="accent5"/>
-          </a:effectRef>
-          <a:fontRef idx="minor">
-            <a:schemeClr val="lt1"/>
-          </a:fontRef>
-        </p:style>
-        <p:txBody>
-          <a:bodyPr rtlCol="0" anchor="ctr"/>
-          <a:lstStyle/>
-          <a:p>
-            <a:pPr algn="ctr"/>
-            <a:r>
-              <a:rPr lang="en-US" sz="1600" b="1" dirty="0"/>
-              <a:t>Feedback</a:t>
-            </a:r>
-            <a:br>
-              <a:rPr lang="en-US" sz="1600" b="1" dirty="0"/>
-            </a:br>
-            <a:r>
-              <a:rPr lang="en-US" sz="1600" b="1" dirty="0"/>
-              <a:t>Response</a:t>
-            </a:r>
-            <a:endParaRPr lang="en-SG" sz="1600" b="1" dirty="0"/>
-          </a:p>
-        </p:txBody>
-      </p:sp>
-      <p:sp>
-        <p:nvSpPr>
-          <p:cNvPr id="114" name="Diamond 113"/>
-          <p:cNvSpPr/>
-          <p:nvPr/>
-        </p:nvSpPr>
-        <p:spPr>
-          <a:xfrm>
-            <a:off x="2346325" y="1828800"/>
-            <a:ext cx="208260" cy="151078"/>
-          </a:xfrm>
-          <a:prstGeom prst="diamond">
-            <a:avLst/>
-          </a:prstGeom>
-        </p:spPr>
-        <p:style>
-          <a:lnRef idx="2">
-            <a:schemeClr val="accent5">
-              <a:shade val="50000"/>
-            </a:schemeClr>
-          </a:lnRef>
-          <a:fillRef idx="1">
-            <a:schemeClr val="accent5"/>
-          </a:fillRef>
-          <a:effectRef idx="0">
-            <a:schemeClr val="accent5"/>
-          </a:effectRef>
-          <a:fontRef idx="minor">
-            <a:schemeClr val="lt1"/>
-          </a:fontRef>
-        </p:style>
-        <p:txBody>
-          <a:bodyPr rtlCol="0" anchor="ctr"/>
-          <a:lstStyle/>
-          <a:p>
-            <a:pPr algn="ctr"/>
-            <a:endParaRPr lang="en-SG" sz="1600" b="1"/>
-          </a:p>
-        </p:txBody>
-      </p:sp>
-      <p:cxnSp>
-        <p:nvCxnSpPr>
-          <p:cNvPr id="115" name="Elbow Connector 114"/>
-          <p:cNvCxnSpPr>
-            <a:stCxn id="114" idx="1"/>
-            <a:endCxn id="113" idx="2"/>
-          </p:cNvCxnSpPr>
-          <p:nvPr/>
-        </p:nvCxnSpPr>
-        <p:spPr>
-          <a:xfrm rot="10800000">
-            <a:off x="2099147" y="1437519"/>
-            <a:ext cx="247178" cy="466820"/>
-          </a:xfrm>
-          <a:prstGeom prst="bentConnector2">
-            <a:avLst/>
-          </a:prstGeom>
-          <a:ln w="57150" cmpd="dbl">
-            <a:solidFill>
-              <a:schemeClr val="accent5">
-                <a:lumMod val="75000"/>
-              </a:schemeClr>
-            </a:solidFill>
-            <a:prstDash val="solid"/>
-            <a:headEnd type="triangle" w="med" len="med"/>
-            <a:tailEnd type="none" w="med" len="med"/>
-          </a:ln>
-        </p:spPr>
-        <p:style>
-          <a:lnRef idx="2">
-            <a:schemeClr val="accent6">
-              <a:shade val="50000"/>
-            </a:schemeClr>
-          </a:lnRef>
-          <a:fillRef idx="1">
-            <a:schemeClr val="accent6"/>
-          </a:fillRef>
-          <a:effectRef idx="0">
-            <a:schemeClr val="accent6"/>
-          </a:effectRef>
-          <a:fontRef idx="minor">
-            <a:schemeClr val="lt1"/>
-          </a:fontRef>
-        </p:style>
-      </p:cxnSp>
-      <p:cxnSp>
-        <p:nvCxnSpPr>
-          <p:cNvPr id="119" name="Straight Arrow Connector 118"/>
+          <p:cNvPr id="46" name="Straight Arrow Connector 45"/>
           <p:cNvCxnSpPr/>
           <p:nvPr/>
         </p:nvCxnSpPr>
         <p:spPr>
           <a:xfrm>
-            <a:off x="3019827" y="3352800"/>
-            <a:ext cx="0" cy="323572"/>
+            <a:off x="4723003" y="2595562"/>
+            <a:ext cx="0" cy="432000"/>
           </a:xfrm>
           <a:prstGeom prst="straightConnector1">
             <a:avLst/>
@@ -6339,16 +4827,16 @@
       </p:cxnSp>
       <p:sp>
         <p:nvSpPr>
-          <p:cNvPr id="120" name="Diamond 119"/>
+          <p:cNvPr id="47" name="Rectangle 46"/>
           <p:cNvSpPr/>
           <p:nvPr/>
         </p:nvSpPr>
         <p:spPr>
           <a:xfrm>
-            <a:off x="7993525" y="1989600"/>
-            <a:ext cx="144000" cy="144000"/>
-          </a:xfrm>
-          <a:prstGeom prst="diamond">
+            <a:off x="7144946" y="5771967"/>
+            <a:ext cx="1025510" cy="657590"/>
+          </a:xfrm>
+          <a:prstGeom prst="rect">
             <a:avLst/>
           </a:prstGeom>
         </p:spPr>
@@ -6373,893 +4861,31 @@
           <a:lstStyle/>
           <a:p>
             <a:pPr algn="ctr"/>
-            <a:endParaRPr lang="en-SG" sz="1600" b="1"/>
-          </a:p>
-        </p:txBody>
-      </p:sp>
-      <p:sp>
-        <p:nvSpPr>
-          <p:cNvPr id="121" name="Diamond 120"/>
-          <p:cNvSpPr/>
-          <p:nvPr/>
-        </p:nvSpPr>
-        <p:spPr>
-          <a:xfrm>
-            <a:off x="7993525" y="2514600"/>
-            <a:ext cx="144000" cy="144000"/>
-          </a:xfrm>
-          <a:prstGeom prst="diamond">
-            <a:avLst/>
-          </a:prstGeom>
-        </p:spPr>
-        <p:style>
-          <a:lnRef idx="2">
-            <a:schemeClr val="accent6">
-              <a:shade val="50000"/>
-            </a:schemeClr>
-          </a:lnRef>
-          <a:fillRef idx="1">
-            <a:schemeClr val="accent6"/>
-          </a:fillRef>
-          <a:effectRef idx="0">
-            <a:schemeClr val="accent6"/>
-          </a:effectRef>
-          <a:fontRef idx="minor">
-            <a:schemeClr val="lt1"/>
-          </a:fontRef>
-        </p:style>
-        <p:txBody>
-          <a:bodyPr rtlCol="0" anchor="ctr"/>
-          <a:lstStyle/>
-          <a:p>
-            <a:pPr algn="ctr"/>
-            <a:endParaRPr lang="en-SG"/>
-          </a:p>
-        </p:txBody>
-      </p:sp>
-      <p:sp>
-        <p:nvSpPr>
-          <p:cNvPr id="123" name="TextBox 122"/>
-          <p:cNvSpPr txBox="1"/>
-          <p:nvPr/>
-        </p:nvSpPr>
-        <p:spPr>
-          <a:xfrm>
-            <a:off x="6689725" y="838200"/>
-            <a:ext cx="170709" cy="200457"/>
-          </a:xfrm>
-          <a:prstGeom prst="rect">
-            <a:avLst/>
-          </a:prstGeom>
-          <a:noFill/>
-        </p:spPr>
-        <p:txBody>
-          <a:bodyPr wrap="square" lIns="0" tIns="0" rIns="0" bIns="0" rtlCol="0" anchor="ctr" anchorCtr="0">
-            <a:noAutofit/>
-          </a:bodyPr>
-          <a:lstStyle/>
-          <a:p>
-            <a:r>
-              <a:rPr lang="en-US" sz="1600" dirty="0" smtClean="0">
-                <a:solidFill>
-                  <a:schemeClr val="accent5">
-                    <a:lumMod val="75000"/>
-                  </a:schemeClr>
-                </a:solidFill>
-              </a:rPr>
-              <a:t>2</a:t>
-            </a:r>
-            <a:endParaRPr lang="en-SG" sz="1600" dirty="0">
-              <a:solidFill>
-                <a:schemeClr val="accent5">
-                  <a:lumMod val="75000"/>
-                </a:schemeClr>
-              </a:solidFill>
-            </a:endParaRPr>
-          </a:p>
-        </p:txBody>
-      </p:sp>
-      <p:sp>
-        <p:nvSpPr>
-          <p:cNvPr id="124" name="Diamond 123"/>
-          <p:cNvSpPr/>
-          <p:nvPr/>
-        </p:nvSpPr>
-        <p:spPr>
-          <a:xfrm>
-            <a:off x="6461125" y="922800"/>
-            <a:ext cx="144000" cy="144000"/>
-          </a:xfrm>
-          <a:prstGeom prst="diamond">
-            <a:avLst/>
-          </a:prstGeom>
-        </p:spPr>
-        <p:style>
-          <a:lnRef idx="2">
-            <a:schemeClr val="accent5">
-              <a:shade val="50000"/>
-            </a:schemeClr>
-          </a:lnRef>
-          <a:fillRef idx="1">
-            <a:schemeClr val="accent5"/>
-          </a:fillRef>
-          <a:effectRef idx="0">
-            <a:schemeClr val="accent5"/>
-          </a:effectRef>
-          <a:fontRef idx="minor">
-            <a:schemeClr val="lt1"/>
-          </a:fontRef>
-        </p:style>
-        <p:txBody>
-          <a:bodyPr rtlCol="0" anchor="ctr"/>
-          <a:lstStyle/>
-          <a:p>
-            <a:pPr algn="ctr"/>
-            <a:endParaRPr lang="en-SG" sz="1600" b="1"/>
-          </a:p>
-        </p:txBody>
-      </p:sp>
-      <p:cxnSp>
-        <p:nvCxnSpPr>
-          <p:cNvPr id="125" name="Elbow Connector 124"/>
-          <p:cNvCxnSpPr>
-            <a:stCxn id="124" idx="0"/>
-            <a:endCxn id="113" idx="0"/>
-          </p:cNvCxnSpPr>
-          <p:nvPr/>
-        </p:nvCxnSpPr>
-        <p:spPr>
-          <a:xfrm rot="16200000" flipH="1" flipV="1">
-            <a:off x="4282236" y="-1260289"/>
-            <a:ext cx="67800" cy="4433978"/>
-          </a:xfrm>
-          <a:prstGeom prst="bentConnector3">
-            <a:avLst>
-              <a:gd name="adj1" fmla="val -337168"/>
-            </a:avLst>
-          </a:prstGeom>
-          <a:ln w="57150" cmpd="dbl">
-            <a:solidFill>
-              <a:schemeClr val="accent5">
-                <a:lumMod val="75000"/>
-              </a:schemeClr>
-            </a:solidFill>
-            <a:prstDash val="solid"/>
-            <a:headEnd type="triangle" w="med" len="med"/>
-            <a:tailEnd type="none" w="med" len="med"/>
-          </a:ln>
-        </p:spPr>
-        <p:style>
-          <a:lnRef idx="2">
-            <a:schemeClr val="accent6">
-              <a:shade val="50000"/>
-            </a:schemeClr>
-          </a:lnRef>
-          <a:fillRef idx="1">
-            <a:schemeClr val="accent6"/>
-          </a:fillRef>
-          <a:effectRef idx="0">
-            <a:schemeClr val="accent6"/>
-          </a:effectRef>
-          <a:fontRef idx="minor">
-            <a:schemeClr val="lt1"/>
-          </a:fontRef>
-        </p:style>
-      </p:cxnSp>
-      <p:sp>
-        <p:nvSpPr>
-          <p:cNvPr id="127" name="TextBox 126"/>
-          <p:cNvSpPr txBox="1"/>
-          <p:nvPr/>
-        </p:nvSpPr>
-        <p:spPr>
-          <a:xfrm>
-            <a:off x="4327525" y="2209800"/>
-            <a:ext cx="170709" cy="200457"/>
-          </a:xfrm>
-          <a:prstGeom prst="rect">
-            <a:avLst/>
-          </a:prstGeom>
-          <a:noFill/>
-        </p:spPr>
-        <p:txBody>
-          <a:bodyPr wrap="square" lIns="0" tIns="0" rIns="0" bIns="0" rtlCol="0" anchor="ctr" anchorCtr="0">
-            <a:noAutofit/>
-          </a:bodyPr>
-          <a:lstStyle/>
-          <a:p>
-            <a:r>
-              <a:rPr lang="en-US" b="1" dirty="0" smtClean="0">
-                <a:solidFill>
-                  <a:schemeClr val="accent5">
-                    <a:lumMod val="75000"/>
-                  </a:schemeClr>
-                </a:solidFill>
-              </a:rPr>
-              <a:t>*</a:t>
-            </a:r>
-            <a:endParaRPr lang="en-SG" b="1" dirty="0">
-              <a:solidFill>
-                <a:schemeClr val="accent5">
-                  <a:lumMod val="75000"/>
-                </a:schemeClr>
-              </a:solidFill>
-            </a:endParaRPr>
-          </a:p>
-        </p:txBody>
-      </p:sp>
-      <p:sp>
-        <p:nvSpPr>
-          <p:cNvPr id="128" name="Rectangle 127"/>
-          <p:cNvSpPr/>
-          <p:nvPr/>
-        </p:nvSpPr>
-        <p:spPr>
-          <a:xfrm>
-            <a:off x="6094502" y="2057400"/>
-            <a:ext cx="1204823" cy="361770"/>
-          </a:xfrm>
-          <a:prstGeom prst="rect">
-            <a:avLst/>
-          </a:prstGeom>
-          <a:solidFill>
-            <a:schemeClr val="accent3">
-              <a:lumMod val="75000"/>
-            </a:schemeClr>
-          </a:solidFill>
-          <a:ln>
-            <a:solidFill>
-              <a:schemeClr val="accent3">
-                <a:lumMod val="50000"/>
-              </a:schemeClr>
-            </a:solidFill>
-          </a:ln>
-          <a:effectLst/>
-        </p:spPr>
-        <p:style>
-          <a:lnRef idx="2">
-            <a:schemeClr val="accent6">
-              <a:shade val="50000"/>
-            </a:schemeClr>
-          </a:lnRef>
-          <a:fillRef idx="1">
-            <a:schemeClr val="accent6"/>
-          </a:fillRef>
-          <a:effectRef idx="0">
-            <a:schemeClr val="accent6"/>
-          </a:effectRef>
-          <a:fontRef idx="minor">
-            <a:schemeClr val="lt1"/>
-          </a:fontRef>
-        </p:style>
-        <p:txBody>
-          <a:bodyPr rtlCol="0" anchor="ctr"/>
-          <a:lstStyle/>
-          <a:p>
-            <a:pPr algn="ctr"/>
-            <a:r>
-              <a:rPr lang="en-US" sz="1600" b="1" dirty="0"/>
-              <a:t>Comment</a:t>
-            </a:r>
-            <a:endParaRPr lang="en-SG" sz="1600" b="1" dirty="0"/>
-          </a:p>
-        </p:txBody>
-      </p:sp>
-      <p:cxnSp>
-        <p:nvCxnSpPr>
-          <p:cNvPr id="129" name="Elbow Connector 128"/>
-          <p:cNvCxnSpPr>
-            <a:stCxn id="96" idx="3"/>
-            <a:endCxn id="128" idx="1"/>
-          </p:cNvCxnSpPr>
-          <p:nvPr/>
-        </p:nvCxnSpPr>
-        <p:spPr>
-          <a:xfrm>
-            <a:off x="5318125" y="1933485"/>
-            <a:ext cx="776377" cy="304800"/>
-          </a:xfrm>
-          <a:prstGeom prst="bentConnector3">
-            <a:avLst>
-              <a:gd name="adj1" fmla="val 50000"/>
-            </a:avLst>
-          </a:prstGeom>
-          <a:ln w="57150" cmpd="dbl">
-            <a:solidFill>
-              <a:schemeClr val="accent3">
-                <a:lumMod val="50000"/>
-              </a:schemeClr>
-            </a:solidFill>
-            <a:prstDash val="solid"/>
-            <a:headEnd type="triangle" w="med" len="med"/>
-            <a:tailEnd type="none" w="med" len="med"/>
-          </a:ln>
-        </p:spPr>
-        <p:style>
-          <a:lnRef idx="2">
-            <a:schemeClr val="accent6">
-              <a:shade val="50000"/>
-            </a:schemeClr>
-          </a:lnRef>
-          <a:fillRef idx="1">
-            <a:schemeClr val="accent6"/>
-          </a:fillRef>
-          <a:effectRef idx="0">
-            <a:schemeClr val="accent6"/>
-          </a:effectRef>
-          <a:fontRef idx="minor">
-            <a:schemeClr val="lt1"/>
-          </a:fontRef>
-        </p:style>
-      </p:cxnSp>
-      <p:cxnSp>
-        <p:nvCxnSpPr>
-          <p:cNvPr id="130" name="Elbow Connector 129"/>
-          <p:cNvCxnSpPr>
-            <a:stCxn id="79" idx="2"/>
-            <a:endCxn id="128" idx="0"/>
-          </p:cNvCxnSpPr>
-          <p:nvPr/>
-        </p:nvCxnSpPr>
-        <p:spPr>
-          <a:xfrm rot="16200000" flipH="1">
-            <a:off x="6314656" y="1675142"/>
-            <a:ext cx="609600" cy="154916"/>
-          </a:xfrm>
-          <a:prstGeom prst="bentConnector3">
-            <a:avLst>
-              <a:gd name="adj1" fmla="val 50000"/>
-            </a:avLst>
-          </a:prstGeom>
-          <a:ln w="57150" cmpd="dbl">
-            <a:solidFill>
-              <a:schemeClr val="accent3">
-                <a:lumMod val="50000"/>
-              </a:schemeClr>
-            </a:solidFill>
-            <a:prstDash val="solid"/>
-            <a:headEnd type="triangle" w="med" len="med"/>
-            <a:tailEnd type="none" w="med" len="med"/>
-          </a:ln>
-        </p:spPr>
-        <p:style>
-          <a:lnRef idx="2">
-            <a:schemeClr val="accent6">
-              <a:shade val="50000"/>
-            </a:schemeClr>
-          </a:lnRef>
-          <a:fillRef idx="1">
-            <a:schemeClr val="accent6"/>
-          </a:fillRef>
-          <a:effectRef idx="0">
-            <a:schemeClr val="accent6"/>
-          </a:effectRef>
-          <a:fontRef idx="minor">
-            <a:schemeClr val="lt1"/>
-          </a:fontRef>
-        </p:style>
-      </p:cxnSp>
-      <p:cxnSp>
-        <p:nvCxnSpPr>
-          <p:cNvPr id="131" name="Elbow Connector 130"/>
-          <p:cNvCxnSpPr>
-            <a:stCxn id="91" idx="0"/>
-            <a:endCxn id="128" idx="2"/>
-          </p:cNvCxnSpPr>
-          <p:nvPr/>
-        </p:nvCxnSpPr>
-        <p:spPr>
-          <a:xfrm rot="5400000" flipH="1" flipV="1">
-            <a:off x="6222910" y="2345397"/>
-            <a:ext cx="400230" cy="547777"/>
-          </a:xfrm>
-          <a:prstGeom prst="bentConnector3">
-            <a:avLst>
-              <a:gd name="adj1" fmla="val 50000"/>
-            </a:avLst>
-          </a:prstGeom>
-          <a:ln w="57150" cmpd="dbl">
-            <a:solidFill>
-              <a:schemeClr val="accent3">
-                <a:lumMod val="50000"/>
-              </a:schemeClr>
-            </a:solidFill>
-            <a:prstDash val="solid"/>
-            <a:headEnd type="triangle" w="med" len="med"/>
-            <a:tailEnd type="none" w="med" len="med"/>
-          </a:ln>
-        </p:spPr>
-        <p:style>
-          <a:lnRef idx="2">
-            <a:schemeClr val="accent6">
-              <a:shade val="50000"/>
-            </a:schemeClr>
-          </a:lnRef>
-          <a:fillRef idx="1">
-            <a:schemeClr val="accent6"/>
-          </a:fillRef>
-          <a:effectRef idx="0">
-            <a:schemeClr val="accent6"/>
-          </a:effectRef>
-          <a:fontRef idx="minor">
-            <a:schemeClr val="lt1"/>
-          </a:fontRef>
-        </p:style>
-      </p:cxnSp>
-      <p:sp>
-        <p:nvSpPr>
-          <p:cNvPr id="134" name="TextBox 133"/>
-          <p:cNvSpPr txBox="1"/>
-          <p:nvPr/>
-        </p:nvSpPr>
-        <p:spPr>
-          <a:xfrm>
-            <a:off x="6765925" y="1828800"/>
-            <a:ext cx="170709" cy="200457"/>
-          </a:xfrm>
-          <a:prstGeom prst="rect">
-            <a:avLst/>
-          </a:prstGeom>
-          <a:noFill/>
-        </p:spPr>
-        <p:txBody>
-          <a:bodyPr wrap="square" lIns="0" tIns="0" rIns="0" bIns="0" rtlCol="0" anchor="ctr" anchorCtr="0">
-            <a:noAutofit/>
-          </a:bodyPr>
-          <a:lstStyle/>
-          <a:p>
-            <a:r>
-              <a:rPr lang="en-US" sz="1600" dirty="0">
-                <a:solidFill>
-                  <a:schemeClr val="accent3">
-                    <a:lumMod val="50000"/>
-                  </a:schemeClr>
-                </a:solidFill>
-              </a:rPr>
-              <a:t>1</a:t>
-            </a:r>
-            <a:endParaRPr lang="en-SG" sz="1600" dirty="0">
-              <a:solidFill>
-                <a:schemeClr val="accent3">
-                  <a:lumMod val="50000"/>
-                </a:schemeClr>
-              </a:solidFill>
-            </a:endParaRPr>
-          </a:p>
-        </p:txBody>
-      </p:sp>
-      <p:sp>
-        <p:nvSpPr>
-          <p:cNvPr id="135" name="TextBox 134"/>
-          <p:cNvSpPr txBox="1"/>
-          <p:nvPr/>
-        </p:nvSpPr>
-        <p:spPr>
-          <a:xfrm>
-            <a:off x="6823816" y="2438400"/>
-            <a:ext cx="170709" cy="200457"/>
-          </a:xfrm>
-          <a:prstGeom prst="rect">
-            <a:avLst/>
-          </a:prstGeom>
-          <a:noFill/>
-        </p:spPr>
-        <p:txBody>
-          <a:bodyPr wrap="square" lIns="0" tIns="0" rIns="0" bIns="0" rtlCol="0" anchor="ctr" anchorCtr="0">
-            <a:noAutofit/>
-          </a:bodyPr>
-          <a:lstStyle/>
-          <a:p>
-            <a:r>
-              <a:rPr lang="en-US" sz="1600" dirty="0">
-                <a:solidFill>
-                  <a:schemeClr val="accent3">
-                    <a:lumMod val="50000"/>
-                  </a:schemeClr>
-                </a:solidFill>
-              </a:rPr>
-              <a:t>1</a:t>
-            </a:r>
-            <a:endParaRPr lang="en-SG" sz="1600" dirty="0">
-              <a:solidFill>
-                <a:schemeClr val="accent3">
-                  <a:lumMod val="50000"/>
-                </a:schemeClr>
-              </a:solidFill>
-            </a:endParaRPr>
-          </a:p>
-        </p:txBody>
-      </p:sp>
-      <p:sp>
-        <p:nvSpPr>
-          <p:cNvPr id="136" name="TextBox 135"/>
-          <p:cNvSpPr txBox="1"/>
-          <p:nvPr/>
-        </p:nvSpPr>
-        <p:spPr>
-          <a:xfrm>
-            <a:off x="5470525" y="1628343"/>
-            <a:ext cx="170709" cy="200457"/>
-          </a:xfrm>
-          <a:prstGeom prst="rect">
-            <a:avLst/>
-          </a:prstGeom>
-          <a:noFill/>
-        </p:spPr>
-        <p:txBody>
-          <a:bodyPr wrap="square" lIns="0" tIns="0" rIns="0" bIns="0" rtlCol="0" anchor="ctr" anchorCtr="0">
-            <a:noAutofit/>
-          </a:bodyPr>
-          <a:lstStyle/>
-          <a:p>
-            <a:r>
-              <a:rPr lang="en-US" sz="1600" dirty="0">
-                <a:solidFill>
-                  <a:schemeClr val="accent3">
-                    <a:lumMod val="50000"/>
-                  </a:schemeClr>
-                </a:solidFill>
-              </a:rPr>
-              <a:t>1</a:t>
-            </a:r>
-            <a:endParaRPr lang="en-SG" sz="1600" dirty="0">
-              <a:solidFill>
-                <a:schemeClr val="accent3">
-                  <a:lumMod val="50000"/>
-                </a:schemeClr>
-              </a:solidFill>
-            </a:endParaRPr>
-          </a:p>
-        </p:txBody>
-      </p:sp>
-      <p:sp>
-        <p:nvSpPr>
-          <p:cNvPr id="68" name="Rectangle 67"/>
-          <p:cNvSpPr/>
-          <p:nvPr/>
-        </p:nvSpPr>
-        <p:spPr>
-          <a:xfrm>
-            <a:off x="1449761" y="2438400"/>
-            <a:ext cx="1478600" cy="774952"/>
-          </a:xfrm>
-          <a:prstGeom prst="rect">
-            <a:avLst/>
-          </a:prstGeom>
-          <a:solidFill>
-            <a:schemeClr val="accent3">
-              <a:lumMod val="75000"/>
-            </a:schemeClr>
-          </a:solidFill>
-          <a:ln>
-            <a:solidFill>
-              <a:schemeClr val="accent3">
-                <a:lumMod val="50000"/>
-              </a:schemeClr>
-            </a:solidFill>
-          </a:ln>
-          <a:effectLst/>
-        </p:spPr>
-        <p:style>
-          <a:lnRef idx="2">
-            <a:schemeClr val="accent6">
-              <a:shade val="50000"/>
-            </a:schemeClr>
-          </a:lnRef>
-          <a:fillRef idx="1">
-            <a:schemeClr val="accent6"/>
-          </a:fillRef>
-          <a:effectRef idx="0">
-            <a:schemeClr val="accent6"/>
-          </a:effectRef>
-          <a:fontRef idx="minor">
-            <a:schemeClr val="lt1"/>
-          </a:fontRef>
-        </p:style>
-        <p:txBody>
-          <a:bodyPr rtlCol="0" anchor="ctr"/>
-          <a:lstStyle/>
-          <a:p>
-            <a:pPr algn="ctr"/>
             <a:r>
               <a:rPr lang="en-US" sz="1600" b="1" dirty="0" smtClean="0"/>
-              <a:t>Feedback</a:t>
+              <a:t>Search</a:t>
             </a:r>
             <a:br>
               <a:rPr lang="en-US" sz="1600" b="1" dirty="0" smtClean="0"/>
             </a:br>
             <a:r>
               <a:rPr lang="en-US" sz="1600" b="1" dirty="0" smtClean="0"/>
-              <a:t>Response</a:t>
-            </a:r>
-            <a:br>
-              <a:rPr lang="en-US" sz="1600" b="1" dirty="0" smtClean="0"/>
-            </a:br>
-            <a:r>
-              <a:rPr lang="en-US" sz="1600" b="1" dirty="0" smtClean="0"/>
-              <a:t>Comment</a:t>
+              <a:t>Manager</a:t>
             </a:r>
             <a:endParaRPr lang="en-SG" sz="1600" b="1" dirty="0"/>
           </a:p>
         </p:txBody>
       </p:sp>
-      <p:cxnSp>
-        <p:nvCxnSpPr>
-          <p:cNvPr id="132" name="Elbow Connector 131"/>
-          <p:cNvCxnSpPr/>
-          <p:nvPr/>
-        </p:nvCxnSpPr>
-        <p:spPr>
-          <a:xfrm rot="5400000">
-            <a:off x="1210601" y="1844394"/>
-            <a:ext cx="981392" cy="206622"/>
-          </a:xfrm>
-          <a:prstGeom prst="bentConnector3">
-            <a:avLst>
-              <a:gd name="adj1" fmla="val 50000"/>
-            </a:avLst>
-          </a:prstGeom>
-          <a:ln w="57150" cmpd="dbl">
-            <a:solidFill>
-              <a:schemeClr val="accent3">
-                <a:lumMod val="50000"/>
-              </a:schemeClr>
-            </a:solidFill>
-            <a:prstDash val="solid"/>
-            <a:headEnd type="triangle" w="med" len="med"/>
-            <a:tailEnd type="none" w="med" len="med"/>
-          </a:ln>
-        </p:spPr>
-        <p:style>
-          <a:lnRef idx="2">
-            <a:schemeClr val="accent6">
-              <a:shade val="50000"/>
-            </a:schemeClr>
-          </a:lnRef>
-          <a:fillRef idx="1">
-            <a:schemeClr val="accent6"/>
-          </a:fillRef>
-          <a:effectRef idx="0">
-            <a:schemeClr val="accent6"/>
-          </a:effectRef>
-          <a:fontRef idx="minor">
-            <a:schemeClr val="lt1"/>
-          </a:fontRef>
-        </p:style>
-      </p:cxnSp>
-      <p:sp>
-        <p:nvSpPr>
-          <p:cNvPr id="133" name="TextBox 132"/>
-          <p:cNvSpPr txBox="1"/>
-          <p:nvPr/>
-        </p:nvSpPr>
-        <p:spPr>
-          <a:xfrm>
-            <a:off x="1732531" y="2161743"/>
-            <a:ext cx="170709" cy="200457"/>
-          </a:xfrm>
-          <a:prstGeom prst="rect">
-            <a:avLst/>
-          </a:prstGeom>
-          <a:noFill/>
-        </p:spPr>
-        <p:txBody>
-          <a:bodyPr wrap="square" lIns="0" tIns="0" rIns="0" bIns="0" rtlCol="0" anchor="ctr" anchorCtr="0">
-            <a:noAutofit/>
-          </a:bodyPr>
-          <a:lstStyle/>
-          <a:p>
-            <a:r>
-              <a:rPr lang="en-US" sz="1600" dirty="0">
-                <a:solidFill>
-                  <a:schemeClr val="accent3">
-                    <a:lumMod val="50000"/>
-                  </a:schemeClr>
-                </a:solidFill>
-              </a:rPr>
-              <a:t>1</a:t>
-            </a:r>
-            <a:endParaRPr lang="en-SG" sz="1600" dirty="0">
-              <a:solidFill>
-                <a:schemeClr val="accent3">
-                  <a:lumMod val="50000"/>
-                </a:schemeClr>
-              </a:solidFill>
-            </a:endParaRPr>
-          </a:p>
-        </p:txBody>
-      </p:sp>
-      <p:sp>
-        <p:nvSpPr>
-          <p:cNvPr id="139" name="TextBox 138"/>
-          <p:cNvSpPr txBox="1"/>
-          <p:nvPr/>
-        </p:nvSpPr>
-        <p:spPr>
-          <a:xfrm>
-            <a:off x="3394816" y="2618943"/>
-            <a:ext cx="170709" cy="200457"/>
-          </a:xfrm>
-          <a:prstGeom prst="rect">
-            <a:avLst/>
-          </a:prstGeom>
-          <a:noFill/>
-        </p:spPr>
-        <p:txBody>
-          <a:bodyPr wrap="square" lIns="0" tIns="0" rIns="0" bIns="0" rtlCol="0" anchor="ctr" anchorCtr="0">
-            <a:noAutofit/>
-          </a:bodyPr>
-          <a:lstStyle/>
-          <a:p>
-            <a:r>
-              <a:rPr lang="en-US" b="1" dirty="0" smtClean="0">
-                <a:solidFill>
-                  <a:schemeClr val="accent5">
-                    <a:lumMod val="75000"/>
-                  </a:schemeClr>
-                </a:solidFill>
-              </a:rPr>
-              <a:t>*</a:t>
-            </a:r>
-            <a:endParaRPr lang="en-SG" b="1" dirty="0">
-              <a:solidFill>
-                <a:schemeClr val="accent5">
-                  <a:lumMod val="75000"/>
-                </a:schemeClr>
-              </a:solidFill>
-            </a:endParaRPr>
-          </a:p>
-        </p:txBody>
-      </p:sp>
-      <p:sp>
-        <p:nvSpPr>
-          <p:cNvPr id="140" name="Rectangle 139"/>
+      <p:sp>
+        <p:nvSpPr>
+          <p:cNvPr id="48" name="Rectangle 47"/>
           <p:cNvSpPr/>
           <p:nvPr/>
         </p:nvSpPr>
         <p:spPr>
           <a:xfrm>
-            <a:off x="8320083" y="962110"/>
-            <a:ext cx="884242" cy="561890"/>
-          </a:xfrm>
-          <a:prstGeom prst="rect">
-            <a:avLst/>
-          </a:prstGeom>
-        </p:spPr>
-        <p:style>
-          <a:lnRef idx="2">
-            <a:schemeClr val="accent6">
-              <a:shade val="50000"/>
-            </a:schemeClr>
-          </a:lnRef>
-          <a:fillRef idx="1">
-            <a:schemeClr val="accent6"/>
-          </a:fillRef>
-          <a:effectRef idx="0">
-            <a:schemeClr val="accent6"/>
-          </a:effectRef>
-          <a:fontRef idx="minor">
-            <a:schemeClr val="lt1"/>
-          </a:fontRef>
-        </p:style>
-        <p:txBody>
-          <a:bodyPr rtlCol="0" anchor="ctr"/>
-          <a:lstStyle/>
-          <a:p>
-            <a:pPr algn="ctr"/>
-            <a:r>
-              <a:rPr lang="en-US" sz="1600" b="1" dirty="0" smtClean="0"/>
-              <a:t>Student</a:t>
-            </a:r>
-          </a:p>
-          <a:p>
-            <a:pPr algn="ctr"/>
-            <a:r>
-              <a:rPr lang="en-US" sz="1600" b="1" dirty="0" smtClean="0"/>
-              <a:t>Profile</a:t>
-            </a:r>
-            <a:endParaRPr lang="en-SG" sz="1600" b="1" dirty="0"/>
-          </a:p>
-        </p:txBody>
-      </p:sp>
-      <p:cxnSp>
-        <p:nvCxnSpPr>
-          <p:cNvPr id="141" name="Elbow Connector 140"/>
-          <p:cNvCxnSpPr>
-            <a:stCxn id="142" idx="3"/>
-            <a:endCxn id="140" idx="2"/>
-          </p:cNvCxnSpPr>
-          <p:nvPr/>
-        </p:nvCxnSpPr>
-        <p:spPr>
-          <a:xfrm flipH="1" flipV="1">
-            <a:off x="8762204" y="1524000"/>
-            <a:ext cx="61121" cy="842400"/>
-          </a:xfrm>
-          <a:prstGeom prst="bentConnector4">
-            <a:avLst>
-              <a:gd name="adj1" fmla="val -374012"/>
-              <a:gd name="adj2" fmla="val 54274"/>
-            </a:avLst>
-          </a:prstGeom>
-          <a:ln w="57150" cmpd="dbl">
-            <a:solidFill>
-              <a:schemeClr val="accent6">
-                <a:lumMod val="50000"/>
-              </a:schemeClr>
-            </a:solidFill>
-            <a:prstDash val="solid"/>
-            <a:headEnd type="triangle" w="med" len="med"/>
-            <a:tailEnd type="none" w="med" len="med"/>
-          </a:ln>
-        </p:spPr>
-        <p:style>
-          <a:lnRef idx="2">
-            <a:schemeClr val="accent6">
-              <a:shade val="50000"/>
-            </a:schemeClr>
-          </a:lnRef>
-          <a:fillRef idx="1">
-            <a:schemeClr val="accent6"/>
-          </a:fillRef>
-          <a:effectRef idx="0">
-            <a:schemeClr val="accent6"/>
-          </a:effectRef>
-          <a:fontRef idx="minor">
-            <a:schemeClr val="lt1"/>
-          </a:fontRef>
-        </p:style>
-      </p:cxnSp>
-      <p:sp>
-        <p:nvSpPr>
-          <p:cNvPr id="142" name="Diamond 141"/>
-          <p:cNvSpPr/>
-          <p:nvPr/>
-        </p:nvSpPr>
-        <p:spPr>
-          <a:xfrm>
-            <a:off x="8679325" y="2294400"/>
-            <a:ext cx="144000" cy="144000"/>
-          </a:xfrm>
-          <a:prstGeom prst="diamond">
-            <a:avLst/>
-          </a:prstGeom>
-        </p:spPr>
-        <p:style>
-          <a:lnRef idx="2">
-            <a:schemeClr val="accent6">
-              <a:shade val="50000"/>
-            </a:schemeClr>
-          </a:lnRef>
-          <a:fillRef idx="1">
-            <a:schemeClr val="accent6"/>
-          </a:fillRef>
-          <a:effectRef idx="0">
-            <a:schemeClr val="accent6"/>
-          </a:effectRef>
-          <a:fontRef idx="minor">
-            <a:schemeClr val="lt1"/>
-          </a:fontRef>
-        </p:style>
-        <p:txBody>
-          <a:bodyPr rtlCol="0" anchor="ctr"/>
-          <a:lstStyle/>
-          <a:p>
-            <a:pPr algn="ctr"/>
-            <a:endParaRPr lang="en-SG" sz="1600" b="1"/>
-          </a:p>
-        </p:txBody>
-      </p:sp>
-      <p:sp>
-        <p:nvSpPr>
-          <p:cNvPr id="143" name="Rectangle 142"/>
-          <p:cNvSpPr/>
-          <p:nvPr/>
-        </p:nvSpPr>
-        <p:spPr>
-          <a:xfrm>
-            <a:off x="6554537" y="4073516"/>
-            <a:ext cx="2396412" cy="360000"/>
+            <a:off x="1316010" y="5567362"/>
+            <a:ext cx="1774685" cy="360000"/>
           </a:xfrm>
           <a:prstGeom prst="rect">
             <a:avLst/>
@@ -7288,7 +4914,7 @@
             <a:pPr algn="ctr"/>
             <a:r>
               <a:rPr lang="en-US" sz="1600" b="1" dirty="0" err="1" smtClean="0"/>
-              <a:t>SearchManager</a:t>
+              <a:t>SearchQuery</a:t>
             </a:r>
             <a:endParaRPr lang="en-SG" sz="1600" b="1" dirty="0"/>
           </a:p>
@@ -7296,158 +4922,18 @@
       </p:sp>
       <p:sp>
         <p:nvSpPr>
-          <p:cNvPr id="144" name="Rectangle 143"/>
+          <p:cNvPr id="49" name="Rectangle 48"/>
           <p:cNvSpPr/>
           <p:nvPr/>
         </p:nvSpPr>
         <p:spPr>
           <a:xfrm>
-            <a:off x="6218840" y="4648200"/>
+            <a:off x="3835660" y="5560762"/>
             <a:ext cx="1774685" cy="360000"/>
           </a:xfrm>
           <a:prstGeom prst="rect">
             <a:avLst/>
           </a:prstGeom>
-        </p:spPr>
-        <p:style>
-          <a:lnRef idx="2">
-            <a:schemeClr val="accent1">
-              <a:shade val="50000"/>
-            </a:schemeClr>
-          </a:lnRef>
-          <a:fillRef idx="1">
-            <a:schemeClr val="accent1"/>
-          </a:fillRef>
-          <a:effectRef idx="0">
-            <a:schemeClr val="accent1"/>
-          </a:effectRef>
-          <a:fontRef idx="minor">
-            <a:schemeClr val="lt1"/>
-          </a:fontRef>
-        </p:style>
-        <p:txBody>
-          <a:bodyPr rtlCol="0" anchor="ctr"/>
-          <a:lstStyle/>
-          <a:p>
-            <a:pPr algn="ctr"/>
-            <a:r>
-              <a:rPr lang="en-US" sz="1600" b="1" dirty="0" err="1" smtClean="0"/>
-              <a:t>SearchQuery</a:t>
-            </a:r>
-            <a:endParaRPr lang="en-SG" sz="1600" b="1" dirty="0"/>
-          </a:p>
-        </p:txBody>
-      </p:sp>
-      <p:sp>
-        <p:nvSpPr>
-          <p:cNvPr id="145" name="Rectangle 144"/>
-          <p:cNvSpPr/>
-          <p:nvPr/>
-        </p:nvSpPr>
-        <p:spPr>
-          <a:xfrm>
-            <a:off x="6218840" y="5867400"/>
-            <a:ext cx="1774685" cy="360000"/>
-          </a:xfrm>
-          <a:prstGeom prst="rect">
-            <a:avLst/>
-          </a:prstGeom>
-        </p:spPr>
-        <p:style>
-          <a:lnRef idx="2">
-            <a:schemeClr val="accent1">
-              <a:shade val="50000"/>
-            </a:schemeClr>
-          </a:lnRef>
-          <a:fillRef idx="1">
-            <a:schemeClr val="accent1"/>
-          </a:fillRef>
-          <a:effectRef idx="0">
-            <a:schemeClr val="accent1"/>
-          </a:effectRef>
-          <a:fontRef idx="minor">
-            <a:schemeClr val="lt1"/>
-          </a:fontRef>
-        </p:style>
-        <p:txBody>
-          <a:bodyPr rtlCol="0" anchor="ctr"/>
-          <a:lstStyle/>
-          <a:p>
-            <a:pPr algn="ctr"/>
-            <a:r>
-              <a:rPr lang="en-US" sz="1600" b="1" dirty="0" err="1" smtClean="0"/>
-              <a:t>SearchDocument</a:t>
-            </a:r>
-            <a:endParaRPr lang="en-SG" sz="1600" b="1" dirty="0"/>
-          </a:p>
-        </p:txBody>
-      </p:sp>
-      <p:sp>
-        <p:nvSpPr>
-          <p:cNvPr id="146" name="TextBox 145"/>
-          <p:cNvSpPr txBox="1"/>
-          <p:nvPr/>
-        </p:nvSpPr>
-        <p:spPr>
-          <a:xfrm>
-            <a:off x="8823325" y="2438400"/>
-            <a:ext cx="170709" cy="200457"/>
-          </a:xfrm>
-          <a:prstGeom prst="rect">
-            <a:avLst/>
-          </a:prstGeom>
-          <a:noFill/>
-        </p:spPr>
-        <p:txBody>
-          <a:bodyPr wrap="square" lIns="0" tIns="0" rIns="0" bIns="0" rtlCol="0" anchor="ctr" anchorCtr="0">
-            <a:noAutofit/>
-          </a:bodyPr>
-          <a:lstStyle/>
-          <a:p>
-            <a:r>
-              <a:rPr lang="en-US" sz="1600" dirty="0">
-                <a:solidFill>
-                  <a:schemeClr val="accent6">
-                    <a:lumMod val="75000"/>
-                  </a:schemeClr>
-                </a:solidFill>
-              </a:rPr>
-              <a:t>1</a:t>
-            </a:r>
-            <a:endParaRPr lang="en-SG" sz="1600" dirty="0">
-              <a:solidFill>
-                <a:schemeClr val="accent6">
-                  <a:lumMod val="75000"/>
-                </a:schemeClr>
-              </a:solidFill>
-            </a:endParaRPr>
-          </a:p>
-        </p:txBody>
-      </p:sp>
-      <p:cxnSp>
-        <p:nvCxnSpPr>
-          <p:cNvPr id="147" name="Straight Arrow Connector 146"/>
-          <p:cNvCxnSpPr/>
-          <p:nvPr/>
-        </p:nvCxnSpPr>
-        <p:spPr>
-          <a:xfrm rot="16200000" flipV="1">
-            <a:off x="5976325" y="5037600"/>
-            <a:ext cx="0" cy="288000"/>
-          </a:xfrm>
-          <a:prstGeom prst="straightConnector1">
-            <a:avLst/>
-          </a:prstGeom>
-          <a:ln>
-            <a:solidFill>
-              <a:schemeClr val="accent3">
-                <a:lumMod val="75000"/>
-              </a:schemeClr>
-            </a:solidFill>
-            <a:prstDash val="sysDot"/>
-            <a:headEnd type="arrow" w="med" len="med"/>
-            <a:tailEnd type="none" w="med" len="med"/>
-          </a:ln>
         </p:spPr>
         <p:style>
           <a:lnRef idx="2">
@@ -7465,16 +4951,28 @@
             <a:schemeClr val="lt1"/>
           </a:fontRef>
         </p:style>
-      </p:cxnSp>
-      <p:sp>
-        <p:nvSpPr>
-          <p:cNvPr id="148" name="Rectangle 147"/>
+        <p:txBody>
+          <a:bodyPr rtlCol="0" anchor="ctr"/>
+          <a:lstStyle/>
+          <a:p>
+            <a:pPr algn="ctr"/>
+            <a:r>
+              <a:rPr lang="en-US" sz="1600" b="1" dirty="0" err="1" smtClean="0"/>
+              <a:t>SearchDocument</a:t>
+            </a:r>
+            <a:endParaRPr lang="en-SG" sz="1600" b="1" dirty="0"/>
+          </a:p>
+        </p:txBody>
+      </p:sp>
+      <p:sp>
+        <p:nvSpPr>
+          <p:cNvPr id="50" name="Rectangle 49"/>
           <p:cNvSpPr/>
           <p:nvPr/>
         </p:nvSpPr>
         <p:spPr>
           <a:xfrm>
-            <a:off x="2671065" y="3875231"/>
+            <a:off x="3898043" y="3205162"/>
             <a:ext cx="1808860" cy="318459"/>
           </a:xfrm>
           <a:prstGeom prst="rect">
@@ -7512,13 +5010,13 @@
       </p:sp>
       <p:sp>
         <p:nvSpPr>
-          <p:cNvPr id="149" name="Rectangle 148"/>
+          <p:cNvPr id="51" name="Rectangle 50"/>
           <p:cNvSpPr/>
           <p:nvPr/>
         </p:nvSpPr>
         <p:spPr>
           <a:xfrm>
-            <a:off x="1479081" y="4405941"/>
+            <a:off x="2706059" y="3735872"/>
             <a:ext cx="1808860" cy="318459"/>
           </a:xfrm>
           <a:prstGeom prst="rect">
@@ -7556,13 +5054,13 @@
       </p:sp>
       <p:sp>
         <p:nvSpPr>
-          <p:cNvPr id="150" name="Rectangle 149"/>
+          <p:cNvPr id="52" name="Rectangle 51"/>
           <p:cNvSpPr/>
           <p:nvPr/>
         </p:nvSpPr>
         <p:spPr>
           <a:xfrm>
-            <a:off x="1479081" y="4914242"/>
+            <a:off x="2706059" y="4244173"/>
             <a:ext cx="1808860" cy="318459"/>
           </a:xfrm>
           <a:prstGeom prst="rect">
@@ -7600,13 +5098,13 @@
       </p:sp>
       <p:sp>
         <p:nvSpPr>
-          <p:cNvPr id="151" name="Rectangle 150"/>
+          <p:cNvPr id="53" name="Rectangle 52"/>
           <p:cNvSpPr/>
           <p:nvPr/>
         </p:nvSpPr>
         <p:spPr>
           <a:xfrm>
-            <a:off x="3897453" y="4914242"/>
+            <a:off x="5124431" y="4244173"/>
             <a:ext cx="1808860" cy="318459"/>
           </a:xfrm>
           <a:prstGeom prst="rect">
@@ -7648,16 +5146,16 @@
       </p:sp>
       <p:cxnSp>
         <p:nvCxnSpPr>
-          <p:cNvPr id="14" name="Elbow Connector 13"/>
+          <p:cNvPr id="54" name="Elbow Connector 53"/>
           <p:cNvCxnSpPr>
-            <a:stCxn id="149" idx="3"/>
-            <a:endCxn id="148" idx="2"/>
+            <a:stCxn id="51" idx="3"/>
+            <a:endCxn id="50" idx="2"/>
           </p:cNvCxnSpPr>
           <p:nvPr/>
         </p:nvCxnSpPr>
         <p:spPr>
           <a:xfrm flipV="1">
-            <a:off x="3287941" y="4193690"/>
+            <a:off x="4514919" y="3523621"/>
             <a:ext cx="287554" cy="371481"/>
           </a:xfrm>
           <a:prstGeom prst="bentConnector2">
@@ -7685,17 +5183,17 @@
       </p:cxnSp>
       <p:cxnSp>
         <p:nvCxnSpPr>
-          <p:cNvPr id="152" name="Elbow Connector 151"/>
+          <p:cNvPr id="55" name="Elbow Connector 54"/>
           <p:cNvCxnSpPr>
-            <a:stCxn id="95" idx="1"/>
-            <a:endCxn id="148" idx="2"/>
+            <a:stCxn id="45" idx="1"/>
+            <a:endCxn id="50" idx="2"/>
           </p:cNvCxnSpPr>
           <p:nvPr/>
         </p:nvCxnSpPr>
         <p:spPr>
           <a:xfrm rot="10800000">
-            <a:off x="3575495" y="4193691"/>
-            <a:ext cx="321958" cy="387537"/>
+            <a:off x="4802473" y="3523622"/>
+            <a:ext cx="321958" cy="371481"/>
           </a:xfrm>
           <a:prstGeom prst="bentConnector2">
             <a:avLst/>
@@ -7722,16 +5220,16 @@
       </p:cxnSp>
       <p:cxnSp>
         <p:nvCxnSpPr>
-          <p:cNvPr id="153" name="Elbow Connector 152"/>
+          <p:cNvPr id="56" name="Elbow Connector 55"/>
           <p:cNvCxnSpPr>
-            <a:stCxn id="150" idx="3"/>
-            <a:endCxn id="148" idx="2"/>
+            <a:stCxn id="52" idx="3"/>
+            <a:endCxn id="50" idx="2"/>
           </p:cNvCxnSpPr>
           <p:nvPr/>
         </p:nvCxnSpPr>
         <p:spPr>
           <a:xfrm flipV="1">
-            <a:off x="3287941" y="4193690"/>
+            <a:off x="4514919" y="3523621"/>
             <a:ext cx="287554" cy="879782"/>
           </a:xfrm>
           <a:prstGeom prst="bentConnector2">
@@ -7759,16 +5257,16 @@
       </p:cxnSp>
       <p:cxnSp>
         <p:nvCxnSpPr>
-          <p:cNvPr id="154" name="Elbow Connector 153"/>
+          <p:cNvPr id="57" name="Elbow Connector 56"/>
           <p:cNvCxnSpPr>
-            <a:stCxn id="151" idx="1"/>
-            <a:endCxn id="148" idx="2"/>
+            <a:stCxn id="53" idx="1"/>
+            <a:endCxn id="50" idx="2"/>
           </p:cNvCxnSpPr>
           <p:nvPr/>
         </p:nvCxnSpPr>
         <p:spPr>
           <a:xfrm rot="10800000">
-            <a:off x="3575495" y="4193690"/>
+            <a:off x="4802473" y="3523621"/>
             <a:ext cx="321958" cy="879782"/>
           </a:xfrm>
           <a:prstGeom prst="bentConnector2">
@@ -7796,22 +5294,27 @@
       </p:cxnSp>
       <p:cxnSp>
         <p:nvCxnSpPr>
-          <p:cNvPr id="22" name="Elbow Connector 21"/>
+          <p:cNvPr id="58" name="Elbow Connector 57"/>
           <p:cNvCxnSpPr>
-            <a:stCxn id="156" idx="1"/>
-            <a:endCxn id="145" idx="2"/>
+            <a:stCxn id="67" idx="1"/>
+            <a:endCxn id="49" idx="2"/>
           </p:cNvCxnSpPr>
           <p:nvPr/>
         </p:nvCxnSpPr>
         <p:spPr>
           <a:xfrm rot="10800000">
-            <a:off x="7106183" y="6227400"/>
-            <a:ext cx="193142" cy="298200"/>
+            <a:off x="4723004" y="5920762"/>
+            <a:ext cx="221095" cy="363310"/>
           </a:xfrm>
           <a:prstGeom prst="bentConnector2">
             <a:avLst/>
           </a:prstGeom>
           <a:ln w="25400">
+            <a:solidFill>
+              <a:schemeClr val="accent2">
+                <a:lumMod val="75000"/>
+              </a:schemeClr>
+            </a:solidFill>
             <a:tailEnd type="triangle" w="lg" len="lg"/>
           </a:ln>
         </p:spPr>
@@ -7832,16 +5335,16 @@
       </p:cxnSp>
       <p:cxnSp>
         <p:nvCxnSpPr>
-          <p:cNvPr id="157" name="Elbow Connector 156"/>
+          <p:cNvPr id="59" name="Elbow Connector 58"/>
           <p:cNvCxnSpPr>
-            <a:stCxn id="155" idx="1"/>
-            <a:endCxn id="144" idx="2"/>
+            <a:stCxn id="63" idx="1"/>
+            <a:endCxn id="48" idx="2"/>
           </p:cNvCxnSpPr>
           <p:nvPr/>
         </p:nvCxnSpPr>
         <p:spPr>
           <a:xfrm rot="10800000">
-            <a:off x="7106183" y="5008200"/>
+            <a:off x="2203353" y="5927362"/>
             <a:ext cx="193142" cy="353400"/>
           </a:xfrm>
           <a:prstGeom prst="bentConnector2">
@@ -7866,16 +5369,302 @@
           </a:fontRef>
         </p:style>
       </p:cxnSp>
-      <p:sp>
-        <p:nvSpPr>
-          <p:cNvPr id="83" name="Rectangle 82"/>
+      <p:grpSp>
+        <p:nvGrpSpPr>
+          <p:cNvPr id="60" name="Group 59"/>
+          <p:cNvGrpSpPr/>
+          <p:nvPr/>
+        </p:nvGrpSpPr>
+        <p:grpSpPr>
+          <a:xfrm>
+            <a:off x="2396495" y="6100762"/>
+            <a:ext cx="1927085" cy="533400"/>
+            <a:chOff x="2546122" y="6345122"/>
+            <a:chExt cx="1927085" cy="533400"/>
+          </a:xfrm>
+        </p:grpSpPr>
+        <p:sp>
+          <p:nvSpPr>
+            <p:cNvPr id="61" name="Rectangle 60"/>
+            <p:cNvSpPr/>
+            <p:nvPr/>
+          </p:nvSpPr>
+          <p:spPr>
+            <a:xfrm>
+              <a:off x="2698522" y="6518522"/>
+              <a:ext cx="1774685" cy="360000"/>
+            </a:xfrm>
+            <a:prstGeom prst="rect">
+              <a:avLst/>
+            </a:prstGeom>
+          </p:spPr>
+          <p:style>
+            <a:lnRef idx="2">
+              <a:schemeClr val="accent1">
+                <a:shade val="50000"/>
+              </a:schemeClr>
+            </a:lnRef>
+            <a:fillRef idx="1">
+              <a:schemeClr val="accent1"/>
+            </a:fillRef>
+            <a:effectRef idx="0">
+              <a:schemeClr val="accent1"/>
+            </a:effectRef>
+            <a:fontRef idx="minor">
+              <a:schemeClr val="lt1"/>
+            </a:fontRef>
+          </p:style>
+          <p:txBody>
+            <a:bodyPr rtlCol="0" anchor="ctr"/>
+            <a:lstStyle/>
+            <a:p>
+              <a:pPr algn="ctr"/>
+              <a:endParaRPr lang="en-SG" sz="1600" b="1" dirty="0"/>
+            </a:p>
+          </p:txBody>
+        </p:sp>
+        <p:sp>
+          <p:nvSpPr>
+            <p:cNvPr id="62" name="Rectangle 61"/>
+            <p:cNvSpPr/>
+            <p:nvPr/>
+          </p:nvSpPr>
+          <p:spPr>
+            <a:xfrm>
+              <a:off x="2622322" y="6442322"/>
+              <a:ext cx="1774685" cy="360000"/>
+            </a:xfrm>
+            <a:prstGeom prst="rect">
+              <a:avLst/>
+            </a:prstGeom>
+          </p:spPr>
+          <p:style>
+            <a:lnRef idx="2">
+              <a:schemeClr val="accent1">
+                <a:shade val="50000"/>
+              </a:schemeClr>
+            </a:lnRef>
+            <a:fillRef idx="1">
+              <a:schemeClr val="accent1"/>
+            </a:fillRef>
+            <a:effectRef idx="0">
+              <a:schemeClr val="accent1"/>
+            </a:effectRef>
+            <a:fontRef idx="minor">
+              <a:schemeClr val="lt1"/>
+            </a:fontRef>
+          </p:style>
+          <p:txBody>
+            <a:bodyPr rtlCol="0" anchor="ctr"/>
+            <a:lstStyle/>
+            <a:p>
+              <a:pPr algn="ctr"/>
+              <a:endParaRPr lang="en-SG" sz="1600" b="1" dirty="0"/>
+            </a:p>
+          </p:txBody>
+        </p:sp>
+        <p:sp>
+          <p:nvSpPr>
+            <p:cNvPr id="63" name="Rectangle 62"/>
+            <p:cNvSpPr/>
+            <p:nvPr/>
+          </p:nvSpPr>
+          <p:spPr>
+            <a:xfrm>
+              <a:off x="2546122" y="6345122"/>
+              <a:ext cx="1774685" cy="360000"/>
+            </a:xfrm>
+            <a:prstGeom prst="rect">
+              <a:avLst/>
+            </a:prstGeom>
+          </p:spPr>
+          <p:style>
+            <a:lnRef idx="2">
+              <a:schemeClr val="accent1">
+                <a:shade val="50000"/>
+              </a:schemeClr>
+            </a:lnRef>
+            <a:fillRef idx="1">
+              <a:schemeClr val="accent1"/>
+            </a:fillRef>
+            <a:effectRef idx="0">
+              <a:schemeClr val="accent1"/>
+            </a:effectRef>
+            <a:fontRef idx="minor">
+              <a:schemeClr val="lt1"/>
+            </a:fontRef>
+          </p:style>
+          <p:txBody>
+            <a:bodyPr rtlCol="0" anchor="ctr"/>
+            <a:lstStyle/>
+            <a:p>
+              <a:pPr algn="ctr"/>
+              <a:r>
+                <a:rPr lang="en-US" sz="1600" b="1" dirty="0" smtClean="0"/>
+                <a:t>*</a:t>
+              </a:r>
+              <a:r>
+                <a:rPr lang="en-US" sz="1600" b="1" dirty="0" err="1" smtClean="0"/>
+                <a:t>SearchQuery</a:t>
+              </a:r>
+              <a:endParaRPr lang="en-SG" sz="1600" b="1" dirty="0"/>
+            </a:p>
+          </p:txBody>
+        </p:sp>
+      </p:grpSp>
+      <p:grpSp>
+        <p:nvGrpSpPr>
+          <p:cNvPr id="64" name="Group 63"/>
+          <p:cNvGrpSpPr/>
+          <p:nvPr/>
+        </p:nvGrpSpPr>
+        <p:grpSpPr>
+          <a:xfrm>
+            <a:off x="4944098" y="6104072"/>
+            <a:ext cx="1927085" cy="512400"/>
+            <a:chOff x="7299325" y="6345600"/>
+            <a:chExt cx="1927085" cy="512400"/>
+          </a:xfrm>
+        </p:grpSpPr>
+        <p:sp>
+          <p:nvSpPr>
+            <p:cNvPr id="65" name="Rectangle 64"/>
+            <p:cNvSpPr/>
+            <p:nvPr/>
+          </p:nvSpPr>
+          <p:spPr>
+            <a:xfrm>
+              <a:off x="7451725" y="6498000"/>
+              <a:ext cx="1774685" cy="360000"/>
+            </a:xfrm>
+            <a:prstGeom prst="rect">
+              <a:avLst/>
+            </a:prstGeom>
+          </p:spPr>
+          <p:style>
+            <a:lnRef idx="2">
+              <a:schemeClr val="accent2">
+                <a:shade val="50000"/>
+              </a:schemeClr>
+            </a:lnRef>
+            <a:fillRef idx="1">
+              <a:schemeClr val="accent2"/>
+            </a:fillRef>
+            <a:effectRef idx="0">
+              <a:schemeClr val="accent2"/>
+            </a:effectRef>
+            <a:fontRef idx="minor">
+              <a:schemeClr val="lt1"/>
+            </a:fontRef>
+          </p:style>
+          <p:txBody>
+            <a:bodyPr rtlCol="0" anchor="ctr"/>
+            <a:lstStyle/>
+            <a:p>
+              <a:pPr algn="ctr"/>
+              <a:endParaRPr lang="en-SG" sz="1600" b="1" dirty="0"/>
+            </a:p>
+          </p:txBody>
+        </p:sp>
+        <p:sp>
+          <p:nvSpPr>
+            <p:cNvPr id="66" name="Rectangle 65"/>
+            <p:cNvSpPr/>
+            <p:nvPr/>
+          </p:nvSpPr>
+          <p:spPr>
+            <a:xfrm>
+              <a:off x="7375525" y="6421800"/>
+              <a:ext cx="1774685" cy="360000"/>
+            </a:xfrm>
+            <a:prstGeom prst="rect">
+              <a:avLst/>
+            </a:prstGeom>
+          </p:spPr>
+          <p:style>
+            <a:lnRef idx="2">
+              <a:schemeClr val="accent2">
+                <a:shade val="50000"/>
+              </a:schemeClr>
+            </a:lnRef>
+            <a:fillRef idx="1">
+              <a:schemeClr val="accent2"/>
+            </a:fillRef>
+            <a:effectRef idx="0">
+              <a:schemeClr val="accent2"/>
+            </a:effectRef>
+            <a:fontRef idx="minor">
+              <a:schemeClr val="lt1"/>
+            </a:fontRef>
+          </p:style>
+          <p:txBody>
+            <a:bodyPr rtlCol="0" anchor="ctr"/>
+            <a:lstStyle/>
+            <a:p>
+              <a:pPr algn="ctr"/>
+              <a:endParaRPr lang="en-SG" sz="1600" b="1" dirty="0"/>
+            </a:p>
+          </p:txBody>
+        </p:sp>
+        <p:sp>
+          <p:nvSpPr>
+            <p:cNvPr id="67" name="Rectangle 66"/>
+            <p:cNvSpPr/>
+            <p:nvPr/>
+          </p:nvSpPr>
+          <p:spPr>
+            <a:xfrm>
+              <a:off x="7299325" y="6345600"/>
+              <a:ext cx="1774685" cy="360000"/>
+            </a:xfrm>
+            <a:prstGeom prst="rect">
+              <a:avLst/>
+            </a:prstGeom>
+          </p:spPr>
+          <p:style>
+            <a:lnRef idx="2">
+              <a:schemeClr val="accent2">
+                <a:shade val="50000"/>
+              </a:schemeClr>
+            </a:lnRef>
+            <a:fillRef idx="1">
+              <a:schemeClr val="accent2"/>
+            </a:fillRef>
+            <a:effectRef idx="0">
+              <a:schemeClr val="accent2"/>
+            </a:effectRef>
+            <a:fontRef idx="minor">
+              <a:schemeClr val="lt1"/>
+            </a:fontRef>
+          </p:style>
+          <p:txBody>
+            <a:bodyPr rtlCol="0" anchor="ctr"/>
+            <a:lstStyle/>
+            <a:p>
+              <a:pPr algn="ctr"/>
+              <a:r>
+                <a:rPr lang="en-US" sz="1600" b="1" dirty="0" smtClean="0"/>
+                <a:t>*</a:t>
+              </a:r>
+              <a:r>
+                <a:rPr lang="en-US" sz="1600" b="1" dirty="0" err="1" smtClean="0"/>
+                <a:t>SearchDocument</a:t>
+              </a:r>
+              <a:endParaRPr lang="en-SG" sz="1600" b="1" dirty="0"/>
+            </a:p>
+          </p:txBody>
+        </p:sp>
+      </p:grpSp>
+      <p:sp>
+        <p:nvSpPr>
+          <p:cNvPr id="68" name="Rectangle 67"/>
           <p:cNvSpPr/>
           <p:nvPr/>
         </p:nvSpPr>
         <p:spPr>
           <a:xfrm>
-            <a:off x="7451725" y="5355000"/>
-            <a:ext cx="1774685" cy="360000"/>
+            <a:off x="2614155" y="977411"/>
+            <a:ext cx="1800000" cy="360000"/>
           </a:xfrm>
           <a:prstGeom prst="rect">
             <a:avLst/>
@@ -7883,15 +5672,15 @@
         </p:spPr>
         <p:style>
           <a:lnRef idx="2">
-            <a:schemeClr val="accent1">
+            <a:schemeClr val="accent6">
               <a:shade val="50000"/>
             </a:schemeClr>
           </a:lnRef>
           <a:fillRef idx="1">
-            <a:schemeClr val="accent1"/>
+            <a:schemeClr val="accent6"/>
           </a:fillRef>
           <a:effectRef idx="0">
-            <a:schemeClr val="accent1"/>
+            <a:schemeClr val="accent6"/>
           </a:effectRef>
           <a:fontRef idx="minor">
             <a:schemeClr val="lt1"/>
@@ -7902,20 +5691,24 @@
           <a:lstStyle/>
           <a:p>
             <a:pPr algn="ctr"/>
+            <a:r>
+              <a:rPr lang="en-US" sz="1600" b="1" dirty="0" err="1" smtClean="0"/>
+              <a:t>CourseStudent</a:t>
+            </a:r>
             <a:endParaRPr lang="en-SG" sz="1600" b="1" dirty="0"/>
           </a:p>
         </p:txBody>
       </p:sp>
       <p:sp>
         <p:nvSpPr>
-          <p:cNvPr id="80" name="Rectangle 79"/>
+          <p:cNvPr id="69" name="Rectangle 68"/>
           <p:cNvSpPr/>
           <p:nvPr/>
         </p:nvSpPr>
         <p:spPr>
           <a:xfrm>
-            <a:off x="7375525" y="5278800"/>
-            <a:ext cx="1774685" cy="360000"/>
+            <a:off x="1355725" y="2069694"/>
+            <a:ext cx="1080000" cy="360000"/>
           </a:xfrm>
           <a:prstGeom prst="rect">
             <a:avLst/>
@@ -7923,15 +5716,15 @@
         </p:spPr>
         <p:style>
           <a:lnRef idx="2">
-            <a:schemeClr val="accent1">
+            <a:schemeClr val="accent4">
               <a:shade val="50000"/>
             </a:schemeClr>
           </a:lnRef>
           <a:fillRef idx="1">
-            <a:schemeClr val="accent1"/>
+            <a:schemeClr val="accent4"/>
           </a:fillRef>
           <a:effectRef idx="0">
-            <a:schemeClr val="accent1"/>
+            <a:schemeClr val="accent4"/>
           </a:effectRef>
           <a:fontRef idx="minor">
             <a:schemeClr val="lt1"/>
@@ -7942,20 +5735,24 @@
           <a:lstStyle/>
           <a:p>
             <a:pPr algn="ctr"/>
+            <a:r>
+              <a:rPr lang="en-US" sz="1600" b="1" dirty="0" smtClean="0"/>
+              <a:t>Course</a:t>
+            </a:r>
             <a:endParaRPr lang="en-SG" sz="1600" b="1" dirty="0"/>
           </a:p>
         </p:txBody>
       </p:sp>
       <p:sp>
         <p:nvSpPr>
-          <p:cNvPr id="155" name="Rectangle 154"/>
+          <p:cNvPr id="71" name="Rectangle 70"/>
           <p:cNvSpPr/>
           <p:nvPr/>
         </p:nvSpPr>
         <p:spPr>
           <a:xfrm>
-            <a:off x="7299325" y="5181600"/>
-            <a:ext cx="1774685" cy="360000"/>
+            <a:off x="1359579" y="977411"/>
+            <a:ext cx="1080000" cy="360000"/>
           </a:xfrm>
           <a:prstGeom prst="rect">
             <a:avLst/>
@@ -7963,15 +5760,15 @@
         </p:spPr>
         <p:style>
           <a:lnRef idx="2">
-            <a:schemeClr val="accent1">
+            <a:schemeClr val="accent6">
               <a:shade val="50000"/>
             </a:schemeClr>
           </a:lnRef>
           <a:fillRef idx="1">
-            <a:schemeClr val="accent1"/>
+            <a:schemeClr val="accent6"/>
           </a:fillRef>
           <a:effectRef idx="0">
-            <a:schemeClr val="accent1"/>
+            <a:schemeClr val="accent6"/>
           </a:effectRef>
           <a:fontRef idx="minor">
             <a:schemeClr val="lt1"/>
@@ -7984,11 +5781,7 @@
             <a:pPr algn="ctr"/>
             <a:r>
               <a:rPr lang="en-US" sz="1600" b="1" dirty="0" smtClean="0"/>
-              <a:t>*</a:t>
-            </a:r>
-            <a:r>
-              <a:rPr lang="en-US" sz="1600" b="1" dirty="0" err="1" smtClean="0"/>
-              <a:t>SearchQuery</a:t>
+              <a:t>Account</a:t>
             </a:r>
             <a:endParaRPr lang="en-SG" sz="1600" b="1" dirty="0"/>
           </a:p>
@@ -7996,14 +5789,14 @@
       </p:sp>
       <p:sp>
         <p:nvSpPr>
-          <p:cNvPr id="85" name="Rectangle 84"/>
+          <p:cNvPr id="72" name="Rectangle 71"/>
           <p:cNvSpPr/>
           <p:nvPr/>
         </p:nvSpPr>
         <p:spPr>
           <a:xfrm>
-            <a:off x="7451725" y="6498000"/>
-            <a:ext cx="1774685" cy="360000"/>
+            <a:off x="5958931" y="1542049"/>
+            <a:ext cx="2160000" cy="360000"/>
           </a:xfrm>
           <a:prstGeom prst="rect">
             <a:avLst/>
@@ -8011,15 +5804,15 @@
         </p:spPr>
         <p:style>
           <a:lnRef idx="2">
-            <a:schemeClr val="accent1">
+            <a:schemeClr val="accent5">
               <a:shade val="50000"/>
             </a:schemeClr>
           </a:lnRef>
           <a:fillRef idx="1">
-            <a:schemeClr val="accent1"/>
+            <a:schemeClr val="accent5"/>
           </a:fillRef>
           <a:effectRef idx="0">
-            <a:schemeClr val="accent1"/>
+            <a:schemeClr val="accent5"/>
           </a:effectRef>
           <a:fontRef idx="minor">
             <a:schemeClr val="lt1"/>
@@ -8030,20 +5823,24 @@
           <a:lstStyle/>
           <a:p>
             <a:pPr algn="ctr"/>
+            <a:r>
+              <a:rPr lang="en-US" sz="1600" b="1" dirty="0" err="1" smtClean="0"/>
+              <a:t>FeedbackSession</a:t>
+            </a:r>
             <a:endParaRPr lang="en-SG" sz="1600" b="1" dirty="0"/>
           </a:p>
         </p:txBody>
       </p:sp>
       <p:sp>
         <p:nvSpPr>
-          <p:cNvPr id="84" name="Rectangle 83"/>
+          <p:cNvPr id="73" name="Rectangle 72"/>
           <p:cNvSpPr/>
           <p:nvPr/>
         </p:nvSpPr>
         <p:spPr>
           <a:xfrm>
-            <a:off x="7375525" y="6421800"/>
-            <a:ext cx="1774685" cy="360000"/>
+            <a:off x="3657328" y="1540712"/>
+            <a:ext cx="2160000" cy="360000"/>
           </a:xfrm>
           <a:prstGeom prst="rect">
             <a:avLst/>
@@ -8051,15 +5848,15 @@
         </p:spPr>
         <p:style>
           <a:lnRef idx="2">
-            <a:schemeClr val="accent1">
+            <a:schemeClr val="accent5">
               <a:shade val="50000"/>
             </a:schemeClr>
           </a:lnRef>
           <a:fillRef idx="1">
-            <a:schemeClr val="accent1"/>
+            <a:schemeClr val="accent5"/>
           </a:fillRef>
           <a:effectRef idx="0">
-            <a:schemeClr val="accent1"/>
+            <a:schemeClr val="accent5"/>
           </a:effectRef>
           <a:fontRef idx="minor">
             <a:schemeClr val="lt1"/>
@@ -8070,20 +5867,24 @@
           <a:lstStyle/>
           <a:p>
             <a:pPr algn="ctr"/>
+            <a:r>
+              <a:rPr lang="en-US" sz="1600" b="1" dirty="0" err="1" smtClean="0"/>
+              <a:t>FeedbackQuestion</a:t>
+            </a:r>
             <a:endParaRPr lang="en-SG" sz="1600" b="1" dirty="0"/>
           </a:p>
         </p:txBody>
       </p:sp>
       <p:sp>
         <p:nvSpPr>
-          <p:cNvPr id="156" name="Rectangle 155"/>
+          <p:cNvPr id="74" name="Rectangle 73"/>
           <p:cNvSpPr/>
           <p:nvPr/>
         </p:nvSpPr>
         <p:spPr>
           <a:xfrm>
-            <a:off x="7299325" y="6345600"/>
-            <a:ext cx="1774685" cy="360000"/>
+            <a:off x="1355725" y="1537179"/>
+            <a:ext cx="2160000" cy="360000"/>
           </a:xfrm>
           <a:prstGeom prst="rect">
             <a:avLst/>
@@ -8091,15 +5892,15 @@
         </p:spPr>
         <p:style>
           <a:lnRef idx="2">
-            <a:schemeClr val="accent1">
+            <a:schemeClr val="accent5">
               <a:shade val="50000"/>
             </a:schemeClr>
           </a:lnRef>
           <a:fillRef idx="1">
-            <a:schemeClr val="accent1"/>
+            <a:schemeClr val="accent5"/>
           </a:fillRef>
           <a:effectRef idx="0">
-            <a:schemeClr val="accent1"/>
+            <a:schemeClr val="accent5"/>
           </a:effectRef>
           <a:fontRef idx="minor">
             <a:schemeClr val="lt1"/>
@@ -8111,12 +5912,186 @@
           <a:p>
             <a:pPr algn="ctr"/>
             <a:r>
+              <a:rPr lang="en-US" sz="1600" b="1" dirty="0" err="1" smtClean="0"/>
+              <a:t>FeedbackResponse</a:t>
+            </a:r>
+            <a:endParaRPr lang="en-SG" sz="1600" b="1" dirty="0"/>
+          </a:p>
+        </p:txBody>
+      </p:sp>
+      <p:sp>
+        <p:nvSpPr>
+          <p:cNvPr id="79" name="Rectangle 78"/>
+          <p:cNvSpPr/>
+          <p:nvPr/>
+        </p:nvSpPr>
+        <p:spPr>
+          <a:xfrm>
+            <a:off x="2694111" y="2069694"/>
+            <a:ext cx="1080000" cy="360000"/>
+          </a:xfrm>
+          <a:prstGeom prst="rect">
+            <a:avLst/>
+          </a:prstGeom>
+          <a:ln/>
+        </p:spPr>
+        <p:style>
+          <a:lnRef idx="2">
+            <a:schemeClr val="accent3">
+              <a:shade val="50000"/>
+            </a:schemeClr>
+          </a:lnRef>
+          <a:fillRef idx="1">
+            <a:schemeClr val="accent3"/>
+          </a:fillRef>
+          <a:effectRef idx="0">
+            <a:schemeClr val="accent3"/>
+          </a:effectRef>
+          <a:fontRef idx="minor">
+            <a:schemeClr val="lt1"/>
+          </a:fontRef>
+        </p:style>
+        <p:txBody>
+          <a:bodyPr rtlCol="0" anchor="ctr"/>
+          <a:lstStyle/>
+          <a:p>
+            <a:pPr algn="ctr"/>
+            <a:r>
+              <a:rPr lang="en-US" sz="1600" b="1" dirty="0"/>
+              <a:t>Comment</a:t>
+            </a:r>
+            <a:endParaRPr lang="en-SG" sz="1600" b="1" dirty="0"/>
+          </a:p>
+        </p:txBody>
+      </p:sp>
+      <p:sp>
+        <p:nvSpPr>
+          <p:cNvPr id="81" name="Rectangle 80"/>
+          <p:cNvSpPr/>
+          <p:nvPr/>
+        </p:nvSpPr>
+        <p:spPr>
+          <a:xfrm>
+            <a:off x="4032497" y="2064962"/>
+            <a:ext cx="2880000" cy="360000"/>
+          </a:xfrm>
+          <a:prstGeom prst="rect">
+            <a:avLst/>
+          </a:prstGeom>
+          <a:ln/>
+        </p:spPr>
+        <p:style>
+          <a:lnRef idx="2">
+            <a:schemeClr val="accent3">
+              <a:shade val="50000"/>
+            </a:schemeClr>
+          </a:lnRef>
+          <a:fillRef idx="1">
+            <a:schemeClr val="accent3"/>
+          </a:fillRef>
+          <a:effectRef idx="0">
+            <a:schemeClr val="accent3"/>
+          </a:effectRef>
+          <a:fontRef idx="minor">
+            <a:schemeClr val="lt1"/>
+          </a:fontRef>
+        </p:style>
+        <p:txBody>
+          <a:bodyPr rtlCol="0" anchor="ctr"/>
+          <a:lstStyle/>
+          <a:p>
+            <a:pPr algn="ctr"/>
+            <a:r>
+              <a:rPr lang="en-US" sz="1600" b="1" dirty="0" err="1" smtClean="0"/>
+              <a:t>FeedbackResponseComment</a:t>
+            </a:r>
+            <a:endParaRPr lang="en-SG" sz="1600" b="1" dirty="0"/>
+          </a:p>
+        </p:txBody>
+      </p:sp>
+      <p:sp>
+        <p:nvSpPr>
+          <p:cNvPr id="82" name="Rectangle 81"/>
+          <p:cNvSpPr/>
+          <p:nvPr/>
+        </p:nvSpPr>
+        <p:spPr>
+          <a:xfrm>
+            <a:off x="5845711" y="977411"/>
+            <a:ext cx="1800000" cy="360000"/>
+          </a:xfrm>
+          <a:prstGeom prst="rect">
+            <a:avLst/>
+          </a:prstGeom>
+        </p:spPr>
+        <p:style>
+          <a:lnRef idx="2">
+            <a:schemeClr val="accent6">
+              <a:shade val="50000"/>
+            </a:schemeClr>
+          </a:lnRef>
+          <a:fillRef idx="1">
+            <a:schemeClr val="accent6"/>
+          </a:fillRef>
+          <a:effectRef idx="0">
+            <a:schemeClr val="accent6"/>
+          </a:effectRef>
+          <a:fontRef idx="minor">
+            <a:schemeClr val="lt1"/>
+          </a:fontRef>
+        </p:style>
+        <p:txBody>
+          <a:bodyPr rtlCol="0" anchor="ctr"/>
+          <a:lstStyle/>
+          <a:p>
+            <a:pPr algn="ctr"/>
+            <a:r>
+              <a:rPr lang="en-US" sz="1600" b="1" dirty="0" err="1" smtClean="0"/>
+              <a:t>StudentProfile</a:t>
+            </a:r>
+            <a:endParaRPr lang="en-SG" sz="1600" b="1" dirty="0"/>
+          </a:p>
+        </p:txBody>
+      </p:sp>
+      <p:sp>
+        <p:nvSpPr>
+          <p:cNvPr id="86" name="Rectangle 85"/>
+          <p:cNvSpPr/>
+          <p:nvPr/>
+        </p:nvSpPr>
+        <p:spPr>
+          <a:xfrm>
+            <a:off x="4589933" y="977411"/>
+            <a:ext cx="1080000" cy="360000"/>
+          </a:xfrm>
+          <a:prstGeom prst="rect">
+            <a:avLst/>
+          </a:prstGeom>
+        </p:spPr>
+        <p:style>
+          <a:lnRef idx="2">
+            <a:schemeClr val="accent6">
+              <a:shade val="50000"/>
+            </a:schemeClr>
+          </a:lnRef>
+          <a:fillRef idx="1">
+            <a:schemeClr val="accent6"/>
+          </a:fillRef>
+          <a:effectRef idx="0">
+            <a:schemeClr val="accent6"/>
+          </a:effectRef>
+          <a:fontRef idx="minor">
+            <a:schemeClr val="lt1"/>
+          </a:fontRef>
+        </p:style>
+        <p:txBody>
+          <a:bodyPr rtlCol="0" anchor="ctr"/>
+          <a:lstStyle/>
+          <a:p>
+            <a:pPr algn="ctr"/>
+            <a:r>
               <a:rPr lang="en-US" sz="1600" b="1" dirty="0" smtClean="0"/>
-              <a:t>*</a:t>
-            </a:r>
-            <a:r>
-              <a:rPr lang="en-US" sz="1600" b="1" dirty="0" err="1" smtClean="0"/>
-              <a:t>SearchDocument</a:t>
+              <a:t>Instructor</a:t>
             </a:r>
             <a:endParaRPr lang="en-SG" sz="1600" b="1" dirty="0"/>
           </a:p>

--- a/docs/images/StorageComponent.pptx
+++ b/docs/images/StorageComponent.pptx
@@ -217,7 +217,7 @@
           <a:p>
             <a:fld id="{41BD1D1A-6182-4434-B651-E6786C99D69D}" type="datetimeFigureOut">
               <a:rPr lang="en-AU" smtClean="0"/>
-              <a:t>30/01/2017</a:t>
+              <a:t>14/08/2020</a:t>
             </a:fld>
             <a:endParaRPr lang="en-AU"/>
           </a:p>
@@ -383,7 +383,7 @@
             <a:fld id="{AF301891-4E62-472A-98E9-95DBD40531A4}" type="datetimeFigureOut">
               <a:rPr lang="en-SG" smtClean="0"/>
               <a:pPr/>
-              <a:t>30/1/2017</a:t>
+              <a:t>14/8/2020</a:t>
             </a:fld>
             <a:endParaRPr lang="en-SG"/>
           </a:p>
@@ -938,7 +938,7 @@
             <a:fld id="{1D8BD707-D9CF-40AE-B4C6-C98DA3205C09}" type="datetimeFigureOut">
               <a:rPr lang="en-US" smtClean="0"/>
               <a:pPr/>
-              <a:t>1/30/2017</a:t>
+              <a:t>8/14/2020</a:t>
             </a:fld>
             <a:endParaRPr lang="en-US"/>
           </a:p>
@@ -1152,7 +1152,7 @@
             <a:fld id="{1D8BD707-D9CF-40AE-B4C6-C98DA3205C09}" type="datetimeFigureOut">
               <a:rPr lang="en-US" smtClean="0"/>
               <a:pPr/>
-              <a:t>1/30/2017</a:t>
+              <a:t>8/14/2020</a:t>
             </a:fld>
             <a:endParaRPr lang="en-US"/>
           </a:p>
@@ -1359,7 +1359,7 @@
             <a:fld id="{1D8BD707-D9CF-40AE-B4C6-C98DA3205C09}" type="datetimeFigureOut">
               <a:rPr lang="en-US" smtClean="0"/>
               <a:pPr/>
-              <a:t>1/30/2017</a:t>
+              <a:t>8/14/2020</a:t>
             </a:fld>
             <a:endParaRPr lang="en-US"/>
           </a:p>
@@ -1566,7 +1566,7 @@
             <a:fld id="{1D8BD707-D9CF-40AE-B4C6-C98DA3205C09}" type="datetimeFigureOut">
               <a:rPr lang="en-US" smtClean="0"/>
               <a:pPr/>
-              <a:t>1/30/2017</a:t>
+              <a:t>8/14/2020</a:t>
             </a:fld>
             <a:endParaRPr lang="en-US"/>
           </a:p>
@@ -1846,7 +1846,7 @@
             <a:fld id="{1D8BD707-D9CF-40AE-B4C6-C98DA3205C09}" type="datetimeFigureOut">
               <a:rPr lang="en-US" smtClean="0"/>
               <a:pPr/>
-              <a:t>1/30/2017</a:t>
+              <a:t>8/14/2020</a:t>
             </a:fld>
             <a:endParaRPr lang="en-US"/>
           </a:p>
@@ -2176,7 +2176,7 @@
             <a:fld id="{1D8BD707-D9CF-40AE-B4C6-C98DA3205C09}" type="datetimeFigureOut">
               <a:rPr lang="en-US" smtClean="0"/>
               <a:pPr/>
-              <a:t>1/30/2017</a:t>
+              <a:t>8/14/2020</a:t>
             </a:fld>
             <a:endParaRPr lang="en-US"/>
           </a:p>
@@ -2646,7 +2646,7 @@
             <a:fld id="{1D8BD707-D9CF-40AE-B4C6-C98DA3205C09}" type="datetimeFigureOut">
               <a:rPr lang="en-US" smtClean="0"/>
               <a:pPr/>
-              <a:t>1/30/2017</a:t>
+              <a:t>8/14/2020</a:t>
             </a:fld>
             <a:endParaRPr lang="en-US"/>
           </a:p>
@@ -2793,7 +2793,7 @@
             <a:fld id="{1D8BD707-D9CF-40AE-B4C6-C98DA3205C09}" type="datetimeFigureOut">
               <a:rPr lang="en-US" smtClean="0"/>
               <a:pPr/>
-              <a:t>1/30/2017</a:t>
+              <a:t>8/14/2020</a:t>
             </a:fld>
             <a:endParaRPr lang="en-US"/>
           </a:p>
@@ -2909,7 +2909,7 @@
             <a:fld id="{1D8BD707-D9CF-40AE-B4C6-C98DA3205C09}" type="datetimeFigureOut">
               <a:rPr lang="en-US" smtClean="0"/>
               <a:pPr/>
-              <a:t>1/30/2017</a:t>
+              <a:t>8/14/2020</a:t>
             </a:fld>
             <a:endParaRPr lang="en-US"/>
           </a:p>
@@ -3216,7 +3216,7 @@
             <a:fld id="{1D8BD707-D9CF-40AE-B4C6-C98DA3205C09}" type="datetimeFigureOut">
               <a:rPr lang="en-US" smtClean="0"/>
               <a:pPr/>
-              <a:t>1/30/2017</a:t>
+              <a:t>8/14/2020</a:t>
             </a:fld>
             <a:endParaRPr lang="en-US"/>
           </a:p>
@@ -3499,7 +3499,7 @@
             <a:fld id="{1D8BD707-D9CF-40AE-B4C6-C98DA3205C09}" type="datetimeFigureOut">
               <a:rPr lang="en-US" smtClean="0"/>
               <a:pPr/>
-              <a:t>1/30/2017</a:t>
+              <a:t>8/14/2020</a:t>
             </a:fld>
             <a:endParaRPr lang="en-US"/>
           </a:p>
@@ -4613,7 +4613,7 @@
         </p:nvSpPr>
         <p:spPr>
           <a:xfrm>
-            <a:off x="8580045" y="3662362"/>
+            <a:off x="8580045" y="3433762"/>
             <a:ext cx="929080" cy="521149"/>
           </a:xfrm>
           <a:prstGeom prst="rect">
@@ -4718,8 +4718,13 @@
                   <a:schemeClr val="tx1"/>
                 </a:solidFill>
               </a:rPr>
-              <a:t>GAE</a:t>
-            </a:r>
+              <a:t>Google Cloud</a:t>
+            </a:r>
+            <a:endParaRPr lang="en-US" dirty="0" smtClean="0">
+              <a:solidFill>
+                <a:schemeClr val="tx1"/>
+              </a:solidFill>
+            </a:endParaRPr>
           </a:p>
           <a:p>
             <a:pPr algn="r"/>
@@ -5921,58 +5926,13 @@
       </p:sp>
       <p:sp>
         <p:nvSpPr>
-          <p:cNvPr id="79" name="Rectangle 78"/>
-          <p:cNvSpPr/>
-          <p:nvPr/>
-        </p:nvSpPr>
-        <p:spPr>
-          <a:xfrm>
-            <a:off x="2694111" y="2069694"/>
-            <a:ext cx="1080000" cy="360000"/>
-          </a:xfrm>
-          <a:prstGeom prst="rect">
-            <a:avLst/>
-          </a:prstGeom>
-          <a:ln/>
-        </p:spPr>
-        <p:style>
-          <a:lnRef idx="2">
-            <a:schemeClr val="accent3">
-              <a:shade val="50000"/>
-            </a:schemeClr>
-          </a:lnRef>
-          <a:fillRef idx="1">
-            <a:schemeClr val="accent3"/>
-          </a:fillRef>
-          <a:effectRef idx="0">
-            <a:schemeClr val="accent3"/>
-          </a:effectRef>
-          <a:fontRef idx="minor">
-            <a:schemeClr val="lt1"/>
-          </a:fontRef>
-        </p:style>
-        <p:txBody>
-          <a:bodyPr rtlCol="0" anchor="ctr"/>
-          <a:lstStyle/>
-          <a:p>
-            <a:pPr algn="ctr"/>
-            <a:r>
-              <a:rPr lang="en-US" sz="1600" b="1" dirty="0"/>
-              <a:t>Comment</a:t>
-            </a:r>
-            <a:endParaRPr lang="en-SG" sz="1600" b="1" dirty="0"/>
-          </a:p>
-        </p:txBody>
-      </p:sp>
-      <p:sp>
-        <p:nvSpPr>
           <p:cNvPr id="81" name="Rectangle 80"/>
           <p:cNvSpPr/>
           <p:nvPr/>
         </p:nvSpPr>
         <p:spPr>
           <a:xfrm>
-            <a:off x="4032497" y="2064962"/>
+            <a:off x="2609924" y="2064604"/>
             <a:ext cx="2880000" cy="360000"/>
           </a:xfrm>
           <a:prstGeom prst="rect">
